--- a/10.原型链/10.原型链.pptx
+++ b/10.原型链/10.原型链.pptx
@@ -3,67 +3,67 @@
 <p:presentation xmlns:a="http://schemas.openxmlformats.org/drawingml/2006/main" xmlns:r="http://schemas.openxmlformats.org/officeDocument/2006/relationships" xmlns:p="http://schemas.openxmlformats.org/presentationml/2006/main">
   <p:sldMasterIdLst>
     <p:sldMasterId id="2147483648" r:id="rId1"/>
-    <p:sldMasterId id="2147483652" r:id="rId3"/>
-    <p:sldMasterId id="2147483656" r:id="rId4"/>
-    <p:sldMasterId id="2147483660" r:id="rId5"/>
-    <p:sldMasterId id="2147483664" r:id="rId6"/>
-    <p:sldMasterId id="2147483668" r:id="rId7"/>
+    <p:sldMasterId id="2147483652" r:id="rId2"/>
+    <p:sldMasterId id="2147483656" r:id="rId3"/>
+    <p:sldMasterId id="2147483660" r:id="rId4"/>
+    <p:sldMasterId id="2147483664" r:id="rId5"/>
+    <p:sldMasterId id="2147483668" r:id="rId6"/>
   </p:sldMasterIdLst>
   <p:notesMasterIdLst>
-    <p:notesMasterId r:id="rId9"/>
+    <p:notesMasterId r:id="rId50"/>
   </p:notesMasterIdLst>
   <p:handoutMasterIdLst>
-    <p:handoutMasterId r:id="rId52"/>
+    <p:handoutMasterId r:id="rId51"/>
   </p:handoutMasterIdLst>
   <p:sldIdLst>
-    <p:sldId id="284" r:id="rId8"/>
-    <p:sldId id="288" r:id="rId10"/>
-    <p:sldId id="1066" r:id="rId11"/>
-    <p:sldId id="948" r:id="rId12"/>
-    <p:sldId id="1058" r:id="rId13"/>
-    <p:sldId id="1059" r:id="rId14"/>
-    <p:sldId id="984" r:id="rId15"/>
-    <p:sldId id="957" r:id="rId16"/>
-    <p:sldId id="955" r:id="rId17"/>
-    <p:sldId id="967" r:id="rId18"/>
-    <p:sldId id="972" r:id="rId19"/>
-    <p:sldId id="1060" r:id="rId20"/>
-    <p:sldId id="977" r:id="rId21"/>
-    <p:sldId id="890" r:id="rId22"/>
-    <p:sldId id="877" r:id="rId23"/>
-    <p:sldId id="1062" r:id="rId24"/>
-    <p:sldId id="878" r:id="rId25"/>
-    <p:sldId id="1063" r:id="rId26"/>
-    <p:sldId id="1061" r:id="rId27"/>
-    <p:sldId id="882" r:id="rId28"/>
-    <p:sldId id="986" r:id="rId29"/>
-    <p:sldId id="987" r:id="rId30"/>
-    <p:sldId id="1033" r:id="rId31"/>
-    <p:sldId id="988" r:id="rId32"/>
-    <p:sldId id="989" r:id="rId33"/>
-    <p:sldId id="990" r:id="rId34"/>
-    <p:sldId id="991" r:id="rId35"/>
-    <p:sldId id="993" r:id="rId36"/>
-    <p:sldId id="994" r:id="rId37"/>
-    <p:sldId id="995" r:id="rId38"/>
-    <p:sldId id="996" r:id="rId39"/>
-    <p:sldId id="881" r:id="rId40"/>
-    <p:sldId id="980" r:id="rId41"/>
-    <p:sldId id="1064" r:id="rId42"/>
-    <p:sldId id="1025" r:id="rId43"/>
-    <p:sldId id="1065" r:id="rId44"/>
-    <p:sldId id="1026" r:id="rId45"/>
-    <p:sldId id="1027" r:id="rId46"/>
-    <p:sldId id="1028" r:id="rId47"/>
-    <p:sldId id="1029" r:id="rId48"/>
-    <p:sldId id="1030" r:id="rId49"/>
-    <p:sldId id="1031" r:id="rId50"/>
-    <p:sldId id="862" r:id="rId51"/>
+    <p:sldId id="284" r:id="rId7"/>
+    <p:sldId id="288" r:id="rId8"/>
+    <p:sldId id="1066" r:id="rId9"/>
+    <p:sldId id="948" r:id="rId10"/>
+    <p:sldId id="1058" r:id="rId11"/>
+    <p:sldId id="1059" r:id="rId12"/>
+    <p:sldId id="984" r:id="rId13"/>
+    <p:sldId id="957" r:id="rId14"/>
+    <p:sldId id="955" r:id="rId15"/>
+    <p:sldId id="967" r:id="rId16"/>
+    <p:sldId id="972" r:id="rId17"/>
+    <p:sldId id="1060" r:id="rId18"/>
+    <p:sldId id="977" r:id="rId19"/>
+    <p:sldId id="890" r:id="rId20"/>
+    <p:sldId id="877" r:id="rId21"/>
+    <p:sldId id="1062" r:id="rId22"/>
+    <p:sldId id="878" r:id="rId23"/>
+    <p:sldId id="1063" r:id="rId24"/>
+    <p:sldId id="1061" r:id="rId25"/>
+    <p:sldId id="882" r:id="rId26"/>
+    <p:sldId id="986" r:id="rId27"/>
+    <p:sldId id="987" r:id="rId28"/>
+    <p:sldId id="1033" r:id="rId29"/>
+    <p:sldId id="988" r:id="rId30"/>
+    <p:sldId id="989" r:id="rId31"/>
+    <p:sldId id="990" r:id="rId32"/>
+    <p:sldId id="991" r:id="rId33"/>
+    <p:sldId id="993" r:id="rId34"/>
+    <p:sldId id="994" r:id="rId35"/>
+    <p:sldId id="995" r:id="rId36"/>
+    <p:sldId id="996" r:id="rId37"/>
+    <p:sldId id="881" r:id="rId38"/>
+    <p:sldId id="980" r:id="rId39"/>
+    <p:sldId id="1064" r:id="rId40"/>
+    <p:sldId id="1025" r:id="rId41"/>
+    <p:sldId id="1065" r:id="rId42"/>
+    <p:sldId id="1026" r:id="rId43"/>
+    <p:sldId id="1027" r:id="rId44"/>
+    <p:sldId id="1028" r:id="rId45"/>
+    <p:sldId id="1029" r:id="rId46"/>
+    <p:sldId id="1030" r:id="rId47"/>
+    <p:sldId id="1031" r:id="rId48"/>
+    <p:sldId id="862" r:id="rId49"/>
   </p:sldIdLst>
   <p:sldSz cx="12192000" cy="6858000"/>
   <p:notesSz cx="6858000" cy="9144000"/>
   <p:custDataLst>
-    <p:tags r:id="rId56"/>
+    <p:tags r:id="rId52"/>
   </p:custDataLst>
   <p:defaultTextStyle>
     <a:defPPr>
@@ -160,6 +160,22 @@
       </a:defRPr>
     </a:lvl9pPr>
   </p:defaultTextStyle>
+  <p:extLst>
+    <p:ext uri="{EFAFB233-063F-42B5-8137-9DF3F51BA10A}">
+      <p15:sldGuideLst xmlns:p15="http://schemas.microsoft.com/office/powerpoint/2012/main">
+        <p15:guide id="1" orient="horz" pos="2157">
+          <p15:clr>
+            <a:srgbClr val="A4A3A4"/>
+          </p15:clr>
+        </p15:guide>
+        <p15:guide id="2" pos="3780">
+          <p15:clr>
+            <a:srgbClr val="A4A3A4"/>
+          </p15:clr>
+        </p15:guide>
+      </p15:sldGuideLst>
+    </p:ext>
+  </p:extLst>
 </p:presentation>
 </file>
 
@@ -245,6 +261,7 @@
           <a:p>
             <a:fld id="{0F9B84EA-7D68-4D60-9CB1-D50884785D1C}" type="datetimeFigureOut">
               <a:rPr lang="zh-CN" altLang="en-US" smtClean="0"/>
+              <a:t>2020/4/8</a:t>
             </a:fld>
             <a:endParaRPr lang="zh-CN" altLang="en-US"/>
           </a:p>
@@ -310,6 +327,7 @@
           <a:p>
             <a:fld id="{8D4E0FC9-F1F8-4FAE-9988-3BA365CFD46F}" type="slidenum">
               <a:rPr lang="zh-CN" altLang="en-US" smtClean="0"/>
+              <a:t>‹#›</a:t>
             </a:fld>
             <a:endParaRPr lang="zh-CN" altLang="en-US"/>
           </a:p>
@@ -403,6 +421,7 @@
           <a:p>
             <a:fld id="{684D3FB2-7CB8-4067-B1A5-8C2CFD21EA41}" type="datetimeFigureOut">
               <a:rPr lang="zh-CN" altLang="en-US" smtClean="0"/>
+              <a:t>2020/4/8</a:t>
             </a:fld>
             <a:endParaRPr lang="zh-CN" altLang="en-US"/>
           </a:p>
@@ -471,7 +490,6 @@
               <a:rPr lang="zh-CN" altLang="en-US"/>
               <a:t>单击此处编辑母版文本样式</a:t>
             </a:r>
-            <a:endParaRPr lang="zh-CN" altLang="en-US"/>
           </a:p>
           <a:p>
             <a:pPr lvl="1"/>
@@ -479,7 +497,6 @@
               <a:rPr lang="zh-CN" altLang="en-US"/>
               <a:t>第二级</a:t>
             </a:r>
-            <a:endParaRPr lang="zh-CN" altLang="en-US"/>
           </a:p>
           <a:p>
             <a:pPr lvl="2"/>
@@ -487,7 +504,6 @@
               <a:rPr lang="zh-CN" altLang="en-US"/>
               <a:t>第三级</a:t>
             </a:r>
-            <a:endParaRPr lang="zh-CN" altLang="en-US"/>
           </a:p>
           <a:p>
             <a:pPr lvl="3"/>
@@ -495,7 +511,6 @@
               <a:rPr lang="zh-CN" altLang="en-US"/>
               <a:t>第四级</a:t>
             </a:r>
-            <a:endParaRPr lang="zh-CN" altLang="en-US"/>
           </a:p>
           <a:p>
             <a:pPr lvl="4"/>
@@ -503,7 +518,6 @@
               <a:rPr lang="zh-CN" altLang="en-US"/>
               <a:t>第五级</a:t>
             </a:r>
-            <a:endParaRPr lang="zh-CN" altLang="en-US"/>
           </a:p>
         </p:txBody>
       </p:sp>
@@ -567,6 +581,7 @@
           <a:p>
             <a:fld id="{82D80927-B3A3-4EAB-8C66-CA304D1796CA}" type="slidenum">
               <a:rPr lang="zh-CN" altLang="en-US" smtClean="0"/>
+              <a:t>‹#›</a:t>
             </a:fld>
             <a:endParaRPr lang="zh-CN" altLang="en-US"/>
           </a:p>
@@ -679,11 +694,20 @@
         <p:cNvGrpSpPr/>
         <p:nvPr/>
       </p:nvGrpSpPr>
-      <p:grpSpPr/>
+      <p:grpSpPr>
+        <a:xfrm>
+          <a:off x="0" y="0"/>
+          <a:ext cx="0" cy="0"/>
+          <a:chOff x="0" y="0"/>
+          <a:chExt cx="0" cy="0"/>
+        </a:xfrm>
+      </p:grpSpPr>
       <p:sp>
         <p:nvSpPr>
           <p:cNvPr id="2" name="幻灯片图像占位符 1"/>
-          <p:cNvSpPr/>
+          <p:cNvSpPr>
+            <a:spLocks noGrp="1" noRot="1" noChangeAspect="1"/>
+          </p:cNvSpPr>
           <p:nvPr>
             <p:ph type="sldImg" idx="2"/>
           </p:nvPr>
@@ -693,7 +717,9 @@
       <p:sp>
         <p:nvSpPr>
           <p:cNvPr id="3" name="文本占位符 2"/>
-          <p:cNvSpPr/>
+          <p:cNvSpPr>
+            <a:spLocks noGrp="1"/>
+          </p:cNvSpPr>
           <p:nvPr>
             <p:ph type="body" idx="3"/>
           </p:nvPr>
@@ -701,6 +727,7 @@
         <p:spPr/>
         <p:txBody>
           <a:bodyPr/>
+          <a:lstStyle/>
           <a:p>
             <a:endParaRPr lang="zh-CN" altLang="en-US"/>
           </a:p>
@@ -723,11 +750,20 @@
         <p:cNvGrpSpPr/>
         <p:nvPr/>
       </p:nvGrpSpPr>
-      <p:grpSpPr/>
+      <p:grpSpPr>
+        <a:xfrm>
+          <a:off x="0" y="0"/>
+          <a:ext cx="0" cy="0"/>
+          <a:chOff x="0" y="0"/>
+          <a:chExt cx="0" cy="0"/>
+        </a:xfrm>
+      </p:grpSpPr>
       <p:sp>
         <p:nvSpPr>
           <p:cNvPr id="2" name="幻灯片图像占位符 1"/>
-          <p:cNvSpPr/>
+          <p:cNvSpPr>
+            <a:spLocks noGrp="1" noRot="1" noChangeAspect="1"/>
+          </p:cNvSpPr>
           <p:nvPr>
             <p:ph type="sldImg" idx="2"/>
           </p:nvPr>
@@ -737,7 +773,9 @@
       <p:sp>
         <p:nvSpPr>
           <p:cNvPr id="3" name="文本占位符 2"/>
-          <p:cNvSpPr/>
+          <p:cNvSpPr>
+            <a:spLocks noGrp="1"/>
+          </p:cNvSpPr>
           <p:nvPr>
             <p:ph type="body" idx="3"/>
           </p:nvPr>
@@ -745,6 +783,7 @@
         <p:spPr/>
         <p:txBody>
           <a:bodyPr/>
+          <a:lstStyle/>
           <a:p>
             <a:endParaRPr lang="zh-CN" altLang="en-US"/>
           </a:p>
@@ -767,11 +806,20 @@
         <p:cNvGrpSpPr/>
         <p:nvPr/>
       </p:nvGrpSpPr>
-      <p:grpSpPr/>
+      <p:grpSpPr>
+        <a:xfrm>
+          <a:off x="0" y="0"/>
+          <a:ext cx="0" cy="0"/>
+          <a:chOff x="0" y="0"/>
+          <a:chExt cx="0" cy="0"/>
+        </a:xfrm>
+      </p:grpSpPr>
       <p:sp>
         <p:nvSpPr>
           <p:cNvPr id="2" name="幻灯片图像占位符 1"/>
-          <p:cNvSpPr/>
+          <p:cNvSpPr>
+            <a:spLocks noGrp="1" noRot="1" noChangeAspect="1"/>
+          </p:cNvSpPr>
           <p:nvPr>
             <p:ph type="sldImg" idx="2"/>
           </p:nvPr>
@@ -781,7 +829,9 @@
       <p:sp>
         <p:nvSpPr>
           <p:cNvPr id="3" name="文本占位符 2"/>
-          <p:cNvSpPr/>
+          <p:cNvSpPr>
+            <a:spLocks noGrp="1"/>
+          </p:cNvSpPr>
           <p:nvPr>
             <p:ph type="body" idx="3"/>
           </p:nvPr>
@@ -789,6 +839,7 @@
         <p:spPr/>
         <p:txBody>
           <a:bodyPr/>
+          <a:lstStyle/>
           <a:p>
             <a:endParaRPr lang="zh-CN" altLang="en-US"/>
           </a:p>
@@ -811,11 +862,20 @@
         <p:cNvGrpSpPr/>
         <p:nvPr/>
       </p:nvGrpSpPr>
-      <p:grpSpPr/>
+      <p:grpSpPr>
+        <a:xfrm>
+          <a:off x="0" y="0"/>
+          <a:ext cx="0" cy="0"/>
+          <a:chOff x="0" y="0"/>
+          <a:chExt cx="0" cy="0"/>
+        </a:xfrm>
+      </p:grpSpPr>
       <p:sp>
         <p:nvSpPr>
           <p:cNvPr id="2" name="幻灯片图像占位符 1"/>
-          <p:cNvSpPr/>
+          <p:cNvSpPr>
+            <a:spLocks noGrp="1" noRot="1" noChangeAspect="1"/>
+          </p:cNvSpPr>
           <p:nvPr>
             <p:ph type="sldImg" idx="2"/>
           </p:nvPr>
@@ -825,7 +885,9 @@
       <p:sp>
         <p:nvSpPr>
           <p:cNvPr id="3" name="文本占位符 2"/>
-          <p:cNvSpPr/>
+          <p:cNvSpPr>
+            <a:spLocks noGrp="1"/>
+          </p:cNvSpPr>
           <p:nvPr>
             <p:ph type="body" idx="3"/>
           </p:nvPr>
@@ -833,6 +895,7 @@
         <p:spPr/>
         <p:txBody>
           <a:bodyPr/>
+          <a:lstStyle/>
           <a:p>
             <a:endParaRPr lang="zh-CN" altLang="en-US"/>
           </a:p>
@@ -855,11 +918,20 @@
         <p:cNvGrpSpPr/>
         <p:nvPr/>
       </p:nvGrpSpPr>
-      <p:grpSpPr/>
+      <p:grpSpPr>
+        <a:xfrm>
+          <a:off x="0" y="0"/>
+          <a:ext cx="0" cy="0"/>
+          <a:chOff x="0" y="0"/>
+          <a:chExt cx="0" cy="0"/>
+        </a:xfrm>
+      </p:grpSpPr>
       <p:sp>
         <p:nvSpPr>
           <p:cNvPr id="2" name="幻灯片图像占位符 1"/>
-          <p:cNvSpPr/>
+          <p:cNvSpPr>
+            <a:spLocks noGrp="1" noRot="1" noChangeAspect="1"/>
+          </p:cNvSpPr>
           <p:nvPr>
             <p:ph type="sldImg" idx="2"/>
           </p:nvPr>
@@ -869,7 +941,9 @@
       <p:sp>
         <p:nvSpPr>
           <p:cNvPr id="3" name="文本占位符 2"/>
-          <p:cNvSpPr/>
+          <p:cNvSpPr>
+            <a:spLocks noGrp="1"/>
+          </p:cNvSpPr>
           <p:nvPr>
             <p:ph type="body" idx="3"/>
           </p:nvPr>
@@ -877,6 +951,7 @@
         <p:spPr/>
         <p:txBody>
           <a:bodyPr/>
+          <a:lstStyle/>
           <a:p>
             <a:endParaRPr lang="zh-CN" altLang="en-US"/>
           </a:p>
@@ -899,11 +974,20 @@
         <p:cNvGrpSpPr/>
         <p:nvPr/>
       </p:nvGrpSpPr>
-      <p:grpSpPr/>
+      <p:grpSpPr>
+        <a:xfrm>
+          <a:off x="0" y="0"/>
+          <a:ext cx="0" cy="0"/>
+          <a:chOff x="0" y="0"/>
+          <a:chExt cx="0" cy="0"/>
+        </a:xfrm>
+      </p:grpSpPr>
       <p:sp>
         <p:nvSpPr>
           <p:cNvPr id="2" name="幻灯片图像占位符 1"/>
-          <p:cNvSpPr/>
+          <p:cNvSpPr>
+            <a:spLocks noGrp="1" noRot="1" noChangeAspect="1"/>
+          </p:cNvSpPr>
           <p:nvPr>
             <p:ph type="sldImg" idx="2"/>
           </p:nvPr>
@@ -913,7 +997,9 @@
       <p:sp>
         <p:nvSpPr>
           <p:cNvPr id="3" name="文本占位符 2"/>
-          <p:cNvSpPr/>
+          <p:cNvSpPr>
+            <a:spLocks noGrp="1"/>
+          </p:cNvSpPr>
           <p:nvPr>
             <p:ph type="body" idx="3"/>
           </p:nvPr>
@@ -921,6 +1007,7 @@
         <p:spPr/>
         <p:txBody>
           <a:bodyPr/>
+          <a:lstStyle/>
           <a:p>
             <a:endParaRPr lang="zh-CN" altLang="en-US"/>
           </a:p>
@@ -943,11 +1030,20 @@
         <p:cNvGrpSpPr/>
         <p:nvPr/>
       </p:nvGrpSpPr>
-      <p:grpSpPr/>
+      <p:grpSpPr>
+        <a:xfrm>
+          <a:off x="0" y="0"/>
+          <a:ext cx="0" cy="0"/>
+          <a:chOff x="0" y="0"/>
+          <a:chExt cx="0" cy="0"/>
+        </a:xfrm>
+      </p:grpSpPr>
       <p:sp>
         <p:nvSpPr>
           <p:cNvPr id="2" name="幻灯片图像占位符 1"/>
-          <p:cNvSpPr/>
+          <p:cNvSpPr>
+            <a:spLocks noGrp="1" noRot="1" noChangeAspect="1"/>
+          </p:cNvSpPr>
           <p:nvPr>
             <p:ph type="sldImg" idx="2"/>
           </p:nvPr>
@@ -957,7 +1053,9 @@
       <p:sp>
         <p:nvSpPr>
           <p:cNvPr id="3" name="文本占位符 2"/>
-          <p:cNvSpPr/>
+          <p:cNvSpPr>
+            <a:spLocks noGrp="1"/>
+          </p:cNvSpPr>
           <p:nvPr>
             <p:ph type="body" idx="3"/>
           </p:nvPr>
@@ -965,6 +1063,7 @@
         <p:spPr/>
         <p:txBody>
           <a:bodyPr/>
+          <a:lstStyle/>
           <a:p>
             <a:endParaRPr lang="zh-CN" altLang="en-US"/>
           </a:p>
@@ -987,11 +1086,20 @@
         <p:cNvGrpSpPr/>
         <p:nvPr/>
       </p:nvGrpSpPr>
-      <p:grpSpPr/>
+      <p:grpSpPr>
+        <a:xfrm>
+          <a:off x="0" y="0"/>
+          <a:ext cx="0" cy="0"/>
+          <a:chOff x="0" y="0"/>
+          <a:chExt cx="0" cy="0"/>
+        </a:xfrm>
+      </p:grpSpPr>
       <p:sp>
         <p:nvSpPr>
           <p:cNvPr id="2" name="幻灯片图像占位符 1"/>
-          <p:cNvSpPr/>
+          <p:cNvSpPr>
+            <a:spLocks noGrp="1" noRot="1" noChangeAspect="1"/>
+          </p:cNvSpPr>
           <p:nvPr>
             <p:ph type="sldImg" idx="2"/>
           </p:nvPr>
@@ -1001,7 +1109,9 @@
       <p:sp>
         <p:nvSpPr>
           <p:cNvPr id="3" name="文本占位符 2"/>
-          <p:cNvSpPr/>
+          <p:cNvSpPr>
+            <a:spLocks noGrp="1"/>
+          </p:cNvSpPr>
           <p:nvPr>
             <p:ph type="body" idx="3"/>
           </p:nvPr>
@@ -1009,8 +1119,94 @@
         <p:spPr/>
         <p:txBody>
           <a:bodyPr/>
-          <a:p>
-            <a:endParaRPr lang="zh-CN" altLang="en-US"/>
+          <a:lstStyle/>
+          <a:p>
+            <a:r>
+              <a:rPr lang="en-US" altLang="zh-CN" dirty="0" err="1"/>
+              <a:t>fn</a:t>
+            </a:r>
+            <a:r>
+              <a:rPr lang="en-US" altLang="zh-CN" dirty="0"/>
+              <a:t>.__proto__ =&gt;</a:t>
+            </a:r>
+            <a:r>
+              <a:rPr lang="en-US" altLang="zh-CN" dirty="0" err="1"/>
+              <a:t>Function.prototype</a:t>
+            </a:r>
+            <a:endParaRPr lang="en-US" altLang="zh-CN" dirty="0"/>
+          </a:p>
+          <a:p>
+            <a:r>
+              <a:rPr lang="en-US" altLang="zh-CN" dirty="0" err="1"/>
+              <a:t>Function.prototype.__proto</a:t>
+            </a:r>
+            <a:r>
+              <a:rPr lang="en-US" altLang="zh-CN" dirty="0"/>
+              <a:t>__ =&gt;</a:t>
+            </a:r>
+            <a:r>
+              <a:rPr lang="en-US" altLang="zh-CN" dirty="0" err="1"/>
+              <a:t>Object.prototype</a:t>
+            </a:r>
+            <a:endParaRPr lang="en-US" altLang="zh-CN" dirty="0"/>
+          </a:p>
+          <a:p>
+            <a:r>
+              <a:rPr lang="en-US" altLang="zh-CN" dirty="0" err="1"/>
+              <a:t>Object.prototype.__proto</a:t>
+            </a:r>
+            <a:r>
+              <a:rPr lang="en-US" altLang="zh-CN" dirty="0"/>
+              <a:t>__ =&gt;null</a:t>
+            </a:r>
+          </a:p>
+          <a:p>
+            <a:endParaRPr lang="en-US" altLang="zh-CN" dirty="0"/>
+          </a:p>
+          <a:p>
+            <a:r>
+              <a:rPr lang="en-US" altLang="zh-CN" dirty="0" err="1"/>
+              <a:t>fn.prototype.__proto</a:t>
+            </a:r>
+            <a:r>
+              <a:rPr lang="en-US" altLang="zh-CN" dirty="0"/>
+              <a:t>__ </a:t>
+            </a:r>
+            <a:r>
+              <a:rPr lang="en-US" altLang="zh-CN" dirty="0">
+                <a:sym typeface="Wingdings" panose="05000000000000000000" pitchFamily="2" charset="2"/>
+              </a:rPr>
+              <a:t>=&gt;</a:t>
+            </a:r>
+            <a:r>
+              <a:rPr lang="en-US" altLang="zh-CN" dirty="0" err="1">
+                <a:sym typeface="Wingdings" panose="05000000000000000000" pitchFamily="2" charset="2"/>
+              </a:rPr>
+              <a:t>Object.prototype</a:t>
+            </a:r>
+            <a:endParaRPr lang="en-US" altLang="zh-CN" dirty="0">
+              <a:sym typeface="Wingdings" panose="05000000000000000000" pitchFamily="2" charset="2"/>
+            </a:endParaRPr>
+          </a:p>
+          <a:p>
+            <a:endParaRPr lang="en-US" altLang="zh-CN" dirty="0">
+              <a:sym typeface="Wingdings" panose="05000000000000000000" pitchFamily="2" charset="2"/>
+            </a:endParaRPr>
+          </a:p>
+          <a:p>
+            <a:r>
+              <a:rPr lang="en-US" altLang="zh-CN" dirty="0">
+                <a:sym typeface="Wingdings" panose="05000000000000000000" pitchFamily="2" charset="2"/>
+              </a:rPr>
+              <a:t>f1.__proto__ =&gt;</a:t>
+            </a:r>
+            <a:r>
+              <a:rPr lang="en-US" altLang="zh-CN" dirty="0" err="1">
+                <a:sym typeface="Wingdings" panose="05000000000000000000" pitchFamily="2" charset="2"/>
+              </a:rPr>
+              <a:t>fn.prototype</a:t>
+            </a:r>
+            <a:endParaRPr lang="zh-CN" altLang="en-US" dirty="0"/>
           </a:p>
         </p:txBody>
       </p:sp>
@@ -1031,11 +1227,20 @@
         <p:cNvGrpSpPr/>
         <p:nvPr/>
       </p:nvGrpSpPr>
-      <p:grpSpPr/>
+      <p:grpSpPr>
+        <a:xfrm>
+          <a:off x="0" y="0"/>
+          <a:ext cx="0" cy="0"/>
+          <a:chOff x="0" y="0"/>
+          <a:chExt cx="0" cy="0"/>
+        </a:xfrm>
+      </p:grpSpPr>
       <p:sp>
         <p:nvSpPr>
           <p:cNvPr id="2" name="幻灯片图像占位符 1"/>
-          <p:cNvSpPr/>
+          <p:cNvSpPr>
+            <a:spLocks noGrp="1" noRot="1" noChangeAspect="1"/>
+          </p:cNvSpPr>
           <p:nvPr>
             <p:ph type="sldImg" idx="2"/>
           </p:nvPr>
@@ -1045,7 +1250,9 @@
       <p:sp>
         <p:nvSpPr>
           <p:cNvPr id="3" name="文本占位符 2"/>
-          <p:cNvSpPr/>
+          <p:cNvSpPr>
+            <a:spLocks noGrp="1"/>
+          </p:cNvSpPr>
           <p:nvPr>
             <p:ph type="body" idx="3"/>
           </p:nvPr>
@@ -1053,6 +1260,7 @@
         <p:spPr/>
         <p:txBody>
           <a:bodyPr/>
+          <a:lstStyle/>
           <a:p>
             <a:endParaRPr lang="zh-CN" altLang="en-US"/>
           </a:p>
@@ -1075,11 +1283,20 @@
         <p:cNvGrpSpPr/>
         <p:nvPr/>
       </p:nvGrpSpPr>
-      <p:grpSpPr/>
+      <p:grpSpPr>
+        <a:xfrm>
+          <a:off x="0" y="0"/>
+          <a:ext cx="0" cy="0"/>
+          <a:chOff x="0" y="0"/>
+          <a:chExt cx="0" cy="0"/>
+        </a:xfrm>
+      </p:grpSpPr>
       <p:sp>
         <p:nvSpPr>
           <p:cNvPr id="2" name="幻灯片图像占位符 1"/>
-          <p:cNvSpPr/>
+          <p:cNvSpPr>
+            <a:spLocks noGrp="1" noRot="1" noChangeAspect="1"/>
+          </p:cNvSpPr>
           <p:nvPr>
             <p:ph type="sldImg" idx="2"/>
           </p:nvPr>
@@ -1089,7 +1306,9 @@
       <p:sp>
         <p:nvSpPr>
           <p:cNvPr id="3" name="文本占位符 2"/>
-          <p:cNvSpPr/>
+          <p:cNvSpPr>
+            <a:spLocks noGrp="1"/>
+          </p:cNvSpPr>
           <p:nvPr>
             <p:ph type="body" idx="3"/>
           </p:nvPr>
@@ -1097,6 +1316,7 @@
         <p:spPr/>
         <p:txBody>
           <a:bodyPr/>
+          <a:lstStyle/>
           <a:p>
             <a:endParaRPr lang="zh-CN" altLang="en-US"/>
           </a:p>
@@ -1119,11 +1339,20 @@
         <p:cNvGrpSpPr/>
         <p:nvPr/>
       </p:nvGrpSpPr>
-      <p:grpSpPr/>
+      <p:grpSpPr>
+        <a:xfrm>
+          <a:off x="0" y="0"/>
+          <a:ext cx="0" cy="0"/>
+          <a:chOff x="0" y="0"/>
+          <a:chExt cx="0" cy="0"/>
+        </a:xfrm>
+      </p:grpSpPr>
       <p:sp>
         <p:nvSpPr>
           <p:cNvPr id="2" name="幻灯片图像占位符 1"/>
-          <p:cNvSpPr/>
+          <p:cNvSpPr>
+            <a:spLocks noGrp="1" noRot="1" noChangeAspect="1"/>
+          </p:cNvSpPr>
           <p:nvPr>
             <p:ph type="sldImg" idx="2"/>
           </p:nvPr>
@@ -1133,7 +1362,9 @@
       <p:sp>
         <p:nvSpPr>
           <p:cNvPr id="3" name="文本占位符 2"/>
-          <p:cNvSpPr/>
+          <p:cNvSpPr>
+            <a:spLocks noGrp="1"/>
+          </p:cNvSpPr>
           <p:nvPr>
             <p:ph type="body" idx="3"/>
           </p:nvPr>
@@ -1141,6 +1372,7 @@
         <p:spPr/>
         <p:txBody>
           <a:bodyPr/>
+          <a:lstStyle/>
           <a:p>
             <a:endParaRPr lang="zh-CN" altLang="en-US"/>
           </a:p>
@@ -1163,11 +1395,20 @@
         <p:cNvGrpSpPr/>
         <p:nvPr/>
       </p:nvGrpSpPr>
-      <p:grpSpPr/>
+      <p:grpSpPr>
+        <a:xfrm>
+          <a:off x="0" y="0"/>
+          <a:ext cx="0" cy="0"/>
+          <a:chOff x="0" y="0"/>
+          <a:chExt cx="0" cy="0"/>
+        </a:xfrm>
+      </p:grpSpPr>
       <p:sp>
         <p:nvSpPr>
           <p:cNvPr id="2" name="幻灯片图像占位符 1"/>
-          <p:cNvSpPr/>
+          <p:cNvSpPr>
+            <a:spLocks noGrp="1" noRot="1" noChangeAspect="1"/>
+          </p:cNvSpPr>
           <p:nvPr>
             <p:ph type="sldImg" idx="2"/>
           </p:nvPr>
@@ -1177,7 +1418,9 @@
       <p:sp>
         <p:nvSpPr>
           <p:cNvPr id="3" name="文本占位符 2"/>
-          <p:cNvSpPr/>
+          <p:cNvSpPr>
+            <a:spLocks noGrp="1"/>
+          </p:cNvSpPr>
           <p:nvPr>
             <p:ph type="body" idx="3"/>
           </p:nvPr>
@@ -1185,6 +1428,7 @@
         <p:spPr/>
         <p:txBody>
           <a:bodyPr/>
+          <a:lstStyle/>
           <a:p>
             <a:endParaRPr lang="zh-CN" altLang="en-US"/>
           </a:p>
@@ -1207,11 +1451,20 @@
         <p:cNvGrpSpPr/>
         <p:nvPr/>
       </p:nvGrpSpPr>
-      <p:grpSpPr/>
+      <p:grpSpPr>
+        <a:xfrm>
+          <a:off x="0" y="0"/>
+          <a:ext cx="0" cy="0"/>
+          <a:chOff x="0" y="0"/>
+          <a:chExt cx="0" cy="0"/>
+        </a:xfrm>
+      </p:grpSpPr>
       <p:sp>
         <p:nvSpPr>
           <p:cNvPr id="2" name="幻灯片图像占位符 1"/>
-          <p:cNvSpPr/>
+          <p:cNvSpPr>
+            <a:spLocks noGrp="1" noRot="1" noChangeAspect="1"/>
+          </p:cNvSpPr>
           <p:nvPr>
             <p:ph type="sldImg" idx="2"/>
           </p:nvPr>
@@ -1221,7 +1474,9 @@
       <p:sp>
         <p:nvSpPr>
           <p:cNvPr id="3" name="文本占位符 2"/>
-          <p:cNvSpPr/>
+          <p:cNvSpPr>
+            <a:spLocks noGrp="1"/>
+          </p:cNvSpPr>
           <p:nvPr>
             <p:ph type="body" idx="3"/>
           </p:nvPr>
@@ -1229,6 +1484,7 @@
         <p:spPr/>
         <p:txBody>
           <a:bodyPr/>
+          <a:lstStyle/>
           <a:p>
             <a:endParaRPr lang="zh-CN" altLang="en-US"/>
           </a:p>
@@ -1251,11 +1507,20 @@
         <p:cNvGrpSpPr/>
         <p:nvPr/>
       </p:nvGrpSpPr>
-      <p:grpSpPr/>
+      <p:grpSpPr>
+        <a:xfrm>
+          <a:off x="0" y="0"/>
+          <a:ext cx="0" cy="0"/>
+          <a:chOff x="0" y="0"/>
+          <a:chExt cx="0" cy="0"/>
+        </a:xfrm>
+      </p:grpSpPr>
       <p:sp>
         <p:nvSpPr>
           <p:cNvPr id="2" name="幻灯片图像占位符 1"/>
-          <p:cNvSpPr/>
+          <p:cNvSpPr>
+            <a:spLocks noGrp="1" noRot="1" noChangeAspect="1"/>
+          </p:cNvSpPr>
           <p:nvPr>
             <p:ph type="sldImg" idx="2"/>
           </p:nvPr>
@@ -1265,7 +1530,9 @@
       <p:sp>
         <p:nvSpPr>
           <p:cNvPr id="3" name="文本占位符 2"/>
-          <p:cNvSpPr/>
+          <p:cNvSpPr>
+            <a:spLocks noGrp="1"/>
+          </p:cNvSpPr>
           <p:nvPr>
             <p:ph type="body" idx="3"/>
           </p:nvPr>
@@ -1273,6 +1540,7 @@
         <p:spPr/>
         <p:txBody>
           <a:bodyPr/>
+          <a:lstStyle/>
           <a:p>
             <a:endParaRPr lang="zh-CN" altLang="en-US"/>
           </a:p>
@@ -1295,11 +1563,20 @@
         <p:cNvGrpSpPr/>
         <p:nvPr/>
       </p:nvGrpSpPr>
-      <p:grpSpPr/>
+      <p:grpSpPr>
+        <a:xfrm>
+          <a:off x="0" y="0"/>
+          <a:ext cx="0" cy="0"/>
+          <a:chOff x="0" y="0"/>
+          <a:chExt cx="0" cy="0"/>
+        </a:xfrm>
+      </p:grpSpPr>
       <p:sp>
         <p:nvSpPr>
           <p:cNvPr id="2" name="幻灯片图像占位符 1"/>
-          <p:cNvSpPr/>
+          <p:cNvSpPr>
+            <a:spLocks noGrp="1" noRot="1" noChangeAspect="1"/>
+          </p:cNvSpPr>
           <p:nvPr>
             <p:ph type="sldImg" idx="2"/>
           </p:nvPr>
@@ -1309,7 +1586,9 @@
       <p:sp>
         <p:nvSpPr>
           <p:cNvPr id="3" name="文本占位符 2"/>
-          <p:cNvSpPr/>
+          <p:cNvSpPr>
+            <a:spLocks noGrp="1"/>
+          </p:cNvSpPr>
           <p:nvPr>
             <p:ph type="body" idx="3"/>
           </p:nvPr>
@@ -1317,6 +1596,7 @@
         <p:spPr/>
         <p:txBody>
           <a:bodyPr/>
+          <a:lstStyle/>
           <a:p>
             <a:endParaRPr lang="zh-CN" altLang="en-US"/>
           </a:p>
@@ -1339,11 +1619,20 @@
         <p:cNvGrpSpPr/>
         <p:nvPr/>
       </p:nvGrpSpPr>
-      <p:grpSpPr/>
+      <p:grpSpPr>
+        <a:xfrm>
+          <a:off x="0" y="0"/>
+          <a:ext cx="0" cy="0"/>
+          <a:chOff x="0" y="0"/>
+          <a:chExt cx="0" cy="0"/>
+        </a:xfrm>
+      </p:grpSpPr>
       <p:sp>
         <p:nvSpPr>
           <p:cNvPr id="2" name="幻灯片图像占位符 1"/>
-          <p:cNvSpPr/>
+          <p:cNvSpPr>
+            <a:spLocks noGrp="1" noRot="1" noChangeAspect="1"/>
+          </p:cNvSpPr>
           <p:nvPr>
             <p:ph type="sldImg" idx="2"/>
           </p:nvPr>
@@ -1353,7 +1642,9 @@
       <p:sp>
         <p:nvSpPr>
           <p:cNvPr id="3" name="文本占位符 2"/>
-          <p:cNvSpPr/>
+          <p:cNvSpPr>
+            <a:spLocks noGrp="1"/>
+          </p:cNvSpPr>
           <p:nvPr>
             <p:ph type="body" idx="3"/>
           </p:nvPr>
@@ -1361,6 +1652,7 @@
         <p:spPr/>
         <p:txBody>
           <a:bodyPr/>
+          <a:lstStyle/>
           <a:p>
             <a:endParaRPr lang="zh-CN" altLang="en-US"/>
           </a:p>
@@ -1383,11 +1675,20 @@
         <p:cNvGrpSpPr/>
         <p:nvPr/>
       </p:nvGrpSpPr>
-      <p:grpSpPr/>
+      <p:grpSpPr>
+        <a:xfrm>
+          <a:off x="0" y="0"/>
+          <a:ext cx="0" cy="0"/>
+          <a:chOff x="0" y="0"/>
+          <a:chExt cx="0" cy="0"/>
+        </a:xfrm>
+      </p:grpSpPr>
       <p:sp>
         <p:nvSpPr>
           <p:cNvPr id="2" name="幻灯片图像占位符 1"/>
-          <p:cNvSpPr/>
+          <p:cNvSpPr>
+            <a:spLocks noGrp="1" noRot="1" noChangeAspect="1"/>
+          </p:cNvSpPr>
           <p:nvPr>
             <p:ph type="sldImg" idx="2"/>
           </p:nvPr>
@@ -1397,7 +1698,9 @@
       <p:sp>
         <p:nvSpPr>
           <p:cNvPr id="3" name="文本占位符 2"/>
-          <p:cNvSpPr/>
+          <p:cNvSpPr>
+            <a:spLocks noGrp="1"/>
+          </p:cNvSpPr>
           <p:nvPr>
             <p:ph type="body" idx="3"/>
           </p:nvPr>
@@ -1405,6 +1708,7 @@
         <p:spPr/>
         <p:txBody>
           <a:bodyPr/>
+          <a:lstStyle/>
           <a:p>
             <a:endParaRPr lang="zh-CN" altLang="en-US"/>
           </a:p>
@@ -1427,11 +1731,20 @@
         <p:cNvGrpSpPr/>
         <p:nvPr/>
       </p:nvGrpSpPr>
-      <p:grpSpPr/>
+      <p:grpSpPr>
+        <a:xfrm>
+          <a:off x="0" y="0"/>
+          <a:ext cx="0" cy="0"/>
+          <a:chOff x="0" y="0"/>
+          <a:chExt cx="0" cy="0"/>
+        </a:xfrm>
+      </p:grpSpPr>
       <p:sp>
         <p:nvSpPr>
           <p:cNvPr id="2" name="幻灯片图像占位符 1"/>
-          <p:cNvSpPr/>
+          <p:cNvSpPr>
+            <a:spLocks noGrp="1" noRot="1" noChangeAspect="1"/>
+          </p:cNvSpPr>
           <p:nvPr>
             <p:ph type="sldImg" idx="2"/>
           </p:nvPr>
@@ -1441,7 +1754,9 @@
       <p:sp>
         <p:nvSpPr>
           <p:cNvPr id="3" name="文本占位符 2"/>
-          <p:cNvSpPr/>
+          <p:cNvSpPr>
+            <a:spLocks noGrp="1"/>
+          </p:cNvSpPr>
           <p:nvPr>
             <p:ph type="body" idx="3"/>
           </p:nvPr>
@@ -1449,6 +1764,7 @@
         <p:spPr/>
         <p:txBody>
           <a:bodyPr/>
+          <a:lstStyle/>
           <a:p>
             <a:endParaRPr lang="zh-CN" altLang="en-US"/>
           </a:p>
@@ -1471,11 +1787,20 @@
         <p:cNvGrpSpPr/>
         <p:nvPr/>
       </p:nvGrpSpPr>
-      <p:grpSpPr/>
+      <p:grpSpPr>
+        <a:xfrm>
+          <a:off x="0" y="0"/>
+          <a:ext cx="0" cy="0"/>
+          <a:chOff x="0" y="0"/>
+          <a:chExt cx="0" cy="0"/>
+        </a:xfrm>
+      </p:grpSpPr>
       <p:sp>
         <p:nvSpPr>
           <p:cNvPr id="2" name="幻灯片图像占位符 1"/>
-          <p:cNvSpPr/>
+          <p:cNvSpPr>
+            <a:spLocks noGrp="1" noRot="1" noChangeAspect="1"/>
+          </p:cNvSpPr>
           <p:nvPr>
             <p:ph type="sldImg" idx="2"/>
           </p:nvPr>
@@ -1485,7 +1810,9 @@
       <p:sp>
         <p:nvSpPr>
           <p:cNvPr id="3" name="文本占位符 2"/>
-          <p:cNvSpPr/>
+          <p:cNvSpPr>
+            <a:spLocks noGrp="1"/>
+          </p:cNvSpPr>
           <p:nvPr>
             <p:ph type="body" idx="3"/>
           </p:nvPr>
@@ -1493,6 +1820,7 @@
         <p:spPr/>
         <p:txBody>
           <a:bodyPr/>
+          <a:lstStyle/>
           <a:p>
             <a:endParaRPr lang="zh-CN" altLang="en-US"/>
           </a:p>
@@ -1515,11 +1843,20 @@
         <p:cNvGrpSpPr/>
         <p:nvPr/>
       </p:nvGrpSpPr>
-      <p:grpSpPr/>
+      <p:grpSpPr>
+        <a:xfrm>
+          <a:off x="0" y="0"/>
+          <a:ext cx="0" cy="0"/>
+          <a:chOff x="0" y="0"/>
+          <a:chExt cx="0" cy="0"/>
+        </a:xfrm>
+      </p:grpSpPr>
       <p:sp>
         <p:nvSpPr>
           <p:cNvPr id="2" name="幻灯片图像占位符 1"/>
-          <p:cNvSpPr/>
+          <p:cNvSpPr>
+            <a:spLocks noGrp="1" noRot="1" noChangeAspect="1"/>
+          </p:cNvSpPr>
           <p:nvPr>
             <p:ph type="sldImg" idx="2"/>
           </p:nvPr>
@@ -1529,7 +1866,9 @@
       <p:sp>
         <p:nvSpPr>
           <p:cNvPr id="3" name="文本占位符 2"/>
-          <p:cNvSpPr/>
+          <p:cNvSpPr>
+            <a:spLocks noGrp="1"/>
+          </p:cNvSpPr>
           <p:nvPr>
             <p:ph type="body" idx="3"/>
           </p:nvPr>
@@ -1537,6 +1876,7 @@
         <p:spPr/>
         <p:txBody>
           <a:bodyPr/>
+          <a:lstStyle/>
           <a:p>
             <a:endParaRPr lang="zh-CN" altLang="en-US"/>
           </a:p>
@@ -1559,11 +1899,20 @@
         <p:cNvGrpSpPr/>
         <p:nvPr/>
       </p:nvGrpSpPr>
-      <p:grpSpPr/>
+      <p:grpSpPr>
+        <a:xfrm>
+          <a:off x="0" y="0"/>
+          <a:ext cx="0" cy="0"/>
+          <a:chOff x="0" y="0"/>
+          <a:chExt cx="0" cy="0"/>
+        </a:xfrm>
+      </p:grpSpPr>
       <p:sp>
         <p:nvSpPr>
           <p:cNvPr id="2" name="幻灯片图像占位符 1"/>
-          <p:cNvSpPr/>
+          <p:cNvSpPr>
+            <a:spLocks noGrp="1" noRot="1" noChangeAspect="1"/>
+          </p:cNvSpPr>
           <p:nvPr>
             <p:ph type="sldImg" idx="2"/>
           </p:nvPr>
@@ -1573,7 +1922,9 @@
       <p:sp>
         <p:nvSpPr>
           <p:cNvPr id="3" name="文本占位符 2"/>
-          <p:cNvSpPr/>
+          <p:cNvSpPr>
+            <a:spLocks noGrp="1"/>
+          </p:cNvSpPr>
           <p:nvPr>
             <p:ph type="body" idx="3"/>
           </p:nvPr>
@@ -1581,6 +1932,7 @@
         <p:spPr/>
         <p:txBody>
           <a:bodyPr/>
+          <a:lstStyle/>
           <a:p>
             <a:endParaRPr lang="zh-CN" altLang="en-US"/>
           </a:p>
@@ -1603,11 +1955,20 @@
         <p:cNvGrpSpPr/>
         <p:nvPr/>
       </p:nvGrpSpPr>
-      <p:grpSpPr/>
+      <p:grpSpPr>
+        <a:xfrm>
+          <a:off x="0" y="0"/>
+          <a:ext cx="0" cy="0"/>
+          <a:chOff x="0" y="0"/>
+          <a:chExt cx="0" cy="0"/>
+        </a:xfrm>
+      </p:grpSpPr>
       <p:sp>
         <p:nvSpPr>
           <p:cNvPr id="2" name="幻灯片图像占位符 1"/>
-          <p:cNvSpPr/>
+          <p:cNvSpPr>
+            <a:spLocks noGrp="1" noRot="1" noChangeAspect="1"/>
+          </p:cNvSpPr>
           <p:nvPr>
             <p:ph type="sldImg" idx="2"/>
           </p:nvPr>
@@ -1617,7 +1978,9 @@
       <p:sp>
         <p:nvSpPr>
           <p:cNvPr id="3" name="文本占位符 2"/>
-          <p:cNvSpPr/>
+          <p:cNvSpPr>
+            <a:spLocks noGrp="1"/>
+          </p:cNvSpPr>
           <p:nvPr>
             <p:ph type="body" idx="3"/>
           </p:nvPr>
@@ -1625,6 +1988,7 @@
         <p:spPr/>
         <p:txBody>
           <a:bodyPr/>
+          <a:lstStyle/>
           <a:p>
             <a:endParaRPr lang="zh-CN" altLang="en-US"/>
           </a:p>
@@ -1647,11 +2011,20 @@
         <p:cNvGrpSpPr/>
         <p:nvPr/>
       </p:nvGrpSpPr>
-      <p:grpSpPr/>
+      <p:grpSpPr>
+        <a:xfrm>
+          <a:off x="0" y="0"/>
+          <a:ext cx="0" cy="0"/>
+          <a:chOff x="0" y="0"/>
+          <a:chExt cx="0" cy="0"/>
+        </a:xfrm>
+      </p:grpSpPr>
       <p:sp>
         <p:nvSpPr>
           <p:cNvPr id="2" name="幻灯片图像占位符 1"/>
-          <p:cNvSpPr/>
+          <p:cNvSpPr>
+            <a:spLocks noGrp="1" noRot="1" noChangeAspect="1"/>
+          </p:cNvSpPr>
           <p:nvPr>
             <p:ph type="sldImg" idx="2"/>
           </p:nvPr>
@@ -1661,7 +2034,9 @@
       <p:sp>
         <p:nvSpPr>
           <p:cNvPr id="3" name="文本占位符 2"/>
-          <p:cNvSpPr/>
+          <p:cNvSpPr>
+            <a:spLocks noGrp="1"/>
+          </p:cNvSpPr>
           <p:nvPr>
             <p:ph type="body" idx="3"/>
           </p:nvPr>
@@ -1669,6 +2044,7 @@
         <p:spPr/>
         <p:txBody>
           <a:bodyPr/>
+          <a:lstStyle/>
           <a:p>
             <a:endParaRPr lang="zh-CN" altLang="en-US"/>
           </a:p>
@@ -1691,11 +2067,20 @@
         <p:cNvGrpSpPr/>
         <p:nvPr/>
       </p:nvGrpSpPr>
-      <p:grpSpPr/>
+      <p:grpSpPr>
+        <a:xfrm>
+          <a:off x="0" y="0"/>
+          <a:ext cx="0" cy="0"/>
+          <a:chOff x="0" y="0"/>
+          <a:chExt cx="0" cy="0"/>
+        </a:xfrm>
+      </p:grpSpPr>
       <p:sp>
         <p:nvSpPr>
           <p:cNvPr id="2" name="幻灯片图像占位符 1"/>
-          <p:cNvSpPr/>
+          <p:cNvSpPr>
+            <a:spLocks noGrp="1" noRot="1" noChangeAspect="1"/>
+          </p:cNvSpPr>
           <p:nvPr>
             <p:ph type="sldImg" idx="2"/>
           </p:nvPr>
@@ -1705,7 +2090,9 @@
       <p:sp>
         <p:nvSpPr>
           <p:cNvPr id="3" name="文本占位符 2"/>
-          <p:cNvSpPr/>
+          <p:cNvSpPr>
+            <a:spLocks noGrp="1"/>
+          </p:cNvSpPr>
           <p:nvPr>
             <p:ph type="body" idx="3"/>
           </p:nvPr>
@@ -1713,6 +2100,7 @@
         <p:spPr/>
         <p:txBody>
           <a:bodyPr/>
+          <a:lstStyle/>
           <a:p>
             <a:endParaRPr lang="zh-CN" altLang="en-US"/>
           </a:p>
@@ -1786,7 +2174,6 @@
               <a:rPr lang="zh-CN" altLang="en-US"/>
               <a:t>单击此处编辑标题样式</a:t>
             </a:r>
-            <a:endParaRPr lang="zh-CN" altLang="en-US"/>
           </a:p>
         </p:txBody>
       </p:sp>
@@ -1840,7 +2227,6 @@
               <a:rPr lang="zh-CN" altLang="en-US"/>
               <a:t>单击此处编辑母版文本样式</a:t>
             </a:r>
-            <a:endParaRPr lang="zh-CN" altLang="en-US"/>
           </a:p>
           <a:p>
             <a:pPr lvl="1"/>
@@ -1848,7 +2234,6 @@
               <a:rPr lang="zh-CN" altLang="en-US"/>
               <a:t>第二级</a:t>
             </a:r>
-            <a:endParaRPr lang="zh-CN" altLang="en-US"/>
           </a:p>
           <a:p>
             <a:pPr lvl="2"/>
@@ -1856,7 +2241,6 @@
               <a:rPr lang="zh-CN" altLang="en-US"/>
               <a:t>第三级</a:t>
             </a:r>
-            <a:endParaRPr lang="zh-CN" altLang="en-US"/>
           </a:p>
           <a:p>
             <a:pPr lvl="3"/>
@@ -1864,7 +2248,6 @@
               <a:rPr lang="zh-CN" altLang="en-US"/>
               <a:t>第四级</a:t>
             </a:r>
-            <a:endParaRPr lang="zh-CN" altLang="en-US"/>
           </a:p>
           <a:p>
             <a:pPr lvl="4"/>
@@ -1872,7 +2255,6 @@
               <a:rPr lang="zh-CN" altLang="en-US"/>
               <a:t>第五级</a:t>
             </a:r>
-            <a:endParaRPr lang="zh-CN" altLang="en-US"/>
           </a:p>
         </p:txBody>
       </p:sp>
@@ -1998,7 +2380,6 @@
               <a:rPr lang="zh-CN" altLang="en-US"/>
               <a:t>单击此处编辑标题样式</a:t>
             </a:r>
-            <a:endParaRPr lang="zh-CN" altLang="en-US"/>
           </a:p>
         </p:txBody>
       </p:sp>
@@ -2052,7 +2433,6 @@
               <a:rPr lang="zh-CN" altLang="en-US"/>
               <a:t>单击此处编辑母版文本样式</a:t>
             </a:r>
-            <a:endParaRPr lang="zh-CN" altLang="en-US"/>
           </a:p>
           <a:p>
             <a:pPr lvl="1"/>
@@ -2060,7 +2440,6 @@
               <a:rPr lang="zh-CN" altLang="en-US"/>
               <a:t>第二级</a:t>
             </a:r>
-            <a:endParaRPr lang="zh-CN" altLang="en-US"/>
           </a:p>
           <a:p>
             <a:pPr lvl="2"/>
@@ -2068,7 +2447,6 @@
               <a:rPr lang="zh-CN" altLang="en-US"/>
               <a:t>第三级</a:t>
             </a:r>
-            <a:endParaRPr lang="zh-CN" altLang="en-US"/>
           </a:p>
           <a:p>
             <a:pPr lvl="3"/>
@@ -2076,7 +2454,6 @@
               <a:rPr lang="zh-CN" altLang="en-US"/>
               <a:t>第四级</a:t>
             </a:r>
-            <a:endParaRPr lang="zh-CN" altLang="en-US"/>
           </a:p>
           <a:p>
             <a:pPr lvl="4"/>
@@ -2084,7 +2461,6 @@
               <a:rPr lang="zh-CN" altLang="en-US"/>
               <a:t>第五级</a:t>
             </a:r>
-            <a:endParaRPr lang="zh-CN" altLang="en-US"/>
           </a:p>
         </p:txBody>
       </p:sp>
@@ -2232,7 +2608,6 @@
               <a:rPr lang="zh-CN" altLang="en-US" dirty="0"/>
               <a:t>单击此处编辑母版文本样式</a:t>
             </a:r>
-            <a:endParaRPr lang="zh-CN" altLang="en-US" dirty="0"/>
           </a:p>
           <a:p>
             <a:pPr lvl="1"/>
@@ -2240,7 +2615,6 @@
               <a:rPr lang="zh-CN" altLang="en-US" dirty="0"/>
               <a:t>第二级</a:t>
             </a:r>
-            <a:endParaRPr lang="zh-CN" altLang="en-US" dirty="0"/>
           </a:p>
           <a:p>
             <a:pPr lvl="2"/>
@@ -2248,7 +2622,6 @@
               <a:rPr lang="zh-CN" altLang="en-US" dirty="0"/>
               <a:t>第三级</a:t>
             </a:r>
-            <a:endParaRPr lang="zh-CN" altLang="en-US" dirty="0"/>
           </a:p>
           <a:p>
             <a:pPr lvl="3"/>
@@ -2256,7 +2629,6 @@
               <a:rPr lang="zh-CN" altLang="en-US" dirty="0"/>
               <a:t>第四级</a:t>
             </a:r>
-            <a:endParaRPr lang="zh-CN" altLang="en-US" dirty="0"/>
           </a:p>
         </p:txBody>
       </p:sp>
@@ -2318,7 +2690,6 @@
               <a:rPr lang="zh-CN" altLang="en-US" dirty="0"/>
               <a:t>单击此处编辑母版文本样式</a:t>
             </a:r>
-            <a:endParaRPr lang="zh-CN" altLang="en-US" dirty="0"/>
           </a:p>
         </p:txBody>
       </p:sp>
@@ -2379,6 +2750,7 @@
             </a:pPr>
             <a:fld id="{4BCD4F28-99F7-483B-9A2D-5E3B2E8C9EEF}" type="slidenum">
               <a:rPr lang="zh-CN" altLang="zh-CN"/>
+              <a:t>‹#›</a:t>
             </a:fld>
             <a:endParaRPr lang="zh-CN" altLang="zh-CN" sz="3200" b="0"/>
           </a:p>
@@ -2452,7 +2824,6 @@
               <a:rPr lang="zh-CN" altLang="en-US"/>
               <a:t>单击此处编辑标题样式</a:t>
             </a:r>
-            <a:endParaRPr lang="zh-CN" altLang="en-US"/>
           </a:p>
         </p:txBody>
       </p:sp>
@@ -2506,7 +2877,6 @@
               <a:rPr lang="zh-CN" altLang="en-US"/>
               <a:t>单击此处编辑母版文本样式</a:t>
             </a:r>
-            <a:endParaRPr lang="zh-CN" altLang="en-US"/>
           </a:p>
           <a:p>
             <a:pPr lvl="1"/>
@@ -2514,7 +2884,6 @@
               <a:rPr lang="zh-CN" altLang="en-US"/>
               <a:t>第二级</a:t>
             </a:r>
-            <a:endParaRPr lang="zh-CN" altLang="en-US"/>
           </a:p>
           <a:p>
             <a:pPr lvl="2"/>
@@ -2522,7 +2891,6 @@
               <a:rPr lang="zh-CN" altLang="en-US"/>
               <a:t>第三级</a:t>
             </a:r>
-            <a:endParaRPr lang="zh-CN" altLang="en-US"/>
           </a:p>
           <a:p>
             <a:pPr lvl="3"/>
@@ -2530,7 +2898,6 @@
               <a:rPr lang="zh-CN" altLang="en-US"/>
               <a:t>第四级</a:t>
             </a:r>
-            <a:endParaRPr lang="zh-CN" altLang="en-US"/>
           </a:p>
           <a:p>
             <a:pPr lvl="4"/>
@@ -2538,7 +2905,6 @@
               <a:rPr lang="zh-CN" altLang="en-US"/>
               <a:t>第五级</a:t>
             </a:r>
-            <a:endParaRPr lang="zh-CN" altLang="en-US"/>
           </a:p>
         </p:txBody>
       </p:sp>
@@ -2686,7 +3052,6 @@
               <a:rPr lang="zh-CN" altLang="en-US" dirty="0"/>
               <a:t>单击此处编辑母版文本样式</a:t>
             </a:r>
-            <a:endParaRPr lang="zh-CN" altLang="en-US" dirty="0"/>
           </a:p>
           <a:p>
             <a:pPr lvl="1"/>
@@ -2694,7 +3059,6 @@
               <a:rPr lang="zh-CN" altLang="en-US" dirty="0"/>
               <a:t>第二级</a:t>
             </a:r>
-            <a:endParaRPr lang="zh-CN" altLang="en-US" dirty="0"/>
           </a:p>
           <a:p>
             <a:pPr lvl="2"/>
@@ -2702,7 +3066,6 @@
               <a:rPr lang="zh-CN" altLang="en-US" dirty="0"/>
               <a:t>第三级</a:t>
             </a:r>
-            <a:endParaRPr lang="zh-CN" altLang="en-US" dirty="0"/>
           </a:p>
           <a:p>
             <a:pPr lvl="3"/>
@@ -2710,7 +3073,6 @@
               <a:rPr lang="zh-CN" altLang="en-US" dirty="0"/>
               <a:t>第四级</a:t>
             </a:r>
-            <a:endParaRPr lang="zh-CN" altLang="en-US" dirty="0"/>
           </a:p>
         </p:txBody>
       </p:sp>
@@ -2772,7 +3134,6 @@
               <a:rPr lang="zh-CN" altLang="en-US" dirty="0"/>
               <a:t>单击此处编辑母版文本样式</a:t>
             </a:r>
-            <a:endParaRPr lang="zh-CN" altLang="en-US" dirty="0"/>
           </a:p>
         </p:txBody>
       </p:sp>
@@ -2833,6 +3194,7 @@
             </a:pPr>
             <a:fld id="{4BCD4F28-99F7-483B-9A2D-5E3B2E8C9EEF}" type="slidenum">
               <a:rPr lang="zh-CN" altLang="zh-CN"/>
+              <a:t>‹#›</a:t>
             </a:fld>
             <a:endParaRPr lang="zh-CN" altLang="zh-CN" sz="3200" b="0"/>
           </a:p>
@@ -2906,7 +3268,6 @@
               <a:rPr lang="zh-CN" altLang="en-US"/>
               <a:t>单击此处编辑标题样式</a:t>
             </a:r>
-            <a:endParaRPr lang="zh-CN" altLang="en-US"/>
           </a:p>
         </p:txBody>
       </p:sp>
@@ -2960,7 +3321,6 @@
               <a:rPr lang="zh-CN" altLang="en-US"/>
               <a:t>单击此处编辑母版文本样式</a:t>
             </a:r>
-            <a:endParaRPr lang="zh-CN" altLang="en-US"/>
           </a:p>
           <a:p>
             <a:pPr lvl="1"/>
@@ -2968,7 +3328,6 @@
               <a:rPr lang="zh-CN" altLang="en-US"/>
               <a:t>第二级</a:t>
             </a:r>
-            <a:endParaRPr lang="zh-CN" altLang="en-US"/>
           </a:p>
           <a:p>
             <a:pPr lvl="2"/>
@@ -2976,7 +3335,6 @@
               <a:rPr lang="zh-CN" altLang="en-US"/>
               <a:t>第三级</a:t>
             </a:r>
-            <a:endParaRPr lang="zh-CN" altLang="en-US"/>
           </a:p>
           <a:p>
             <a:pPr lvl="3"/>
@@ -2984,7 +3342,6 @@
               <a:rPr lang="zh-CN" altLang="en-US"/>
               <a:t>第四级</a:t>
             </a:r>
-            <a:endParaRPr lang="zh-CN" altLang="en-US"/>
           </a:p>
           <a:p>
             <a:pPr lvl="4"/>
@@ -2992,7 +3349,6 @@
               <a:rPr lang="zh-CN" altLang="en-US"/>
               <a:t>第五级</a:t>
             </a:r>
-            <a:endParaRPr lang="zh-CN" altLang="en-US"/>
           </a:p>
         </p:txBody>
       </p:sp>
@@ -3140,7 +3496,6 @@
               <a:rPr lang="zh-CN" altLang="en-US" dirty="0"/>
               <a:t>单击此处编辑母版文本样式</a:t>
             </a:r>
-            <a:endParaRPr lang="zh-CN" altLang="en-US" dirty="0"/>
           </a:p>
           <a:p>
             <a:pPr lvl="1"/>
@@ -3148,7 +3503,6 @@
               <a:rPr lang="zh-CN" altLang="en-US" dirty="0"/>
               <a:t>第二级</a:t>
             </a:r>
-            <a:endParaRPr lang="zh-CN" altLang="en-US" dirty="0"/>
           </a:p>
           <a:p>
             <a:pPr lvl="2"/>
@@ -3156,7 +3510,6 @@
               <a:rPr lang="zh-CN" altLang="en-US" dirty="0"/>
               <a:t>第三级</a:t>
             </a:r>
-            <a:endParaRPr lang="zh-CN" altLang="en-US" dirty="0"/>
           </a:p>
           <a:p>
             <a:pPr lvl="3"/>
@@ -3164,7 +3517,6 @@
               <a:rPr lang="zh-CN" altLang="en-US" dirty="0"/>
               <a:t>第四级</a:t>
             </a:r>
-            <a:endParaRPr lang="zh-CN" altLang="en-US" dirty="0"/>
           </a:p>
         </p:txBody>
       </p:sp>
@@ -3226,7 +3578,6 @@
               <a:rPr lang="zh-CN" altLang="en-US" dirty="0"/>
               <a:t>单击此处编辑母版文本样式</a:t>
             </a:r>
-            <a:endParaRPr lang="zh-CN" altLang="en-US" dirty="0"/>
           </a:p>
         </p:txBody>
       </p:sp>
@@ -3287,6 +3638,7 @@
             </a:pPr>
             <a:fld id="{4BCD4F28-99F7-483B-9A2D-5E3B2E8C9EEF}" type="slidenum">
               <a:rPr lang="zh-CN" altLang="zh-CN"/>
+              <a:t>‹#›</a:t>
             </a:fld>
             <a:endParaRPr lang="zh-CN" altLang="zh-CN" sz="3200" b="0"/>
           </a:p>
@@ -3382,7 +3734,6 @@
               <a:rPr lang="zh-CN" altLang="en-US" dirty="0"/>
               <a:t>单击此处编辑母版文本样式</a:t>
             </a:r>
-            <a:endParaRPr lang="zh-CN" altLang="en-US" dirty="0"/>
           </a:p>
           <a:p>
             <a:pPr lvl="1"/>
@@ -3390,7 +3741,6 @@
               <a:rPr lang="zh-CN" altLang="en-US" dirty="0"/>
               <a:t>第二级</a:t>
             </a:r>
-            <a:endParaRPr lang="zh-CN" altLang="en-US" dirty="0"/>
           </a:p>
           <a:p>
             <a:pPr lvl="2"/>
@@ -3398,7 +3748,6 @@
               <a:rPr lang="zh-CN" altLang="en-US" dirty="0"/>
               <a:t>第三级</a:t>
             </a:r>
-            <a:endParaRPr lang="zh-CN" altLang="en-US" dirty="0"/>
           </a:p>
           <a:p>
             <a:pPr lvl="3"/>
@@ -3406,7 +3755,6 @@
               <a:rPr lang="zh-CN" altLang="en-US" dirty="0"/>
               <a:t>第四级</a:t>
             </a:r>
-            <a:endParaRPr lang="zh-CN" altLang="en-US" dirty="0"/>
           </a:p>
         </p:txBody>
       </p:sp>
@@ -3468,7 +3816,6 @@
               <a:rPr lang="zh-CN" altLang="en-US" dirty="0"/>
               <a:t>单击此处编辑母版文本样式</a:t>
             </a:r>
-            <a:endParaRPr lang="zh-CN" altLang="en-US" dirty="0"/>
           </a:p>
         </p:txBody>
       </p:sp>
@@ -3529,6 +3876,7 @@
             </a:pPr>
             <a:fld id="{4BCD4F28-99F7-483B-9A2D-5E3B2E8C9EEF}" type="slidenum">
               <a:rPr lang="zh-CN" altLang="zh-CN"/>
+              <a:t>‹#›</a:t>
             </a:fld>
             <a:endParaRPr lang="zh-CN" altLang="zh-CN" sz="3200" b="0"/>
           </a:p>
@@ -3640,7 +3988,6 @@
               <a:rPr lang="zh-CN" altLang="en-US" dirty="0"/>
               <a:t> 单击此处编辑母版文本样式</a:t>
             </a:r>
-            <a:endParaRPr lang="zh-CN" altLang="en-US" dirty="0"/>
           </a:p>
           <a:p>
             <a:pPr lvl="1"/>
@@ -3648,7 +3995,6 @@
               <a:rPr lang="zh-CN" altLang="en-US" dirty="0"/>
               <a:t> 第二级</a:t>
             </a:r>
-            <a:endParaRPr lang="zh-CN" altLang="en-US" dirty="0"/>
           </a:p>
           <a:p>
             <a:pPr lvl="2"/>
@@ -3656,7 +4002,6 @@
               <a:rPr lang="zh-CN" altLang="en-US" dirty="0"/>
               <a:t>第三级</a:t>
             </a:r>
-            <a:endParaRPr lang="zh-CN" altLang="en-US" dirty="0"/>
           </a:p>
           <a:p>
             <a:pPr lvl="3"/>
@@ -3664,7 +4009,6 @@
               <a:rPr lang="zh-CN" altLang="en-US" dirty="0"/>
               <a:t>第四级</a:t>
             </a:r>
-            <a:endParaRPr lang="zh-CN" altLang="en-US" dirty="0"/>
           </a:p>
         </p:txBody>
       </p:sp>
@@ -3728,7 +4072,6 @@
               <a:rPr lang="zh-CN" altLang="en-US" dirty="0"/>
               <a:t>单击此处编辑母版文本样式</a:t>
             </a:r>
-            <a:endParaRPr lang="zh-CN" altLang="en-US" dirty="0"/>
           </a:p>
         </p:txBody>
       </p:sp>
@@ -3781,6 +4124,7 @@
             </a:pPr>
             <a:fld id="{4BCD4F28-99F7-483B-9A2D-5E3B2E8C9EEF}" type="slidenum">
               <a:rPr lang="zh-CN" altLang="zh-CN"/>
+              <a:t>‹#›</a:t>
             </a:fld>
             <a:endParaRPr lang="zh-CN" altLang="zh-CN" sz="3200" b="0"/>
           </a:p>
@@ -3839,6 +4183,7 @@
           <a:p>
             <a:fld id="{82F288E0-7875-42C4-84C8-98DBBD3BF4D2}" type="datetimeFigureOut">
               <a:rPr lang="zh-CN" altLang="en-US" smtClean="0"/>
+              <a:t>2020/4/8</a:t>
             </a:fld>
             <a:endParaRPr lang="zh-CN" altLang="en-US"/>
           </a:p>
@@ -3894,6 +4239,7 @@
             </a:pPr>
             <a:fld id="{2A4DE254-CAD5-4B8E-9712-9468A839C993}" type="slidenum">
               <a:rPr lang="zh-CN" altLang="zh-CN"/>
+              <a:t>‹#›</a:t>
             </a:fld>
             <a:endParaRPr lang="zh-CN" altLang="zh-CN"/>
           </a:p>
@@ -3967,7 +4313,6 @@
               <a:rPr lang="zh-CN" altLang="en-US"/>
               <a:t>单击此处编辑标题样式</a:t>
             </a:r>
-            <a:endParaRPr lang="zh-CN" altLang="en-US"/>
           </a:p>
         </p:txBody>
       </p:sp>
@@ -4021,7 +4366,6 @@
               <a:rPr lang="zh-CN" altLang="en-US"/>
               <a:t>单击此处编辑母版文本样式</a:t>
             </a:r>
-            <a:endParaRPr lang="zh-CN" altLang="en-US"/>
           </a:p>
           <a:p>
             <a:pPr lvl="1"/>
@@ -4029,7 +4373,6 @@
               <a:rPr lang="zh-CN" altLang="en-US"/>
               <a:t>第二级</a:t>
             </a:r>
-            <a:endParaRPr lang="zh-CN" altLang="en-US"/>
           </a:p>
           <a:p>
             <a:pPr lvl="2"/>
@@ -4037,7 +4380,6 @@
               <a:rPr lang="zh-CN" altLang="en-US"/>
               <a:t>第三级</a:t>
             </a:r>
-            <a:endParaRPr lang="zh-CN" altLang="en-US"/>
           </a:p>
           <a:p>
             <a:pPr lvl="3"/>
@@ -4045,7 +4387,6 @@
               <a:rPr lang="zh-CN" altLang="en-US"/>
               <a:t>第四级</a:t>
             </a:r>
-            <a:endParaRPr lang="zh-CN" altLang="en-US"/>
           </a:p>
           <a:p>
             <a:pPr lvl="4"/>
@@ -4053,7 +4394,6 @@
               <a:rPr lang="zh-CN" altLang="en-US"/>
               <a:t>第五级</a:t>
             </a:r>
-            <a:endParaRPr lang="zh-CN" altLang="en-US"/>
           </a:p>
         </p:txBody>
       </p:sp>
@@ -4201,7 +4541,6 @@
               <a:rPr lang="zh-CN" altLang="en-US" dirty="0"/>
               <a:t>单击此处编辑母版文本样式</a:t>
             </a:r>
-            <a:endParaRPr lang="zh-CN" altLang="en-US" dirty="0"/>
           </a:p>
           <a:p>
             <a:pPr lvl="1"/>
@@ -4209,7 +4548,6 @@
               <a:rPr lang="zh-CN" altLang="en-US" dirty="0"/>
               <a:t>第二级</a:t>
             </a:r>
-            <a:endParaRPr lang="zh-CN" altLang="en-US" dirty="0"/>
           </a:p>
           <a:p>
             <a:pPr lvl="2"/>
@@ -4217,7 +4555,6 @@
               <a:rPr lang="zh-CN" altLang="en-US" dirty="0"/>
               <a:t>第三级</a:t>
             </a:r>
-            <a:endParaRPr lang="zh-CN" altLang="en-US" dirty="0"/>
           </a:p>
           <a:p>
             <a:pPr lvl="3"/>
@@ -4225,7 +4562,6 @@
               <a:rPr lang="zh-CN" altLang="en-US" dirty="0"/>
               <a:t>第四级</a:t>
             </a:r>
-            <a:endParaRPr lang="zh-CN" altLang="en-US" dirty="0"/>
           </a:p>
         </p:txBody>
       </p:sp>
@@ -4287,7 +4623,6 @@
               <a:rPr lang="zh-CN" altLang="en-US" dirty="0"/>
               <a:t>单击此处编辑母版文本样式</a:t>
             </a:r>
-            <a:endParaRPr lang="zh-CN" altLang="en-US" dirty="0"/>
           </a:p>
         </p:txBody>
       </p:sp>
@@ -4348,6 +4683,7 @@
             </a:pPr>
             <a:fld id="{4BCD4F28-99F7-483B-9A2D-5E3B2E8C9EEF}" type="slidenum">
               <a:rPr lang="zh-CN" altLang="zh-CN"/>
+              <a:t>‹#›</a:t>
             </a:fld>
             <a:endParaRPr lang="zh-CN" altLang="zh-CN" sz="3200" b="0"/>
           </a:p>
@@ -4367,7 +4703,7 @@
     <p:bg>
       <p:bgPr>
         <a:blipFill dpi="0" rotWithShape="1">
-          <a:blip r:embed="rId4">
+          <a:blip r:embed="rId5">
             <a:lum/>
           </a:blip>
           <a:srcRect/>
@@ -4421,7 +4757,6 @@
               <a:rPr lang="zh-CN" altLang="en-US"/>
               <a:t>单击此处编辑母版标题样式</a:t>
             </a:r>
-            <a:endParaRPr lang="zh-CN" altLang="en-US"/>
           </a:p>
         </p:txBody>
       </p:sp>
@@ -4455,7 +4790,6 @@
               <a:rPr lang="zh-CN" altLang="en-US"/>
               <a:t>单击此处编辑母版文本样式</a:t>
             </a:r>
-            <a:endParaRPr lang="zh-CN" altLang="en-US"/>
           </a:p>
           <a:p>
             <a:pPr marL="720090" lvl="1" indent="-229870" algn="l" defTabSz="0" rtl="0" eaLnBrk="1" fontAlgn="base" hangingPunct="1">
@@ -4479,7 +4813,6 @@
               <a:rPr lang="zh-CN" altLang="en-US"/>
               <a:t>第二级</a:t>
             </a:r>
-            <a:endParaRPr lang="zh-CN" altLang="en-US"/>
           </a:p>
           <a:p>
             <a:pPr lvl="2"/>
@@ -4487,7 +4820,6 @@
               <a:rPr lang="zh-CN" altLang="en-US"/>
               <a:t>第三级</a:t>
             </a:r>
-            <a:endParaRPr lang="zh-CN" altLang="en-US"/>
           </a:p>
           <a:p>
             <a:pPr lvl="3"/>
@@ -4495,7 +4827,6 @@
               <a:rPr lang="zh-CN" altLang="en-US"/>
               <a:t>第四级</a:t>
             </a:r>
-            <a:endParaRPr lang="zh-CN" altLang="en-US"/>
           </a:p>
           <a:p>
             <a:pPr lvl="4"/>
@@ -4503,7 +4834,6 @@
               <a:rPr lang="zh-CN" altLang="en-US"/>
               <a:t>第五级</a:t>
             </a:r>
-            <a:endParaRPr lang="zh-CN" altLang="en-US"/>
           </a:p>
         </p:txBody>
       </p:sp>
@@ -4516,7 +4846,7 @@
           <p:nvPr userDrawn="1"/>
         </p:nvPicPr>
         <p:blipFill>
-          <a:blip r:embed="rId5">
+          <a:blip r:embed="rId6">
             <a:extLst>
               <a:ext uri="{28A0092B-C50C-407E-A947-70E740481C1C}">
                 <a14:useLocalDpi xmlns:a14="http://schemas.microsoft.com/office/drawing/2010/main" val="0"/>
@@ -4594,7 +4924,7 @@
         <a:buSzPct val="70000"/>
         <a:buFontTx/>
         <a:buBlip>
-          <a:blip r:embed="rId6"/>
+          <a:blip r:embed="rId7"/>
         </a:buBlip>
         <a:defRPr sz="2800" kern="1200">
           <a:solidFill>
@@ -4835,7 +5165,7 @@
     <p:bg bwMode="auto">
       <p:bgPr>
         <a:blipFill dpi="0" rotWithShape="0">
-          <a:blip r:embed="rId4"/>
+          <a:blip r:embed="rId5"/>
           <a:srcRect/>
           <a:stretch>
             <a:fillRect/>
@@ -4898,6 +5228,7 @@
             </a:pPr>
             <a:fld id="{2A4DE254-CAD5-4B8E-9712-9468A839C993}" type="slidenum">
               <a:rPr lang="zh-CN" altLang="zh-CN"/>
+              <a:t>‹#›</a:t>
             </a:fld>
             <a:endParaRPr lang="zh-CN" altLang="zh-CN"/>
           </a:p>
@@ -4912,7 +5243,7 @@
           <p:nvPr/>
         </p:nvPicPr>
         <p:blipFill>
-          <a:blip r:embed="rId5">
+          <a:blip r:embed="rId6">
             <a:extLst>
               <a:ext uri="{28A0092B-C50C-407E-A947-70E740481C1C}">
                 <a14:useLocalDpi xmlns:a14="http://schemas.microsoft.com/office/drawing/2010/main" val="0"/>
@@ -4966,7 +5297,7 @@
           <p:nvPr/>
         </p:nvPicPr>
         <p:blipFill>
-          <a:blip r:embed="rId6">
+          <a:blip r:embed="rId7">
             <a:extLst>
               <a:ext uri="{28A0092B-C50C-407E-A947-70E740481C1C}">
                 <a14:useLocalDpi xmlns:a14="http://schemas.microsoft.com/office/drawing/2010/main" val="0"/>
@@ -5438,7 +5769,7 @@
     <p:bg>
       <p:bgPr>
         <a:blipFill dpi="0" rotWithShape="1">
-          <a:blip r:embed="rId4">
+          <a:blip r:embed="rId5">
             <a:lum/>
           </a:blip>
           <a:srcRect/>
@@ -5492,7 +5823,6 @@
               <a:rPr lang="zh-CN" altLang="en-US"/>
               <a:t>单击此处编辑母版标题样式</a:t>
             </a:r>
-            <a:endParaRPr lang="zh-CN" altLang="en-US"/>
           </a:p>
         </p:txBody>
       </p:sp>
@@ -5526,7 +5856,6 @@
               <a:rPr lang="zh-CN" altLang="en-US"/>
               <a:t>单击此处编辑母版文本样式</a:t>
             </a:r>
-            <a:endParaRPr lang="zh-CN" altLang="en-US"/>
           </a:p>
           <a:p>
             <a:pPr marL="720090" lvl="1" indent="-229870" algn="l" defTabSz="0" rtl="0" eaLnBrk="1" fontAlgn="base" hangingPunct="1">
@@ -5550,7 +5879,6 @@
               <a:rPr lang="zh-CN" altLang="en-US"/>
               <a:t>第二级</a:t>
             </a:r>
-            <a:endParaRPr lang="zh-CN" altLang="en-US"/>
           </a:p>
           <a:p>
             <a:pPr lvl="2"/>
@@ -5558,7 +5886,6 @@
               <a:rPr lang="zh-CN" altLang="en-US"/>
               <a:t>第三级</a:t>
             </a:r>
-            <a:endParaRPr lang="zh-CN" altLang="en-US"/>
           </a:p>
           <a:p>
             <a:pPr lvl="3"/>
@@ -5566,7 +5893,6 @@
               <a:rPr lang="zh-CN" altLang="en-US"/>
               <a:t>第四级</a:t>
             </a:r>
-            <a:endParaRPr lang="zh-CN" altLang="en-US"/>
           </a:p>
           <a:p>
             <a:pPr lvl="4"/>
@@ -5574,7 +5900,6 @@
               <a:rPr lang="zh-CN" altLang="en-US"/>
               <a:t>第五级</a:t>
             </a:r>
-            <a:endParaRPr lang="zh-CN" altLang="en-US"/>
           </a:p>
         </p:txBody>
       </p:sp>
@@ -5587,7 +5912,7 @@
           <p:nvPr userDrawn="1"/>
         </p:nvPicPr>
         <p:blipFill>
-          <a:blip r:embed="rId5">
+          <a:blip r:embed="rId6">
             <a:extLst>
               <a:ext uri="{28A0092B-C50C-407E-A947-70E740481C1C}">
                 <a14:useLocalDpi xmlns:a14="http://schemas.microsoft.com/office/drawing/2010/main" val="0"/>
@@ -5665,7 +5990,7 @@
         <a:buSzPct val="70000"/>
         <a:buFontTx/>
         <a:buBlip>
-          <a:blip r:embed="rId6"/>
+          <a:blip r:embed="rId7"/>
         </a:buBlip>
         <a:defRPr sz="2800" kern="1200">
           <a:solidFill>
@@ -5906,7 +6231,7 @@
     <p:bg>
       <p:bgPr>
         <a:blipFill dpi="0" rotWithShape="1">
-          <a:blip r:embed="rId4">
+          <a:blip r:embed="rId5">
             <a:lum/>
           </a:blip>
           <a:srcRect/>
@@ -5960,7 +6285,6 @@
               <a:rPr lang="zh-CN" altLang="en-US"/>
               <a:t>单击此处编辑母版标题样式</a:t>
             </a:r>
-            <a:endParaRPr lang="zh-CN" altLang="en-US"/>
           </a:p>
         </p:txBody>
       </p:sp>
@@ -5994,7 +6318,6 @@
               <a:rPr lang="zh-CN" altLang="en-US"/>
               <a:t>单击此处编辑母版文本样式</a:t>
             </a:r>
-            <a:endParaRPr lang="zh-CN" altLang="en-US"/>
           </a:p>
           <a:p>
             <a:pPr marL="720090" lvl="1" indent="-229870" algn="l" defTabSz="0" rtl="0" eaLnBrk="1" fontAlgn="base" hangingPunct="1">
@@ -6018,7 +6341,6 @@
               <a:rPr lang="zh-CN" altLang="en-US"/>
               <a:t>第二级</a:t>
             </a:r>
-            <a:endParaRPr lang="zh-CN" altLang="en-US"/>
           </a:p>
           <a:p>
             <a:pPr lvl="2"/>
@@ -6026,7 +6348,6 @@
               <a:rPr lang="zh-CN" altLang="en-US"/>
               <a:t>第三级</a:t>
             </a:r>
-            <a:endParaRPr lang="zh-CN" altLang="en-US"/>
           </a:p>
           <a:p>
             <a:pPr lvl="3"/>
@@ -6034,7 +6355,6 @@
               <a:rPr lang="zh-CN" altLang="en-US"/>
               <a:t>第四级</a:t>
             </a:r>
-            <a:endParaRPr lang="zh-CN" altLang="en-US"/>
           </a:p>
           <a:p>
             <a:pPr lvl="4"/>
@@ -6042,7 +6362,6 @@
               <a:rPr lang="zh-CN" altLang="en-US"/>
               <a:t>第五级</a:t>
             </a:r>
-            <a:endParaRPr lang="zh-CN" altLang="en-US"/>
           </a:p>
         </p:txBody>
       </p:sp>
@@ -6055,7 +6374,7 @@
           <p:nvPr userDrawn="1"/>
         </p:nvPicPr>
         <p:blipFill>
-          <a:blip r:embed="rId5">
+          <a:blip r:embed="rId6">
             <a:extLst>
               <a:ext uri="{28A0092B-C50C-407E-A947-70E740481C1C}">
                 <a14:useLocalDpi xmlns:a14="http://schemas.microsoft.com/office/drawing/2010/main" val="0"/>
@@ -6133,7 +6452,7 @@
         <a:buSzPct val="70000"/>
         <a:buFontTx/>
         <a:buBlip>
-          <a:blip r:embed="rId6"/>
+          <a:blip r:embed="rId7"/>
         </a:buBlip>
         <a:defRPr sz="2800" kern="1200">
           <a:solidFill>
@@ -6374,7 +6693,7 @@
     <p:bg>
       <p:bgPr>
         <a:blipFill dpi="0" rotWithShape="1">
-          <a:blip r:embed="rId4">
+          <a:blip r:embed="rId5">
             <a:lum/>
           </a:blip>
           <a:srcRect/>
@@ -6428,7 +6747,6 @@
               <a:rPr lang="zh-CN" altLang="en-US"/>
               <a:t>单击此处编辑母版标题样式</a:t>
             </a:r>
-            <a:endParaRPr lang="zh-CN" altLang="en-US"/>
           </a:p>
         </p:txBody>
       </p:sp>
@@ -6462,7 +6780,6 @@
               <a:rPr lang="zh-CN" altLang="en-US"/>
               <a:t>单击此处编辑母版文本样式</a:t>
             </a:r>
-            <a:endParaRPr lang="zh-CN" altLang="en-US"/>
           </a:p>
           <a:p>
             <a:pPr marL="720090" lvl="1" indent="-229870" algn="l" defTabSz="0" rtl="0" eaLnBrk="1" fontAlgn="base" hangingPunct="1">
@@ -6486,7 +6803,6 @@
               <a:rPr lang="zh-CN" altLang="en-US"/>
               <a:t>第二级</a:t>
             </a:r>
-            <a:endParaRPr lang="zh-CN" altLang="en-US"/>
           </a:p>
           <a:p>
             <a:pPr lvl="2"/>
@@ -6494,7 +6810,6 @@
               <a:rPr lang="zh-CN" altLang="en-US"/>
               <a:t>第三级</a:t>
             </a:r>
-            <a:endParaRPr lang="zh-CN" altLang="en-US"/>
           </a:p>
           <a:p>
             <a:pPr lvl="3"/>
@@ -6502,7 +6817,6 @@
               <a:rPr lang="zh-CN" altLang="en-US"/>
               <a:t>第四级</a:t>
             </a:r>
-            <a:endParaRPr lang="zh-CN" altLang="en-US"/>
           </a:p>
           <a:p>
             <a:pPr lvl="4"/>
@@ -6510,7 +6824,6 @@
               <a:rPr lang="zh-CN" altLang="en-US"/>
               <a:t>第五级</a:t>
             </a:r>
-            <a:endParaRPr lang="zh-CN" altLang="en-US"/>
           </a:p>
         </p:txBody>
       </p:sp>
@@ -6523,7 +6836,7 @@
           <p:nvPr userDrawn="1"/>
         </p:nvPicPr>
         <p:blipFill>
-          <a:blip r:embed="rId5">
+          <a:blip r:embed="rId6">
             <a:extLst>
               <a:ext uri="{28A0092B-C50C-407E-A947-70E740481C1C}">
                 <a14:useLocalDpi xmlns:a14="http://schemas.microsoft.com/office/drawing/2010/main" val="0"/>
@@ -6601,7 +6914,7 @@
         <a:buSzPct val="70000"/>
         <a:buFontTx/>
         <a:buBlip>
-          <a:blip r:embed="rId6"/>
+          <a:blip r:embed="rId7"/>
         </a:buBlip>
         <a:defRPr sz="2800" kern="1200">
           <a:solidFill>
@@ -6842,7 +7155,7 @@
     <p:bg>
       <p:bgPr>
         <a:blipFill dpi="0" rotWithShape="1">
-          <a:blip r:embed="rId4">
+          <a:blip r:embed="rId5">
             <a:lum/>
           </a:blip>
           <a:srcRect/>
@@ -6896,7 +7209,6 @@
               <a:rPr lang="zh-CN" altLang="en-US"/>
               <a:t>单击此处编辑母版标题样式</a:t>
             </a:r>
-            <a:endParaRPr lang="zh-CN" altLang="en-US"/>
           </a:p>
         </p:txBody>
       </p:sp>
@@ -6930,7 +7242,6 @@
               <a:rPr lang="zh-CN" altLang="en-US"/>
               <a:t>单击此处编辑母版文本样式</a:t>
             </a:r>
-            <a:endParaRPr lang="zh-CN" altLang="en-US"/>
           </a:p>
           <a:p>
             <a:pPr marL="720090" lvl="1" indent="-229870" algn="l" defTabSz="0" rtl="0" eaLnBrk="1" fontAlgn="base" hangingPunct="1">
@@ -6954,7 +7265,6 @@
               <a:rPr lang="zh-CN" altLang="en-US"/>
               <a:t>第二级</a:t>
             </a:r>
-            <a:endParaRPr lang="zh-CN" altLang="en-US"/>
           </a:p>
           <a:p>
             <a:pPr lvl="2"/>
@@ -6962,7 +7272,6 @@
               <a:rPr lang="zh-CN" altLang="en-US"/>
               <a:t>第三级</a:t>
             </a:r>
-            <a:endParaRPr lang="zh-CN" altLang="en-US"/>
           </a:p>
           <a:p>
             <a:pPr lvl="3"/>
@@ -6970,7 +7279,6 @@
               <a:rPr lang="zh-CN" altLang="en-US"/>
               <a:t>第四级</a:t>
             </a:r>
-            <a:endParaRPr lang="zh-CN" altLang="en-US"/>
           </a:p>
           <a:p>
             <a:pPr lvl="4"/>
@@ -6978,7 +7286,6 @@
               <a:rPr lang="zh-CN" altLang="en-US"/>
               <a:t>第五级</a:t>
             </a:r>
-            <a:endParaRPr lang="zh-CN" altLang="en-US"/>
           </a:p>
         </p:txBody>
       </p:sp>
@@ -6991,7 +7298,7 @@
           <p:nvPr userDrawn="1"/>
         </p:nvPicPr>
         <p:blipFill>
-          <a:blip r:embed="rId5">
+          <a:blip r:embed="rId6">
             <a:extLst>
               <a:ext uri="{28A0092B-C50C-407E-A947-70E740481C1C}">
                 <a14:useLocalDpi xmlns:a14="http://schemas.microsoft.com/office/drawing/2010/main" val="0"/>
@@ -7069,7 +7376,7 @@
         <a:buSzPct val="70000"/>
         <a:buFontTx/>
         <a:buBlip>
-          <a:blip r:embed="rId6"/>
+          <a:blip r:embed="rId7"/>
         </a:buBlip>
         <a:defRPr sz="2800" kern="1200">
           <a:solidFill>
@@ -7330,7 +7637,7 @@
           <p:nvPr/>
         </p:nvPicPr>
         <p:blipFill>
-          <a:blip r:embed="rId1">
+          <a:blip r:embed="rId3">
             <a:extLst>
               <a:ext uri="{28A0092B-C50C-407E-A947-70E740481C1C}">
                 <a14:useLocalDpi xmlns:a14="http://schemas.microsoft.com/office/drawing/2010/main" val="0"/>
@@ -7439,13 +7746,6 @@
               </a:rPr>
               <a:t>进阶</a:t>
             </a:r>
-            <a:endParaRPr lang="zh-CN" altLang="en-US" sz="4800" b="1">
-              <a:solidFill>
-                <a:srgbClr val="008469"/>
-              </a:solidFill>
-              <a:latin typeface="微软雅黑" panose="020B0503020204020204" pitchFamily="34" charset="-122"/>
-              <a:ea typeface="微软雅黑" panose="020B0503020204020204" pitchFamily="34" charset="-122"/>
-            </a:endParaRPr>
           </a:p>
         </p:txBody>
       </p:sp>
@@ -7494,10 +7794,6 @@
               </a:rPr>
               <a:t>原型链</a:t>
             </a:r>
-            <a:endParaRPr lang="zh-CN" sz="3200" dirty="0">
-              <a:latin typeface="微软雅黑" panose="020B0503020204020204" pitchFamily="34" charset="-122"/>
-              <a:ea typeface="微软雅黑" panose="020B0503020204020204" pitchFamily="34" charset="-122"/>
-            </a:endParaRPr>
           </a:p>
         </p:txBody>
       </p:sp>
@@ -7510,7 +7806,7 @@
           <p:nvPr/>
         </p:nvPicPr>
         <p:blipFill>
-          <a:blip r:embed="rId2">
+          <a:blip r:embed="rId4">
             <a:extLst>
               <a:ext uri="{28A0092B-C50C-407E-A947-70E740481C1C}">
                 <a14:useLocalDpi xmlns:a14="http://schemas.microsoft.com/office/drawing/2010/main" val="0"/>
@@ -7573,7 +7869,14 @@
         <p:cNvGrpSpPr/>
         <p:nvPr/>
       </p:nvGrpSpPr>
-      <p:grpSpPr/>
+      <p:grpSpPr>
+        <a:xfrm>
+          <a:off x="0" y="0"/>
+          <a:ext cx="0" cy="0"/>
+          <a:chOff x="0" y="0"/>
+          <a:chExt cx="0" cy="0"/>
+        </a:xfrm>
+      </p:grpSpPr>
       <p:sp>
         <p:nvSpPr>
           <p:cNvPr id="3" name="内容占位符 2"/>
@@ -7587,12 +7890,12 @@
         <p:spPr/>
         <p:txBody>
           <a:bodyPr/>
+          <a:lstStyle/>
           <a:p>
             <a:r>
               <a:rPr lang="zh-CN" altLang="en-US"/>
               <a:t>属性操作</a:t>
             </a:r>
-            <a:endParaRPr lang="zh-CN" altLang="en-US"/>
           </a:p>
         </p:txBody>
       </p:sp>
@@ -7609,6 +7912,7 @@
         <p:spPr/>
         <p:txBody>
           <a:bodyPr/>
+          <a:lstStyle/>
           <a:p>
             <a:r>
               <a:rPr lang="en-US" altLang="zh-CN" dirty="0">
@@ -7624,10 +7928,6 @@
               </a:rPr>
               <a:t>添加属性</a:t>
             </a:r>
-            <a:endParaRPr lang="zh-CN" altLang="en-US" dirty="0">
-              <a:latin typeface="+mn-ea"/>
-              <a:sym typeface="+mn-ea"/>
-            </a:endParaRPr>
           </a:p>
           <a:p>
             <a:r>
@@ -7637,10 +7937,6 @@
               </a:rPr>
               <a:t> 修改属性</a:t>
             </a:r>
-            <a:endParaRPr lang="zh-CN" altLang="en-US" dirty="0">
-              <a:latin typeface="+mn-ea"/>
-              <a:sym typeface="+mn-ea"/>
-            </a:endParaRPr>
           </a:p>
           <a:p>
             <a:r>
@@ -7650,10 +7946,6 @@
               </a:rPr>
               <a:t> 删除属性</a:t>
             </a:r>
-            <a:endParaRPr lang="zh-CN" altLang="en-US" dirty="0">
-              <a:latin typeface="+mn-ea"/>
-              <a:sym typeface="+mn-ea"/>
-            </a:endParaRPr>
           </a:p>
           <a:p>
             <a:r>
@@ -7663,10 +7955,6 @@
               </a:rPr>
               <a:t> 遍历属性</a:t>
             </a:r>
-            <a:endParaRPr lang="zh-CN" altLang="en-US" dirty="0">
-              <a:latin typeface="+mn-ea"/>
-              <a:sym typeface="+mn-ea"/>
-            </a:endParaRPr>
           </a:p>
           <a:p>
             <a:r>
@@ -7676,10 +7964,6 @@
               </a:rPr>
               <a:t> 访问属性</a:t>
             </a:r>
-            <a:endParaRPr lang="zh-CN" altLang="en-US" dirty="0">
-              <a:latin typeface="+mn-ea"/>
-              <a:sym typeface="+mn-ea"/>
-            </a:endParaRPr>
           </a:p>
           <a:p>
             <a:r>
@@ -7690,7 +7974,6 @@
               <a:rPr lang="zh-CN" altLang="en-US"/>
               <a:t>检测属性</a:t>
             </a:r>
-            <a:endParaRPr lang="zh-CN" altLang="en-US"/>
           </a:p>
         </p:txBody>
       </p:sp>
@@ -7723,6 +8006,7 @@
         </p:spPr>
         <p:txBody>
           <a:bodyPr vert="horz" wrap="square" lIns="91440" tIns="45720" rIns="91440" bIns="45720" numCol="1" anchor="t" anchorCtr="0" compatLnSpc="1"/>
+          <a:lstStyle/>
           <a:p>
             <a:pPr marL="0" marR="0" indent="0" algn="l" defTabSz="914400" rtl="0" eaLnBrk="0" fontAlgn="base" latinLnBrk="0" hangingPunct="0">
               <a:lnSpc>
@@ -7739,7 +8023,7 @@
               <a:buFontTx/>
               <a:buNone/>
             </a:pPr>
-            <a:endParaRPr kumimoji="0" lang="zh-CN" altLang="en-US" sz="3200" b="0" i="0" u="none" strike="noStrike" cap="none" normalizeH="0" baseline="0" smtClean="0">
+            <a:endParaRPr kumimoji="0" lang="zh-CN" altLang="en-US" sz="3200" b="0" i="0" u="none" strike="noStrike" cap="none" normalizeH="0" baseline="0">
               <a:ln>
                 <a:noFill/>
               </a:ln>
@@ -7772,6 +8056,7 @@
           <a:bodyPr wrap="none" rtlCol="0" anchor="t">
             <a:spAutoFit/>
           </a:bodyPr>
+          <a:lstStyle/>
           <a:p>
             <a:r>
               <a:rPr lang="zh-CN" altLang="en-US" sz="3200" dirty="0">
@@ -7784,14 +8069,6 @@
               </a:rPr>
               <a:t>自有属性</a:t>
             </a:r>
-            <a:endParaRPr lang="zh-CN" altLang="en-US" sz="3200" dirty="0">
-              <a:solidFill>
-                <a:srgbClr val="FF0000"/>
-              </a:solidFill>
-              <a:latin typeface="微软雅黑" panose="020B0503020204020204" pitchFamily="34" charset="-122"/>
-              <a:ea typeface="微软雅黑" panose="020B0503020204020204" pitchFamily="34" charset="-122"/>
-              <a:sym typeface="+mn-ea"/>
-            </a:endParaRPr>
           </a:p>
         </p:txBody>
       </p:sp>
@@ -7824,6 +8101,7 @@
         </p:spPr>
         <p:txBody>
           <a:bodyPr vert="horz" wrap="square" lIns="91440" tIns="45720" rIns="91440" bIns="45720" numCol="1" anchor="t" anchorCtr="0" compatLnSpc="1"/>
+          <a:lstStyle/>
           <a:p>
             <a:pPr marL="0" marR="0" indent="0" algn="l" defTabSz="914400" rtl="0" eaLnBrk="0" fontAlgn="base" latinLnBrk="0" hangingPunct="0">
               <a:lnSpc>
@@ -7840,7 +8118,7 @@
               <a:buFontTx/>
               <a:buNone/>
             </a:pPr>
-            <a:endParaRPr kumimoji="0" lang="zh-CN" altLang="en-US" sz="3200" b="0" i="0" u="none" strike="noStrike" cap="none" normalizeH="0" baseline="0" smtClean="0">
+            <a:endParaRPr kumimoji="0" lang="zh-CN" altLang="en-US" sz="3200" b="0" i="0" u="none" strike="noStrike" cap="none" normalizeH="0" baseline="0">
               <a:ln>
                 <a:noFill/>
               </a:ln>
@@ -7873,6 +8151,7 @@
           <a:bodyPr wrap="none" rtlCol="0" anchor="t">
             <a:spAutoFit/>
           </a:bodyPr>
+          <a:lstStyle/>
           <a:p>
             <a:r>
               <a:rPr lang="zh-CN" altLang="en-US" sz="3200" dirty="0">
@@ -7885,14 +8164,6 @@
               </a:rPr>
               <a:t>自有属性</a:t>
             </a:r>
-            <a:endParaRPr lang="zh-CN" altLang="en-US" sz="3200" dirty="0">
-              <a:solidFill>
-                <a:srgbClr val="FF0000"/>
-              </a:solidFill>
-              <a:latin typeface="微软雅黑" panose="020B0503020204020204" pitchFamily="34" charset="-122"/>
-              <a:ea typeface="微软雅黑" panose="020B0503020204020204" pitchFamily="34" charset="-122"/>
-              <a:sym typeface="+mn-ea"/>
-            </a:endParaRPr>
           </a:p>
           <a:p>
             <a:r>
@@ -7906,14 +8177,6 @@
               </a:rPr>
               <a:t>继承属性</a:t>
             </a:r>
-            <a:endParaRPr lang="zh-CN" altLang="en-US" sz="3200" dirty="0">
-              <a:solidFill>
-                <a:srgbClr val="FF0000"/>
-              </a:solidFill>
-              <a:latin typeface="微软雅黑" panose="020B0503020204020204" pitchFamily="34" charset="-122"/>
-              <a:ea typeface="微软雅黑" panose="020B0503020204020204" pitchFamily="34" charset="-122"/>
-              <a:sym typeface="+mn-ea"/>
-            </a:endParaRPr>
           </a:p>
         </p:txBody>
       </p:sp>
@@ -8282,8 +8545,8 @@
     <p:bldLst>
       <p:bldP spid="2" grpId="0" animBg="1"/>
       <p:bldP spid="4" grpId="0"/>
+      <p:bldP spid="6" grpId="0" animBg="1"/>
       <p:bldP spid="7" grpId="0"/>
-      <p:bldP spid="6" grpId="0" animBg="1"/>
     </p:bldLst>
   </p:timing>
 </p:sld>
@@ -8298,7 +8561,14 @@
         <p:cNvGrpSpPr/>
         <p:nvPr/>
       </p:nvGrpSpPr>
-      <p:grpSpPr/>
+      <p:grpSpPr>
+        <a:xfrm>
+          <a:off x="0" y="0"/>
+          <a:ext cx="0" cy="0"/>
+          <a:chOff x="0" y="0"/>
+          <a:chExt cx="0" cy="0"/>
+        </a:xfrm>
+      </p:grpSpPr>
       <p:sp>
         <p:nvSpPr>
           <p:cNvPr id="3" name="内容占位符 2"/>
@@ -8312,12 +8582,12 @@
         <p:spPr/>
         <p:txBody>
           <a:bodyPr/>
+          <a:lstStyle/>
           <a:p>
             <a:r>
               <a:rPr lang="zh-CN" altLang="en-US"/>
               <a:t>属性操作</a:t>
             </a:r>
-            <a:endParaRPr lang="zh-CN" altLang="en-US"/>
           </a:p>
         </p:txBody>
       </p:sp>
@@ -8339,191 +8609,285 @@
         </p:spPr>
         <p:txBody>
           <a:bodyPr/>
-          <a:p>
-            <a:r>
-              <a:rPr lang="en-US" altLang="zh-CN">
+          <a:lstStyle/>
+          <a:p>
+            <a:r>
+              <a:rPr lang="en-US" altLang="zh-CN" dirty="0">
                 <a:sym typeface="+mn-ea"/>
               </a:rPr>
               <a:t> </a:t>
             </a:r>
             <a:r>
-              <a:rPr lang="zh-CN" altLang="en-US">
+              <a:rPr lang="zh-CN" altLang="en-US" dirty="0">
                 <a:sym typeface="+mn-ea"/>
               </a:rPr>
               <a:t>检测属性</a:t>
             </a:r>
-            <a:endParaRPr lang="zh-CN" altLang="en-US">
+          </a:p>
+          <a:p>
+            <a:pPr lvl="1"/>
+            <a:r>
+              <a:rPr lang="en-US" altLang="zh-CN" dirty="0">
+                <a:sym typeface="+mn-ea"/>
+              </a:rPr>
+              <a:t> </a:t>
+            </a:r>
+            <a:r>
+              <a:rPr lang="en-US" altLang="zh-CN" dirty="0" err="1">
+                <a:sym typeface="+mn-ea"/>
+              </a:rPr>
+              <a:t>obj.hasOwnProperty</a:t>
+            </a:r>
+            <a:r>
+              <a:rPr lang="en-US" altLang="zh-CN" dirty="0">
+                <a:sym typeface="+mn-ea"/>
+              </a:rPr>
+              <a:t>(prop) </a:t>
+            </a:r>
+            <a:r>
+              <a:rPr lang="zh-CN" altLang="en-US" dirty="0">
+                <a:solidFill>
+                  <a:srgbClr val="00B0F0"/>
+                </a:solidFill>
+                <a:sym typeface="+mn-ea"/>
+              </a:rPr>
+              <a:t>继承属性 原型属性</a:t>
+            </a:r>
+            <a:endParaRPr lang="en-US" altLang="zh-CN" dirty="0">
+              <a:solidFill>
+                <a:srgbClr val="00B0F0"/>
+              </a:solidFill>
               <a:sym typeface="+mn-ea"/>
             </a:endParaRPr>
           </a:p>
           <a:p>
+            <a:pPr lvl="2"/>
+            <a:r>
+              <a:rPr lang="en-US" altLang="zh-CN" sz="2000" dirty="0" err="1">
+                <a:sym typeface="+mn-ea"/>
+              </a:rPr>
+              <a:t>返回一个布尔值</a:t>
+            </a:r>
+            <a:r>
+              <a:rPr lang="en-US" altLang="zh-CN" sz="2000" dirty="0">
+                <a:sym typeface="+mn-ea"/>
+              </a:rPr>
+              <a:t>，</a:t>
+            </a:r>
+            <a:r>
+              <a:rPr lang="zh-CN" altLang="en-US" sz="2000" dirty="0">
+                <a:sym typeface="+mn-ea"/>
+              </a:rPr>
+              <a:t>判断</a:t>
+            </a:r>
+            <a:r>
+              <a:rPr lang="en-US" altLang="zh-CN" sz="2000" dirty="0" err="1">
+                <a:sym typeface="+mn-ea"/>
+              </a:rPr>
+              <a:t>对象自身属性中是否具有指定的属性</a:t>
+            </a:r>
+            <a:endParaRPr lang="en-US" altLang="zh-CN" sz="2000" dirty="0"/>
+          </a:p>
+          <a:p>
+            <a:pPr lvl="2"/>
+            <a:r>
+              <a:rPr lang="en-US" altLang="zh-CN" sz="2000" dirty="0">
+                <a:sym typeface="+mn-ea"/>
+              </a:rPr>
+              <a:t> prop —— </a:t>
+            </a:r>
+            <a:r>
+              <a:rPr lang="en-US" altLang="zh-CN" sz="2000" dirty="0" err="1">
+                <a:sym typeface="+mn-ea"/>
+              </a:rPr>
+              <a:t>要检测的属性</a:t>
+            </a:r>
+            <a:r>
+              <a:rPr lang="zh-CN" altLang="en-US" sz="2000" dirty="0">
+                <a:sym typeface="+mn-ea"/>
+              </a:rPr>
+              <a:t>的键</a:t>
+            </a:r>
+            <a:r>
+              <a:rPr lang="en-US" altLang="zh-CN" sz="2000" dirty="0">
+                <a:sym typeface="+mn-ea"/>
+              </a:rPr>
+              <a:t> </a:t>
+            </a:r>
+          </a:p>
+          <a:p>
             <a:pPr lvl="1"/>
             <a:r>
-              <a:rPr lang="en-US" altLang="zh-CN">
-                <a:sym typeface="+mn-ea"/>
-              </a:rPr>
-              <a:t> obj.hasOwnProperty(prop) </a:t>
-            </a:r>
-            <a:endParaRPr lang="en-US" altLang="zh-CN">
-              <a:sym typeface="+mn-ea"/>
-            </a:endParaRPr>
+              <a:rPr lang="en-US" altLang="zh-CN" sz="2400" dirty="0">
+                <a:sym typeface="+mn-ea"/>
+              </a:rPr>
+              <a:t> </a:t>
+            </a:r>
+            <a:r>
+              <a:rPr lang="en-US" altLang="zh-CN" sz="2400" b="1" dirty="0" err="1">
+                <a:sym typeface="+mn-ea"/>
+              </a:rPr>
+              <a:t>Object</a:t>
+            </a:r>
+            <a:r>
+              <a:rPr lang="en-US" altLang="zh-CN" sz="2400" dirty="0" err="1">
+                <a:sym typeface="+mn-ea"/>
+              </a:rPr>
+              <a:t>.getOwnPropertyNames</a:t>
+            </a:r>
+            <a:r>
+              <a:rPr lang="en-US" altLang="zh-CN" sz="2400" dirty="0">
+                <a:sym typeface="+mn-ea"/>
+              </a:rPr>
+              <a:t>(obj)</a:t>
+            </a:r>
+            <a:r>
+              <a:rPr lang="zh-CN" altLang="en-US" sz="2400" dirty="0">
+                <a:solidFill>
+                  <a:srgbClr val="00B0F0"/>
+                </a:solidFill>
+                <a:sym typeface="+mn-ea"/>
+              </a:rPr>
+              <a:t>静态</a:t>
+            </a:r>
+            <a:r>
+              <a:rPr lang="zh-CN" altLang="en-US" dirty="0">
+                <a:solidFill>
+                  <a:srgbClr val="00B0F0"/>
+                </a:solidFill>
+                <a:sym typeface="+mn-ea"/>
+              </a:rPr>
+              <a:t>属性</a:t>
+            </a:r>
+            <a:endParaRPr lang="en-US" altLang="zh-CN" sz="2400" dirty="0"/>
           </a:p>
           <a:p>
             <a:pPr lvl="2"/>
             <a:r>
-              <a:rPr lang="en-US" altLang="zh-CN" sz="2000">
-                <a:sym typeface="+mn-ea"/>
-              </a:rPr>
-              <a:t>返回一个布尔值，</a:t>
-            </a:r>
-            <a:r>
-              <a:rPr lang="zh-CN" altLang="en-US" sz="2000">
-                <a:sym typeface="+mn-ea"/>
-              </a:rPr>
-              <a:t>判断</a:t>
-            </a:r>
-            <a:r>
-              <a:rPr lang="en-US" altLang="zh-CN" sz="2000">
-                <a:sym typeface="+mn-ea"/>
-              </a:rPr>
-              <a:t>对象自身属性中是否具有指定的属性</a:t>
-            </a:r>
-            <a:endParaRPr lang="en-US" altLang="zh-CN" sz="2000"/>
+              <a:rPr lang="en-US" altLang="zh-CN" sz="2000" dirty="0">
+                <a:sym typeface="+mn-ea"/>
+              </a:rPr>
+              <a:t> </a:t>
+            </a:r>
+            <a:r>
+              <a:rPr lang="en-US" altLang="zh-CN" sz="2000" dirty="0" err="1">
+                <a:sym typeface="+mn-ea"/>
+              </a:rPr>
+              <a:t>返回一个由指定对象的所有自身属性的属性名（包括不可枚举属性）组成的数组</a:t>
+            </a:r>
+            <a:endParaRPr lang="en-US" altLang="zh-CN" sz="3000" dirty="0"/>
+          </a:p>
+          <a:p>
+            <a:pPr lvl="1"/>
+            <a:r>
+              <a:rPr lang="en-US" altLang="zh-CN" sz="2570" dirty="0">
+                <a:sym typeface="+mn-ea"/>
+              </a:rPr>
+              <a:t> prop </a:t>
+            </a:r>
+            <a:r>
+              <a:rPr lang="en-US" altLang="zh-CN" sz="2570" b="1" dirty="0">
+                <a:sym typeface="+mn-ea"/>
+              </a:rPr>
+              <a:t> in</a:t>
+            </a:r>
+            <a:r>
+              <a:rPr lang="en-US" altLang="zh-CN" sz="2570" dirty="0">
+                <a:sym typeface="+mn-ea"/>
+              </a:rPr>
+              <a:t>  obj </a:t>
+            </a:r>
           </a:p>
           <a:p>
             <a:pPr lvl="2"/>
             <a:r>
-              <a:rPr lang="en-US" altLang="zh-CN" sz="2000">
-                <a:sym typeface="+mn-ea"/>
-              </a:rPr>
-              <a:t> prop —— 要检测的属性</a:t>
-            </a:r>
-            <a:r>
-              <a:rPr lang="zh-CN" altLang="en-US" sz="2000">
-                <a:sym typeface="+mn-ea"/>
-              </a:rPr>
-              <a:t>的键</a:t>
-            </a:r>
-            <a:r>
-              <a:rPr lang="en-US" altLang="zh-CN" sz="2000">
+              <a:rPr lang="en-US" altLang="zh-CN" sz="2000" dirty="0">
+                <a:sym typeface="+mn-ea"/>
+              </a:rPr>
+              <a:t> obj —— </a:t>
+            </a:r>
+            <a:r>
+              <a:rPr lang="en-US" altLang="zh-CN" sz="2000" dirty="0" err="1">
+                <a:sym typeface="+mn-ea"/>
+              </a:rPr>
+              <a:t>检查它</a:t>
+            </a:r>
+            <a:r>
+              <a:rPr lang="en-US" altLang="zh-CN" sz="2000" b="1" dirty="0">
+                <a:sym typeface="+mn-ea"/>
+              </a:rPr>
+              <a:t>（</a:t>
+            </a:r>
+            <a:r>
+              <a:rPr lang="zh-CN" altLang="en-US" sz="2000" b="1" dirty="0">
+                <a:sym typeface="+mn-ea"/>
+              </a:rPr>
+              <a:t>包括它的</a:t>
+            </a:r>
+            <a:r>
+              <a:rPr lang="en-US" altLang="zh-CN" sz="2000" b="1" dirty="0" err="1">
+                <a:sym typeface="+mn-ea"/>
+              </a:rPr>
+              <a:t>原型链）</a:t>
+            </a:r>
+            <a:r>
+              <a:rPr lang="en-US" altLang="zh-CN" sz="2000" dirty="0" err="1">
+                <a:sym typeface="+mn-ea"/>
+              </a:rPr>
+              <a:t>是否包含具有指定名称的属性的对象</a:t>
+            </a:r>
+            <a:r>
+              <a:rPr lang="en-US" altLang="zh-CN" sz="2000" dirty="0">
+                <a:sym typeface="+mn-ea"/>
+              </a:rPr>
+              <a:t>。</a:t>
+            </a:r>
+          </a:p>
+          <a:p>
+            <a:pPr lvl="2"/>
+            <a:r>
+              <a:rPr lang="en-US" altLang="zh-CN" sz="2000" dirty="0">
                 <a:sym typeface="+mn-ea"/>
               </a:rPr>
               <a:t> </a:t>
             </a:r>
-            <a:endParaRPr lang="en-US" altLang="zh-CN" sz="2000">
-              <a:sym typeface="+mn-ea"/>
-            </a:endParaRPr>
-          </a:p>
-          <a:p>
-            <a:pPr lvl="1"/>
-            <a:r>
-              <a:rPr lang="en-US" altLang="zh-CN" sz="2400">
-                <a:sym typeface="+mn-ea"/>
-              </a:rPr>
-              <a:t> </a:t>
-            </a:r>
-            <a:r>
-              <a:rPr lang="en-US" altLang="zh-CN" sz="2400" b="1">
-                <a:sym typeface="+mn-ea"/>
-              </a:rPr>
-              <a:t>Object</a:t>
-            </a:r>
-            <a:r>
-              <a:rPr lang="en-US" altLang="zh-CN" sz="2400">
-                <a:sym typeface="+mn-ea"/>
-              </a:rPr>
-              <a:t>.getOwnPropertyNames(obj)</a:t>
-            </a:r>
-            <a:endParaRPr lang="en-US" altLang="zh-CN" sz="2400"/>
-          </a:p>
-          <a:p>
-            <a:pPr lvl="2"/>
-            <a:r>
-              <a:rPr lang="en-US" altLang="zh-CN" sz="2000">
-                <a:sym typeface="+mn-ea"/>
-              </a:rPr>
-              <a:t> 返回一个由指定对象的所有自身属性的属性名（包括不可枚举属性）组成的数组</a:t>
-            </a:r>
-            <a:endParaRPr lang="en-US" altLang="zh-CN" sz="3000"/>
-          </a:p>
-          <a:p>
-            <a:pPr lvl="1"/>
-            <a:r>
-              <a:rPr lang="en-US" altLang="zh-CN" sz="2570">
-                <a:sym typeface="+mn-ea"/>
-              </a:rPr>
-              <a:t> prop </a:t>
-            </a:r>
-            <a:r>
-              <a:rPr lang="en-US" altLang="zh-CN" sz="2570" b="1">
-                <a:sym typeface="+mn-ea"/>
-              </a:rPr>
-              <a:t> in</a:t>
-            </a:r>
-            <a:r>
-              <a:rPr lang="en-US" altLang="zh-CN" sz="2570">
-                <a:sym typeface="+mn-ea"/>
-              </a:rPr>
-              <a:t>  obj</a:t>
-            </a:r>
-            <a:endParaRPr lang="en-US" altLang="zh-CN" sz="2570">
-              <a:sym typeface="+mn-ea"/>
-            </a:endParaRPr>
-          </a:p>
-          <a:p>
-            <a:pPr lvl="2"/>
-            <a:r>
-              <a:rPr lang="en-US" altLang="zh-CN" sz="2000">
-                <a:sym typeface="+mn-ea"/>
-              </a:rPr>
-              <a:t> obj —— 检查它</a:t>
-            </a:r>
-            <a:r>
-              <a:rPr lang="en-US" altLang="zh-CN" sz="2000" b="1">
-                <a:sym typeface="+mn-ea"/>
-              </a:rPr>
-              <a:t>（</a:t>
-            </a:r>
-            <a:r>
-              <a:rPr lang="zh-CN" altLang="en-US" sz="2000" b="1">
-                <a:sym typeface="+mn-ea"/>
-              </a:rPr>
-              <a:t>包括它的</a:t>
-            </a:r>
-            <a:r>
-              <a:rPr lang="en-US" altLang="zh-CN" sz="2000" b="1">
-                <a:sym typeface="+mn-ea"/>
-              </a:rPr>
-              <a:t>原型链）</a:t>
-            </a:r>
-            <a:r>
-              <a:rPr lang="en-US" altLang="zh-CN" sz="2000">
-                <a:sym typeface="+mn-ea"/>
-              </a:rPr>
-              <a:t>是否包含具有指定名称的属性的对象。</a:t>
-            </a:r>
-            <a:endParaRPr lang="en-US" altLang="zh-CN" sz="2000">
-              <a:sym typeface="+mn-ea"/>
-            </a:endParaRPr>
-          </a:p>
-          <a:p>
-            <a:pPr lvl="2"/>
-            <a:r>
-              <a:rPr lang="en-US" altLang="zh-CN" sz="2000">
-                <a:sym typeface="+mn-ea"/>
-              </a:rPr>
-              <a:t> </a:t>
-            </a:r>
-            <a:r>
-              <a:rPr lang="en-US" altLang="zh-CN" sz="2000">
-                <a:solidFill>
-                  <a:schemeClr val="tx1"/>
-                </a:solidFill>
-                <a:sym typeface="+mn-ea"/>
-              </a:rPr>
-              <a:t>如果指定的属性在指定的对象或其原型链中，则 in 运算符返回 true。</a:t>
-            </a:r>
-            <a:endParaRPr lang="zh-CN" altLang="en-US" sz="2000">
+            <a:r>
+              <a:rPr lang="en-US" altLang="zh-CN" sz="2000" dirty="0" err="1">
+                <a:solidFill>
+                  <a:schemeClr val="tx1"/>
+                </a:solidFill>
+                <a:sym typeface="+mn-ea"/>
+              </a:rPr>
+              <a:t>如果指定的属性在指定的对象或其原型链中，则</a:t>
+            </a:r>
+            <a:r>
+              <a:rPr lang="en-US" altLang="zh-CN" sz="2000" dirty="0">
+                <a:solidFill>
+                  <a:schemeClr val="tx1"/>
+                </a:solidFill>
+                <a:sym typeface="+mn-ea"/>
+              </a:rPr>
+              <a:t> in </a:t>
+            </a:r>
+            <a:r>
+              <a:rPr lang="en-US" altLang="zh-CN" sz="2000" dirty="0" err="1">
+                <a:solidFill>
+                  <a:schemeClr val="tx1"/>
+                </a:solidFill>
+                <a:sym typeface="+mn-ea"/>
+              </a:rPr>
+              <a:t>运算符返回</a:t>
+            </a:r>
+            <a:r>
+              <a:rPr lang="en-US" altLang="zh-CN" sz="2000" dirty="0">
+                <a:solidFill>
+                  <a:schemeClr val="tx1"/>
+                </a:solidFill>
+                <a:sym typeface="+mn-ea"/>
+              </a:rPr>
+              <a:t> true。</a:t>
+            </a:r>
+            <a:endParaRPr lang="zh-CN" altLang="en-US" sz="2000" dirty="0">
               <a:sym typeface="+mn-ea"/>
             </a:endParaRPr>
           </a:p>
@@ -8549,6 +8913,7 @@
           <a:bodyPr wrap="none" rtlCol="0" anchor="t">
             <a:spAutoFit/>
           </a:bodyPr>
+          <a:lstStyle/>
           <a:p>
             <a:r>
               <a:rPr lang="en-US" altLang="zh-CN" sz="2400">
@@ -8584,7 +8949,14 @@
         <p:cNvGrpSpPr/>
         <p:nvPr/>
       </p:nvGrpSpPr>
-      <p:grpSpPr/>
+      <p:grpSpPr>
+        <a:xfrm>
+          <a:off x="0" y="0"/>
+          <a:ext cx="0" cy="0"/>
+          <a:chOff x="0" y="0"/>
+          <a:chExt cx="0" cy="0"/>
+        </a:xfrm>
+      </p:grpSpPr>
       <p:sp>
         <p:nvSpPr>
           <p:cNvPr id="3" name="内容占位符 2"/>
@@ -8598,12 +8970,12 @@
         <p:spPr/>
         <p:txBody>
           <a:bodyPr/>
+          <a:lstStyle/>
           <a:p>
             <a:r>
               <a:rPr lang="zh-CN" altLang="en-US"/>
               <a:t>属性操作</a:t>
             </a:r>
-            <a:endParaRPr lang="zh-CN" altLang="en-US"/>
           </a:p>
         </p:txBody>
       </p:sp>
@@ -8625,6 +8997,7 @@
         </p:spPr>
         <p:txBody>
           <a:bodyPr/>
+          <a:lstStyle/>
           <a:p>
             <a:r>
               <a:rPr lang="en-US" altLang="zh-CN" dirty="0">
@@ -8668,9 +9041,6 @@
               </a:rPr>
               <a:t>遍历</a:t>
             </a:r>
-            <a:endParaRPr lang="zh-CN" altLang="en-US" sz="2800">
-              <a:sym typeface="+mn-ea"/>
-            </a:endParaRPr>
           </a:p>
           <a:p>
             <a:pPr lvl="2"/>
@@ -8684,17 +9054,8 @@
               <a:rPr lang="zh-CN" altLang="en-US" sz="2000">
                 <a:sym typeface="+mn-ea"/>
               </a:rPr>
-              <a:t>遍历一个对象的所有可枚举属性键</a:t>
-            </a:r>
-            <a:r>
-              <a:rPr lang="zh-CN" altLang="en-US" sz="2000">
-                <a:sym typeface="+mn-ea"/>
-              </a:rPr>
-              <a:t>（包括自有和继承）</a:t>
-            </a:r>
-            <a:endParaRPr lang="zh-CN" altLang="en-US" sz="2000">
-              <a:sym typeface="+mn-ea"/>
-            </a:endParaRPr>
+              <a:t>遍历一个对象的所有可枚举属性键（包括自有和继承）</a:t>
+            </a:r>
           </a:p>
           <a:p>
             <a:pPr lvl="0">
@@ -8726,6 +9087,7 @@
           <a:bodyPr wrap="none" rtlCol="0" anchor="t">
             <a:spAutoFit/>
           </a:bodyPr>
+          <a:lstStyle/>
           <a:p>
             <a:r>
               <a:rPr lang="en-US" altLang="zh-CN" sz="2400">
@@ -8856,10 +9218,6 @@
               </a:rPr>
               <a:t>属性分类</a:t>
             </a:r>
-            <a:endParaRPr lang="zh-CN" altLang="en-US" sz="2800" b="1" dirty="0">
-              <a:latin typeface="微软雅黑" panose="020B0503020204020204" pitchFamily="34" charset="-122"/>
-              <a:ea typeface="微软雅黑" panose="020B0503020204020204" pitchFamily="34" charset="-122"/>
-            </a:endParaRPr>
           </a:p>
           <a:p>
             <a:pPr marL="457200" indent="-457200" algn="l" eaLnBrk="0" hangingPunct="0">
@@ -8885,13 +9243,6 @@
               </a:rPr>
               <a:t>原型链</a:t>
             </a:r>
-            <a:endParaRPr lang="zh-CN" altLang="en-US" sz="2800" b="1" dirty="0">
-              <a:solidFill>
-                <a:srgbClr val="FF0000"/>
-              </a:solidFill>
-              <a:latin typeface="微软雅黑" panose="020B0503020204020204" pitchFamily="34" charset="-122"/>
-              <a:ea typeface="微软雅黑" panose="020B0503020204020204" pitchFamily="34" charset="-122"/>
-            </a:endParaRPr>
           </a:p>
           <a:p>
             <a:pPr marL="457200" indent="-457200" algn="l" eaLnBrk="0" hangingPunct="0">
@@ -9091,12 +9442,6 @@
               </a:rPr>
               <a:t>内容提纲</a:t>
             </a:r>
-            <a:endParaRPr lang="zh-CN" altLang="en-US">
-              <a:solidFill>
-                <a:srgbClr val="C00000"/>
-              </a:solidFill>
-              <a:latin typeface="微软雅黑" panose="020B0503020204020204" pitchFamily="34" charset="-122"/>
-            </a:endParaRPr>
           </a:p>
         </p:txBody>
       </p:sp>
@@ -9117,7 +9462,14 @@
         <p:cNvGrpSpPr/>
         <p:nvPr/>
       </p:nvGrpSpPr>
-      <p:grpSpPr/>
+      <p:grpSpPr>
+        <a:xfrm>
+          <a:off x="0" y="0"/>
+          <a:ext cx="0" cy="0"/>
+          <a:chOff x="0" y="0"/>
+          <a:chExt cx="0" cy="0"/>
+        </a:xfrm>
+      </p:grpSpPr>
       <p:sp>
         <p:nvSpPr>
           <p:cNvPr id="3" name="内容占位符 2"/>
@@ -9131,12 +9483,12 @@
         <p:spPr/>
         <p:txBody>
           <a:bodyPr/>
+          <a:lstStyle/>
           <a:p>
             <a:r>
               <a:rPr lang="zh-CN" altLang="en-US"/>
               <a:t>原型链</a:t>
             </a:r>
-            <a:endParaRPr lang="zh-CN" altLang="en-US"/>
           </a:p>
         </p:txBody>
       </p:sp>
@@ -9149,7 +9501,7 @@
           <p:nvPr/>
         </p:nvPicPr>
         <p:blipFill>
-          <a:blip r:embed="rId1"/>
+          <a:blip r:embed="rId3"/>
           <a:stretch>
             <a:fillRect/>
           </a:stretch>
@@ -9191,6 +9543,7 @@
         </p:spPr>
         <p:txBody>
           <a:bodyPr vert="horz" wrap="square" lIns="91440" tIns="45720" rIns="91440" bIns="45720" numCol="1" anchor="t" anchorCtr="0" compatLnSpc="1"/>
+          <a:lstStyle/>
           <a:p>
             <a:pPr marL="0" marR="0" indent="0" algn="l" defTabSz="914400" rtl="0" eaLnBrk="0" fontAlgn="base" latinLnBrk="0" hangingPunct="0">
               <a:lnSpc>
@@ -9207,7 +9560,7 @@
               <a:buFontTx/>
               <a:buNone/>
             </a:pPr>
-            <a:endParaRPr kumimoji="0" lang="zh-CN" altLang="en-US" sz="3200" b="0" i="0" u="none" strike="noStrike" cap="none" normalizeH="0" baseline="0" smtClean="0">
+            <a:endParaRPr kumimoji="0" lang="zh-CN" altLang="en-US" sz="3200" b="0" i="0" u="none" strike="noStrike" cap="none" normalizeH="0" baseline="0">
               <a:ln>
                 <a:noFill/>
               </a:ln>
@@ -9247,6 +9600,7 @@
         </p:spPr>
         <p:txBody>
           <a:bodyPr vert="horz" wrap="square" lIns="91440" tIns="45720" rIns="91440" bIns="45720" numCol="1" anchor="t" anchorCtr="0" compatLnSpc="1"/>
+          <a:lstStyle/>
           <a:p>
             <a:pPr marL="0" marR="0" indent="0" algn="l" defTabSz="914400" rtl="0" eaLnBrk="0" fontAlgn="base" latinLnBrk="0" hangingPunct="0">
               <a:lnSpc>
@@ -9263,7 +9617,7 @@
               <a:buFontTx/>
               <a:buNone/>
             </a:pPr>
-            <a:endParaRPr kumimoji="0" lang="zh-CN" altLang="en-US" sz="3200" b="0" i="0" u="none" strike="noStrike" cap="none" normalizeH="0" baseline="0" smtClean="0">
+            <a:endParaRPr kumimoji="0" lang="zh-CN" altLang="en-US" sz="3200" b="0" i="0" u="none" strike="noStrike" cap="none" normalizeH="0" baseline="0">
               <a:ln>
                 <a:noFill/>
               </a:ln>
@@ -9285,7 +9639,7 @@
           <p:nvPr/>
         </p:nvPicPr>
         <p:blipFill>
-          <a:blip r:embed="rId2"/>
+          <a:blip r:embed="rId4"/>
           <a:stretch>
             <a:fillRect/>
           </a:stretch>
@@ -9300,6 +9654,58 @@
           </a:prstGeom>
         </p:spPr>
       </p:pic>
+      <p:sp>
+        <p:nvSpPr>
+          <p:cNvPr id="5" name="文本框 4">
+            <a:extLst>
+              <a:ext uri="{FF2B5EF4-FFF2-40B4-BE49-F238E27FC236}">
+                <a16:creationId xmlns:a16="http://schemas.microsoft.com/office/drawing/2014/main" id="{F6E4DF74-04BF-4B5D-86EA-CAAC81B52377}"/>
+              </a:ext>
+            </a:extLst>
+          </p:cNvPr>
+          <p:cNvSpPr txBox="1"/>
+          <p:nvPr/>
+        </p:nvSpPr>
+        <p:spPr>
+          <a:xfrm flipH="1">
+            <a:off x="7941919" y="3369019"/>
+            <a:ext cx="3374641" cy="1323439"/>
+          </a:xfrm>
+          <a:prstGeom prst="rect">
+            <a:avLst/>
+          </a:prstGeom>
+          <a:noFill/>
+        </p:spPr>
+        <p:txBody>
+          <a:bodyPr wrap="square" rtlCol="0">
+            <a:spAutoFit/>
+          </a:bodyPr>
+          <a:lstStyle/>
+          <a:p>
+            <a:r>
+              <a:rPr lang="zh-CN" altLang="en-US" sz="4000" dirty="0">
+                <a:solidFill>
+                  <a:srgbClr val="00B0F0"/>
+                </a:solidFill>
+              </a:rPr>
+              <a:t>找它的构造函数的</a:t>
+            </a:r>
+            <a:r>
+              <a:rPr lang="en-US" altLang="zh-CN" sz="4000" dirty="0">
+                <a:solidFill>
+                  <a:srgbClr val="00B0F0"/>
+                </a:solidFill>
+              </a:rPr>
+              <a:t>prototype</a:t>
+            </a:r>
+            <a:endParaRPr lang="zh-CN" altLang="en-US" sz="4000" dirty="0">
+              <a:solidFill>
+                <a:srgbClr val="00B0F0"/>
+              </a:solidFill>
+            </a:endParaRPr>
+          </a:p>
+        </p:txBody>
+      </p:sp>
     </p:spTree>
   </p:cSld>
   <p:clrMapOvr>
@@ -9485,8 +9891,8 @@
       </p:par>
     </p:tnLst>
     <p:bldLst>
+      <p:bldP spid="2" grpId="0" animBg="1"/>
       <p:bldP spid="4" grpId="0" animBg="1"/>
-      <p:bldP spid="2" grpId="0" animBg="1"/>
     </p:bldLst>
   </p:timing>
 </p:sld>
@@ -9501,7 +9907,14 @@
         <p:cNvGrpSpPr/>
         <p:nvPr/>
       </p:nvGrpSpPr>
-      <p:grpSpPr/>
+      <p:grpSpPr>
+        <a:xfrm>
+          <a:off x="0" y="0"/>
+          <a:ext cx="0" cy="0"/>
+          <a:chOff x="0" y="0"/>
+          <a:chExt cx="0" cy="0"/>
+        </a:xfrm>
+      </p:grpSpPr>
       <p:sp>
         <p:nvSpPr>
           <p:cNvPr id="2" name="内容占位符 1"/>
@@ -9520,12 +9933,12 @@
         </p:spPr>
         <p:txBody>
           <a:bodyPr/>
+          <a:lstStyle/>
           <a:p>
             <a:r>
               <a:rPr lang="en-US" altLang="zh-CN"/>
               <a:t> JavaScript 基于原型的语言 (prototype-based language)</a:t>
             </a:r>
-            <a:endParaRPr lang="en-US" altLang="zh-CN"/>
           </a:p>
           <a:p>
             <a:pPr lvl="0"/>
@@ -9539,9 +9952,6 @@
               </a:rPr>
               <a:t>原型链 (prototype chain)</a:t>
             </a:r>
-            <a:endParaRPr lang="en-US" altLang="zh-CN">
-              <a:sym typeface="+mn-ea"/>
-            </a:endParaRPr>
           </a:p>
           <a:p>
             <a:pPr lvl="1"/>
@@ -9593,6 +10003,76 @@
                 </a:solidFill>
               </a:rPr>
               <a:t>，对象以其原型为模板、从原</a:t>
+            </a:r>
+          </a:p>
+          <a:p>
+            <a:pPr marL="168275" lvl="1" indent="0">
+              <a:buNone/>
+            </a:pPr>
+            <a:r>
+              <a:rPr lang="en-US" altLang="zh-CN">
+                <a:solidFill>
+                  <a:schemeClr val="tx1"/>
+                </a:solidFill>
+              </a:rPr>
+              <a:t>    型继承方法和属性。原型对象也可能拥有原型</a:t>
+            </a:r>
+            <a:r>
+              <a:rPr lang="zh-CN" altLang="en-US">
+                <a:solidFill>
+                  <a:schemeClr val="tx1"/>
+                </a:solidFill>
+              </a:rPr>
+              <a:t>对象</a:t>
+            </a:r>
+            <a:r>
+              <a:rPr lang="en-US" altLang="zh-CN">
+                <a:solidFill>
+                  <a:schemeClr val="tx1"/>
+                </a:solidFill>
+              </a:rPr>
+              <a:t>，并从中继承方法和  </a:t>
+            </a:r>
+          </a:p>
+          <a:p>
+            <a:pPr marL="0" lvl="1" indent="0">
+              <a:buNone/>
+            </a:pPr>
+            <a:r>
+              <a:rPr lang="en-US" altLang="zh-CN">
+                <a:solidFill>
+                  <a:schemeClr val="tx1"/>
+                </a:solidFill>
+              </a:rPr>
+              <a:t>      属性，一层一层、以此类推。</a:t>
+            </a:r>
+            <a:r>
+              <a:rPr lang="en-US" altLang="zh-CN">
+                <a:solidFill>
+                  <a:schemeClr val="tx1"/>
+                </a:solidFill>
+                <a:sym typeface="+mn-ea"/>
+              </a:rPr>
+              <a:t>这种关系常被称为原型链 </a:t>
+            </a:r>
+            <a:r>
+              <a:rPr lang="zh-CN" altLang="en-US">
+                <a:solidFill>
+                  <a:schemeClr val="tx1"/>
+                </a:solidFill>
+                <a:sym typeface="+mn-ea"/>
+              </a:rPr>
+              <a:t>。</a:t>
+            </a:r>
+            <a:r>
+              <a:rPr lang="en-US" altLang="zh-CN">
+                <a:solidFill>
+                  <a:schemeClr val="tx1"/>
+                </a:solidFill>
+                <a:cs typeface="+mn-ea"/>
+                <a:sym typeface="+mn-ea"/>
+              </a:rPr>
+              <a:t> </a:t>
             </a:r>
             <a:endParaRPr lang="en-US" altLang="zh-CN">
               <a:solidFill>
@@ -9601,132 +10081,45 @@
             </a:endParaRPr>
           </a:p>
           <a:p>
-            <a:pPr marL="168275" lvl="1" indent="0">
-              <a:buNone/>
-            </a:pPr>
+            <a:pPr lvl="1"/>
             <a:r>
               <a:rPr lang="en-US" altLang="zh-CN">
                 <a:solidFill>
                   <a:schemeClr val="tx1"/>
                 </a:solidFill>
               </a:rPr>
-              <a:t>    型继承方法和属性。原型对象也可能拥有原型</a:t>
+              <a:t> </a:t>
+            </a:r>
+            <a:r>
+              <a:rPr lang="en-US" altLang="zh-CN">
+                <a:solidFill>
+                  <a:schemeClr val="tx1"/>
+                </a:solidFill>
+                <a:cs typeface="+mn-ea"/>
+                <a:sym typeface="+mn-ea"/>
+              </a:rPr>
+              <a:t>层层向上直到一个对象的原型对象为 null </a:t>
             </a:r>
             <a:r>
               <a:rPr lang="zh-CN" altLang="en-US">
                 <a:solidFill>
                   <a:schemeClr val="tx1"/>
                 </a:solidFill>
-              </a:rPr>
-              <a:t>对象</a:t>
+                <a:cs typeface="+mn-ea"/>
+                <a:sym typeface="+mn-ea"/>
+              </a:rPr>
+              <a:t>。</a:t>
             </a:r>
             <a:r>
               <a:rPr lang="en-US" altLang="zh-CN">
                 <a:solidFill>
                   <a:schemeClr val="tx1"/>
                 </a:solidFill>
-              </a:rPr>
-              <a:t>，并从中继承方法和  </a:t>
-            </a:r>
-            <a:endParaRPr lang="en-US" altLang="zh-CN">
-              <a:solidFill>
-                <a:schemeClr val="tx1"/>
-              </a:solidFill>
-            </a:endParaRPr>
-          </a:p>
-          <a:p>
-            <a:pPr marL="0" lvl="1" indent="0">
-              <a:buNone/>
-            </a:pPr>
-            <a:r>
-              <a:rPr lang="en-US" altLang="zh-CN">
-                <a:solidFill>
-                  <a:schemeClr val="tx1"/>
-                </a:solidFill>
-              </a:rPr>
-              <a:t>      属性，一层一层、以此类推。</a:t>
-            </a:r>
-            <a:r>
-              <a:rPr lang="en-US" altLang="zh-CN">
-                <a:solidFill>
-                  <a:schemeClr val="tx1"/>
-                </a:solidFill>
-                <a:sym typeface="+mn-ea"/>
-              </a:rPr>
-              <a:t>这种关系常被称为原型链 </a:t>
-            </a:r>
-            <a:r>
-              <a:rPr lang="zh-CN" altLang="en-US">
-                <a:solidFill>
-                  <a:schemeClr val="tx1"/>
-                </a:solidFill>
-                <a:sym typeface="+mn-ea"/>
-              </a:rPr>
-              <a:t>。</a:t>
-            </a:r>
-            <a:r>
-              <a:rPr lang="en-US" altLang="zh-CN">
-                <a:solidFill>
-                  <a:schemeClr val="tx1"/>
-                </a:solidFill>
                 <a:cs typeface="+mn-ea"/>
                 <a:sym typeface="+mn-ea"/>
               </a:rPr>
-              <a:t> </a:t>
-            </a:r>
-            <a:endParaRPr lang="en-US" altLang="zh-CN">
-              <a:solidFill>
-                <a:schemeClr val="tx1"/>
-              </a:solidFill>
-            </a:endParaRPr>
-          </a:p>
-          <a:p>
-            <a:pPr lvl="1"/>
-            <a:r>
-              <a:rPr lang="en-US" altLang="zh-CN">
-                <a:solidFill>
-                  <a:schemeClr val="tx1"/>
-                </a:solidFill>
-              </a:rPr>
-              <a:t> </a:t>
-            </a:r>
-            <a:r>
-              <a:rPr lang="en-US" altLang="zh-CN">
-                <a:solidFill>
-                  <a:schemeClr val="tx1"/>
-                </a:solidFill>
-                <a:cs typeface="+mn-ea"/>
-                <a:sym typeface="+mn-ea"/>
-              </a:rPr>
-              <a:t>层层向上直到一个对象的原型对象为 null </a:t>
-            </a:r>
-            <a:r>
-              <a:rPr lang="zh-CN" altLang="en-US">
-                <a:solidFill>
-                  <a:schemeClr val="tx1"/>
-                </a:solidFill>
-                <a:cs typeface="+mn-ea"/>
-                <a:sym typeface="+mn-ea"/>
-              </a:rPr>
-              <a:t>。</a:t>
-            </a:r>
-            <a:r>
-              <a:rPr lang="en-US" altLang="zh-CN">
-                <a:solidFill>
-                  <a:schemeClr val="tx1"/>
-                </a:solidFill>
-                <a:cs typeface="+mn-ea"/>
-                <a:sym typeface="+mn-ea"/>
-              </a:rPr>
               <a:t>根据定义，null 没有原型，并</a:t>
             </a:r>
-            <a:endParaRPr lang="en-US" altLang="zh-CN">
-              <a:solidFill>
-                <a:schemeClr val="tx1"/>
-              </a:solidFill>
-              <a:cs typeface="+mn-ea"/>
-              <a:sym typeface="+mn-ea"/>
-            </a:endParaRPr>
           </a:p>
           <a:p>
             <a:pPr marL="168275" lvl="1" indent="0">
@@ -9790,12 +10183,12 @@
         <p:spPr/>
         <p:txBody>
           <a:bodyPr/>
+          <a:lstStyle/>
           <a:p>
             <a:r>
               <a:rPr lang="zh-CN" altLang="en-US"/>
               <a:t>原型链</a:t>
             </a:r>
-            <a:endParaRPr lang="zh-CN" altLang="en-US"/>
           </a:p>
         </p:txBody>
       </p:sp>
@@ -9816,7 +10209,14 @@
         <p:cNvGrpSpPr/>
         <p:nvPr/>
       </p:nvGrpSpPr>
-      <p:grpSpPr/>
+      <p:grpSpPr>
+        <a:xfrm>
+          <a:off x="0" y="0"/>
+          <a:ext cx="0" cy="0"/>
+          <a:chOff x="0" y="0"/>
+          <a:chExt cx="0" cy="0"/>
+        </a:xfrm>
+      </p:grpSpPr>
       <p:sp>
         <p:nvSpPr>
           <p:cNvPr id="2" name="内容占位符 1"/>
@@ -9830,6 +10230,7 @@
         <p:spPr/>
         <p:txBody>
           <a:bodyPr/>
+          <a:lstStyle/>
           <a:p>
             <a:r>
               <a:rPr lang="en-US" altLang="zh-CN"/>
@@ -9839,13 +10240,7 @@
               <a:rPr lang="en-US" altLang="zh-CN">
                 <a:sym typeface="+mn-ea"/>
               </a:rPr>
-              <a:t>instance.</a:t>
-            </a:r>
-            <a:r>
-              <a:rPr lang="en-US" altLang="zh-CN">
-                <a:sym typeface="+mn-ea"/>
-              </a:rPr>
-              <a:t>__proto__ === Constructor.prototype</a:t>
+              <a:t>instance.__proto__ === Constructor.prototype</a:t>
             </a:r>
             <a:endParaRPr lang="en-US" altLang="zh-CN"/>
           </a:p>
@@ -10023,12 +10418,12 @@
         <p:spPr/>
         <p:txBody>
           <a:bodyPr/>
+          <a:lstStyle/>
           <a:p>
             <a:r>
               <a:rPr lang="zh-CN" altLang="en-US"/>
               <a:t>原型链</a:t>
             </a:r>
-            <a:endParaRPr lang="zh-CN" altLang="en-US"/>
           </a:p>
         </p:txBody>
       </p:sp>
@@ -10041,7 +10436,7 @@
           <p:nvPr/>
         </p:nvPicPr>
         <p:blipFill>
-          <a:blip r:embed="rId1"/>
+          <a:blip r:embed="rId2"/>
           <a:srcRect l="22392" t="4395" r="18226" b="2764"/>
           <a:stretch>
             <a:fillRect/>
@@ -10065,8 +10460,8 @@
         </p:nvSpPr>
         <p:spPr>
           <a:xfrm>
-            <a:off x="5080635" y="4169410"/>
-            <a:ext cx="3319145" cy="1346200"/>
+            <a:off x="4739641" y="3524452"/>
+            <a:ext cx="5388808" cy="2811233"/>
           </a:xfrm>
           <a:prstGeom prst="rect">
             <a:avLst/>
@@ -10086,6 +10481,7 @@
         </p:spPr>
         <p:txBody>
           <a:bodyPr vert="horz" wrap="square" lIns="91440" tIns="45720" rIns="91440" bIns="45720" numCol="1" anchor="t" anchorCtr="0" compatLnSpc="1"/>
+          <a:lstStyle/>
           <a:p>
             <a:pPr marL="0" marR="0" indent="0" algn="l" defTabSz="914400" rtl="0" eaLnBrk="0" fontAlgn="base" hangingPunct="0">
               <a:lnSpc>
@@ -10103,24 +10499,50 @@
               <a:buNone/>
             </a:pPr>
             <a:r>
-              <a:rPr kumimoji="0" lang="en-US" altLang="zh-CN" sz="2400" b="0" i="0" u="none" strike="noStrike" cap="none" normalizeH="0" baseline="0" smtClean="0">
+              <a:rPr kumimoji="0" lang="zh-CN" altLang="en-US" sz="2800" b="0" i="0" u="none" strike="noStrike" cap="none" normalizeH="0" baseline="0" dirty="0">
                 <a:ln>
                   <a:noFill/>
                 </a:ln>
                 <a:solidFill>
-                  <a:schemeClr val="bg1"/>
+                  <a:srgbClr val="00B0F0"/>
                 </a:solidFill>
                 <a:effectLst/>
                 <a:latin typeface="Arial" panose="020B0604020202020204" pitchFamily="34" charset="0"/>
               </a:rPr>
-              <a:t>Object.prototype  ???</a:t>
-            </a:r>
-            <a:endParaRPr kumimoji="0" lang="en-US" altLang="zh-CN" sz="2400" b="0" i="0" u="none" strike="noStrike" cap="none" normalizeH="0" baseline="0" smtClean="0">
+              <a:t>有</a:t>
+            </a:r>
+            <a:r>
+              <a:rPr kumimoji="0" lang="en-US" altLang="zh-CN" sz="2800" b="0" i="0" u="none" strike="noStrike" cap="none" normalizeH="0" baseline="0" dirty="0">
+                <a:ln>
+                  <a:noFill/>
+                </a:ln>
+                <a:solidFill>
+                  <a:srgbClr val="00B0F0"/>
+                </a:solidFill>
+                <a:effectLst/>
+                <a:latin typeface="Arial" panose="020B0604020202020204" pitchFamily="34" charset="0"/>
+              </a:rPr>
+              <a:t>prototype</a:t>
+            </a:r>
+            <a:r>
+              <a:rPr kumimoji="0" lang="zh-CN" altLang="en-US" sz="2800" b="0" i="0" u="none" strike="noStrike" cap="none" normalizeH="0" baseline="0" dirty="0">
+                <a:ln>
+                  <a:noFill/>
+                </a:ln>
+                <a:solidFill>
+                  <a:srgbClr val="00B0F0"/>
+                </a:solidFill>
+                <a:effectLst/>
+                <a:latin typeface="Arial" panose="020B0604020202020204" pitchFamily="34" charset="0"/>
+              </a:rPr>
+              <a:t>属性的一定是函数</a:t>
+            </a:r>
+            <a:endParaRPr kumimoji="0" lang="en-US" altLang="zh-CN" sz="2800" b="0" i="0" u="none" strike="noStrike" cap="none" normalizeH="0" baseline="0" dirty="0">
               <a:ln>
                 <a:noFill/>
               </a:ln>
               <a:solidFill>
-                <a:schemeClr val="bg1"/>
+                <a:srgbClr val="00B0F0"/>
               </a:solidFill>
               <a:effectLst/>
               <a:latin typeface="Arial" panose="020B0604020202020204" pitchFamily="34" charset="0"/>
@@ -10142,8 +10564,27 @@
               <a:buFontTx/>
               <a:buNone/>
             </a:pPr>
-            <a:r>
-              <a:rPr kumimoji="0" lang="en-US" altLang="zh-CN" sz="2400" b="0" i="0" u="none" strike="noStrike" cap="none" normalizeH="0" baseline="0" smtClean="0">
+            <a:endParaRPr lang="en-US" altLang="zh-CN" sz="2400" dirty="0">
+              <a:solidFill>
+                <a:schemeClr val="bg1"/>
+              </a:solidFill>
+              <a:latin typeface="Arial" panose="020B0604020202020204" pitchFamily="34" charset="0"/>
+            </a:endParaRPr>
+          </a:p>
+          <a:p>
+            <a:pPr defTabSz="914400" eaLnBrk="0" fontAlgn="base" hangingPunct="0">
+              <a:lnSpc>
+                <a:spcPct val="150000"/>
+              </a:lnSpc>
+              <a:spcBef>
+                <a:spcPct val="0"/>
+              </a:spcBef>
+              <a:spcAft>
+                <a:spcPct val="0"/>
+              </a:spcAft>
+            </a:pPr>
+            <a:r>
+              <a:rPr kumimoji="0" lang="en-US" altLang="zh-CN" sz="2400" b="0" i="0" u="none" strike="noStrike" cap="none" normalizeH="0" baseline="0" dirty="0" err="1">
                 <a:ln>
                   <a:noFill/>
                 </a:ln>
@@ -10153,14 +10594,80 @@
                 <a:effectLst/>
                 <a:latin typeface="Arial" panose="020B0604020202020204" pitchFamily="34" charset="0"/>
               </a:rPr>
-              <a:t>Math.prototype     ???</a:t>
-            </a:r>
-            <a:endParaRPr kumimoji="0" lang="en-US" altLang="zh-CN" sz="2400" b="0" i="0" u="none" strike="noStrike" cap="none" normalizeH="0" baseline="0" smtClean="0">
+              <a:t>Object.prototype</a:t>
+            </a:r>
+            <a:r>
+              <a:rPr kumimoji="0" lang="en-US" altLang="zh-CN" sz="2400" b="0" i="0" u="none" strike="noStrike" cap="none" normalizeH="0" baseline="0" dirty="0">
+                <a:ln>
+                  <a:noFill/>
+                </a:ln>
+                <a:solidFill>
+                  <a:schemeClr val="bg1"/>
+                </a:solidFill>
+                <a:effectLst/>
+                <a:latin typeface="Arial" panose="020B0604020202020204" pitchFamily="34" charset="0"/>
+              </a:rPr>
+              <a:t>  ???</a:t>
+            </a:r>
+            <a:r>
+              <a:rPr lang="zh-CN" altLang="en-US" sz="2400" dirty="0">
+                <a:solidFill>
+                  <a:srgbClr val="00B0F0"/>
+                </a:solidFill>
+                <a:latin typeface="Arial" panose="020B0604020202020204" pitchFamily="34" charset="0"/>
+              </a:rPr>
+              <a:t>有</a:t>
+            </a:r>
+            <a:r>
+              <a:rPr lang="en-US" altLang="zh-CN" sz="2400" dirty="0" err="1">
+                <a:solidFill>
+                  <a:schemeClr val="bg1"/>
+                </a:solidFill>
+                <a:latin typeface="Arial" panose="020B0604020202020204" pitchFamily="34" charset="0"/>
+              </a:rPr>
+              <a:t>m</a:t>
+            </a:r>
+            <a:r>
+              <a:rPr kumimoji="0" lang="en-US" altLang="zh-CN" sz="2400" b="0" i="0" u="none" strike="noStrike" cap="none" normalizeH="0" baseline="0" dirty="0" err="1">
+                <a:ln>
+                  <a:noFill/>
+                </a:ln>
+                <a:solidFill>
+                  <a:schemeClr val="bg1"/>
+                </a:solidFill>
+                <a:effectLst/>
+                <a:latin typeface="Arial" panose="020B0604020202020204" pitchFamily="34" charset="0"/>
+              </a:rPr>
+              <a:t>ath.prototype</a:t>
+            </a:r>
+            <a:r>
+              <a:rPr kumimoji="0" lang="en-US" altLang="zh-CN" sz="2400" b="0" i="0" u="none" strike="noStrike" cap="none" normalizeH="0" baseline="0" dirty="0">
+                <a:ln>
+                  <a:noFill/>
+                </a:ln>
+                <a:solidFill>
+                  <a:schemeClr val="bg1"/>
+                </a:solidFill>
+                <a:effectLst/>
+                <a:latin typeface="Arial" panose="020B0604020202020204" pitchFamily="34" charset="0"/>
+              </a:rPr>
+              <a:t>     ???</a:t>
+            </a:r>
+            <a:r>
+              <a:rPr lang="zh-CN" altLang="en-US" sz="2400" dirty="0">
+                <a:solidFill>
+                  <a:srgbClr val="00B0F0"/>
+                </a:solidFill>
+                <a:latin typeface="Arial" panose="020B0604020202020204" pitchFamily="34" charset="0"/>
+              </a:rPr>
+              <a:t>没有</a:t>
+            </a:r>
+            <a:endParaRPr kumimoji="0" lang="en-US" altLang="zh-CN" sz="2400" b="0" i="0" u="none" strike="noStrike" cap="none" normalizeH="0" baseline="0" dirty="0">
               <a:ln>
                 <a:noFill/>
               </a:ln>
               <a:solidFill>
-                <a:schemeClr val="bg1"/>
+                <a:srgbClr val="00B0F0"/>
               </a:solidFill>
               <a:effectLst/>
               <a:latin typeface="Arial" panose="020B0604020202020204" pitchFamily="34" charset="0"/>
@@ -10306,7 +10813,14 @@
         <p:cNvGrpSpPr/>
         <p:nvPr/>
       </p:nvGrpSpPr>
-      <p:grpSpPr/>
+      <p:grpSpPr>
+        <a:xfrm>
+          <a:off x="0" y="0"/>
+          <a:ext cx="0" cy="0"/>
+          <a:chOff x="0" y="0"/>
+          <a:chExt cx="0" cy="0"/>
+        </a:xfrm>
+      </p:grpSpPr>
       <p:sp>
         <p:nvSpPr>
           <p:cNvPr id="5" name="矩形 4"/>
@@ -10334,6 +10848,7 @@
         </p:spPr>
         <p:txBody>
           <a:bodyPr vert="horz" wrap="square" lIns="91440" tIns="45720" rIns="91440" bIns="45720" numCol="1" anchor="t" anchorCtr="0" compatLnSpc="1"/>
+          <a:lstStyle/>
           <a:p>
             <a:pPr marL="0" marR="0" indent="0" algn="l" defTabSz="914400" rtl="0" eaLnBrk="0" fontAlgn="base" latinLnBrk="0" hangingPunct="0">
               <a:lnSpc>
@@ -10350,7 +10865,7 @@
               <a:buFontTx/>
               <a:buNone/>
             </a:pPr>
-            <a:endParaRPr kumimoji="0" lang="zh-CN" altLang="en-US" sz="3200" b="0" i="0" u="none" strike="noStrike" cap="none" normalizeH="0" baseline="0" smtClean="0">
+            <a:endParaRPr kumimoji="0" lang="zh-CN" altLang="en-US" sz="3200" b="0" i="0" u="none" strike="noStrike" cap="none" normalizeH="0" baseline="0">
               <a:ln>
                 <a:noFill/>
               </a:ln>
@@ -10376,7 +10891,7 @@
           </p:nvPr>
         </p:nvPicPr>
         <p:blipFill>
-          <a:blip r:embed="rId2"/>
+          <a:blip r:embed="rId3"/>
           <a:stretch>
             <a:fillRect/>
           </a:stretch>
@@ -10411,6 +10926,7 @@
           <a:bodyPr wrap="none" rtlCol="0" anchor="t">
             <a:spAutoFit/>
           </a:bodyPr>
+          <a:lstStyle/>
           <a:p>
             <a:r>
               <a:rPr lang="en-US" altLang="zh-CN" sz="2400">
@@ -10446,7 +10962,14 @@
         <p:cNvGrpSpPr/>
         <p:nvPr/>
       </p:nvGrpSpPr>
-      <p:grpSpPr/>
+      <p:grpSpPr>
+        <a:xfrm>
+          <a:off x="0" y="0"/>
+          <a:ext cx="0" cy="0"/>
+          <a:chOff x="0" y="0"/>
+          <a:chExt cx="0" cy="0"/>
+        </a:xfrm>
+      </p:grpSpPr>
       <p:sp>
         <p:nvSpPr>
           <p:cNvPr id="2" name="内容占位符 1"/>
@@ -10465,12 +10988,12 @@
         </p:spPr>
         <p:txBody>
           <a:bodyPr/>
+          <a:lstStyle/>
           <a:p>
             <a:r>
               <a:rPr lang="en-US" altLang="zh-CN"/>
               <a:t> Function created by Function</a:t>
             </a:r>
-            <a:endParaRPr lang="en-US" altLang="zh-CN"/>
           </a:p>
           <a:p>
             <a:pPr lvl="1"/>
@@ -10504,9 +11027,6 @@
               </a:rPr>
               <a:t> by Function</a:t>
             </a:r>
-            <a:endParaRPr lang="en-US" altLang="zh-CN">
-              <a:sym typeface="+mn-ea"/>
-            </a:endParaRPr>
           </a:p>
           <a:p>
             <a:pPr lvl="1"/>
@@ -10525,12 +11045,6 @@
               </a:rPr>
               <a:t>Object.__proto__==Function.prototype</a:t>
             </a:r>
-            <a:endParaRPr lang="en-US" altLang="zh-CN">
-              <a:solidFill>
-                <a:schemeClr val="tx1"/>
-              </a:solidFill>
-              <a:sym typeface="+mn-ea"/>
-            </a:endParaRPr>
           </a:p>
           <a:p>
             <a:pPr lvl="0"/>
@@ -10566,7 +11080,16 @@
                 </a:solidFill>
                 <a:sym typeface="+mn-ea"/>
               </a:rPr>
-              <a:t>Object.prototype</a:t>
+              <a:t>Object.prototype </a:t>
+            </a:r>
+            <a:r>
+              <a:rPr lang="zh-CN" altLang="en-US" sz="2400">
+                <a:solidFill>
+                  <a:schemeClr val="tx1"/>
+                </a:solidFill>
+                <a:sym typeface="+mn-ea"/>
+              </a:rPr>
+              <a:t>添加方法和属性，</a:t>
             </a:r>
             <a:r>
               <a:rPr lang="en-US" altLang="zh-CN" sz="2400">
@@ -10575,7 +11098,7 @@
                 </a:solidFill>
                 <a:sym typeface="+mn-ea"/>
               </a:rPr>
-              <a:t> </a:t>
+              <a:t>Function.prototype </a:t>
             </a:r>
             <a:r>
               <a:rPr lang="zh-CN" altLang="en-US" sz="2400">
@@ -10584,32 +11107,8 @@
                 </a:solidFill>
                 <a:sym typeface="+mn-ea"/>
               </a:rPr>
-              <a:t>添加方法和属性，</a:t>
-            </a:r>
-            <a:r>
-              <a:rPr lang="en-US" altLang="zh-CN" sz="2400">
-                <a:solidFill>
-                  <a:schemeClr val="tx1"/>
-                </a:solidFill>
-                <a:sym typeface="+mn-ea"/>
-              </a:rPr>
-              <a:t>Function.prototype </a:t>
-            </a:r>
-            <a:r>
-              <a:rPr lang="zh-CN" altLang="en-US" sz="2400">
-                <a:solidFill>
-                  <a:schemeClr val="tx1"/>
-                </a:solidFill>
-                <a:sym typeface="+mn-ea"/>
-              </a:rPr>
               <a:t>也会拥有</a:t>
             </a:r>
-            <a:endParaRPr lang="zh-CN" altLang="en-US" sz="2400">
-              <a:solidFill>
-                <a:schemeClr val="tx1"/>
-              </a:solidFill>
-              <a:sym typeface="+mn-ea"/>
-            </a:endParaRPr>
           </a:p>
           <a:p>
             <a:pPr marL="168275" lvl="1" indent="0">
@@ -10624,12 +11123,6 @@
               </a:rPr>
               <a:t>   相同的方法和属性，相反则不具有</a:t>
             </a:r>
-            <a:endParaRPr lang="zh-CN" altLang="en-US" sz="2400">
-              <a:solidFill>
-                <a:schemeClr val="tx1"/>
-              </a:solidFill>
-              <a:sym typeface="+mn-ea"/>
-            </a:endParaRPr>
           </a:p>
           <a:p>
             <a:pPr lvl="0">
@@ -10667,9 +11160,6 @@
               </a:rPr>
               <a:t>是对象的起源</a:t>
             </a:r>
-            <a:endParaRPr lang="zh-CN" altLang="en-US">
-              <a:sym typeface="+mn-ea"/>
-            </a:endParaRPr>
           </a:p>
           <a:p>
             <a:pPr lvl="0">
@@ -10704,12 +11194,12 @@
         <p:spPr/>
         <p:txBody>
           <a:bodyPr/>
+          <a:lstStyle/>
           <a:p>
             <a:r>
               <a:rPr lang="zh-CN" altLang="en-US"/>
               <a:t>原型链</a:t>
             </a:r>
-            <a:endParaRPr lang="zh-CN" altLang="en-US"/>
           </a:p>
         </p:txBody>
       </p:sp>
@@ -10730,7 +11220,14 @@
         <p:cNvGrpSpPr/>
         <p:nvPr/>
       </p:nvGrpSpPr>
-      <p:grpSpPr/>
+      <p:grpSpPr>
+        <a:xfrm>
+          <a:off x="0" y="0"/>
+          <a:ext cx="0" cy="0"/>
+          <a:chOff x="0" y="0"/>
+          <a:chExt cx="0" cy="0"/>
+        </a:xfrm>
+      </p:grpSpPr>
       <p:sp>
         <p:nvSpPr>
           <p:cNvPr id="5" name="矩形 4"/>
@@ -10758,6 +11255,7 @@
         </p:spPr>
         <p:txBody>
           <a:bodyPr vert="horz" wrap="square" lIns="91440" tIns="45720" rIns="91440" bIns="45720" numCol="1" anchor="t" anchorCtr="0" compatLnSpc="1"/>
+          <a:lstStyle/>
           <a:p>
             <a:pPr marL="0" marR="0" indent="0" algn="l" defTabSz="914400" rtl="0" eaLnBrk="0" fontAlgn="base" latinLnBrk="0" hangingPunct="0">
               <a:lnSpc>
@@ -10774,7 +11272,7 @@
               <a:buFontTx/>
               <a:buNone/>
             </a:pPr>
-            <a:endParaRPr kumimoji="0" lang="zh-CN" altLang="en-US" sz="3200" b="0" i="0" u="none" strike="noStrike" cap="none" normalizeH="0" baseline="0" smtClean="0">
+            <a:endParaRPr kumimoji="0" lang="zh-CN" altLang="en-US" sz="3200" b="0" i="0" u="none" strike="noStrike" cap="none" normalizeH="0" baseline="0">
               <a:ln>
                 <a:noFill/>
               </a:ln>
@@ -10810,7 +11308,7 @@
             <p:nvPr/>
           </p:nvPicPr>
           <p:blipFill>
-            <a:blip r:embed="rId1"/>
+            <a:blip r:embed="rId2"/>
             <a:stretch>
               <a:fillRect/>
             </a:stretch>
@@ -10852,6 +11350,7 @@
           </p:spPr>
           <p:txBody>
             <a:bodyPr vert="horz" wrap="square" lIns="91440" tIns="45720" rIns="91440" bIns="45720" numCol="1" anchor="t" anchorCtr="0" compatLnSpc="1"/>
+            <a:lstStyle/>
             <a:p>
               <a:pPr marL="0" marR="0" indent="0" algn="l" defTabSz="914400" rtl="0" eaLnBrk="0" fontAlgn="base" latinLnBrk="0" hangingPunct="0">
                 <a:lnSpc>
@@ -10868,7 +11367,7 @@
                 <a:buFontTx/>
                 <a:buNone/>
               </a:pPr>
-              <a:endParaRPr kumimoji="0" lang="zh-CN" altLang="en-US" sz="3200" b="0" i="0" u="none" strike="noStrike" cap="none" normalizeH="0" baseline="0" smtClean="0">
+              <a:endParaRPr kumimoji="0" lang="zh-CN" altLang="en-US" sz="3200" b="0" i="0" u="none" strike="noStrike" cap="none" normalizeH="0" baseline="0">
                 <a:ln>
                   <a:noFill/>
                 </a:ln>
@@ -10967,10 +11466,6 @@
               </a:rPr>
               <a:t>属性访问机制</a:t>
             </a:r>
-            <a:endParaRPr lang="zh-CN" altLang="en-US" sz="2800" b="1" dirty="0">
-              <a:latin typeface="微软雅黑" panose="020B0503020204020204" pitchFamily="34" charset="-122"/>
-              <a:ea typeface="微软雅黑" panose="020B0503020204020204" pitchFamily="34" charset="-122"/>
-            </a:endParaRPr>
           </a:p>
           <a:p>
             <a:pPr marL="457200" indent="-457200" algn="l" eaLnBrk="0" hangingPunct="0">
@@ -10993,10 +11488,6 @@
               </a:rPr>
               <a:t>属性分类</a:t>
             </a:r>
-            <a:endParaRPr lang="zh-CN" altLang="en-US" sz="2800" b="1" dirty="0">
-              <a:latin typeface="微软雅黑" panose="020B0503020204020204" pitchFamily="34" charset="-122"/>
-              <a:ea typeface="微软雅黑" panose="020B0503020204020204" pitchFamily="34" charset="-122"/>
-            </a:endParaRPr>
           </a:p>
           <a:p>
             <a:pPr marL="457200" indent="-457200" algn="l" eaLnBrk="0" hangingPunct="0">
@@ -11019,10 +11510,6 @@
               </a:rPr>
               <a:t>原型链</a:t>
             </a:r>
-            <a:endParaRPr lang="zh-CN" altLang="en-US" sz="2800" b="1" dirty="0">
-              <a:latin typeface="微软雅黑" panose="020B0503020204020204" pitchFamily="34" charset="-122"/>
-              <a:ea typeface="微软雅黑" panose="020B0503020204020204" pitchFamily="34" charset="-122"/>
-            </a:endParaRPr>
           </a:p>
           <a:p>
             <a:pPr marL="457200" indent="-457200" algn="l" eaLnBrk="0" hangingPunct="0">
@@ -11045,10 +11532,6 @@
               </a:rPr>
               <a:t>数据类型检测</a:t>
             </a:r>
-            <a:endParaRPr lang="zh-CN" altLang="en-US" sz="2800" b="1" dirty="0">
-              <a:latin typeface="微软雅黑" panose="020B0503020204020204" pitchFamily="34" charset="-122"/>
-              <a:ea typeface="微软雅黑" panose="020B0503020204020204" pitchFamily="34" charset="-122"/>
-            </a:endParaRPr>
           </a:p>
         </p:txBody>
       </p:sp>
@@ -11221,12 +11704,6 @@
               </a:rPr>
               <a:t>内容提纲</a:t>
             </a:r>
-            <a:endParaRPr lang="zh-CN" altLang="en-US">
-              <a:solidFill>
-                <a:srgbClr val="C00000"/>
-              </a:solidFill>
-              <a:latin typeface="微软雅黑" panose="020B0503020204020204" pitchFamily="34" charset="-122"/>
-            </a:endParaRPr>
           </a:p>
         </p:txBody>
       </p:sp>
@@ -11247,7 +11724,14 @@
         <p:cNvGrpSpPr/>
         <p:nvPr/>
       </p:nvGrpSpPr>
-      <p:grpSpPr/>
+      <p:grpSpPr>
+        <a:xfrm>
+          <a:off x="0" y="0"/>
+          <a:ext cx="0" cy="0"/>
+          <a:chOff x="0" y="0"/>
+          <a:chExt cx="0" cy="0"/>
+        </a:xfrm>
+      </p:grpSpPr>
       <p:sp>
         <p:nvSpPr>
           <p:cNvPr id="2" name="内容占位符 1"/>
@@ -11266,6 +11750,7 @@
         </p:spPr>
         <p:txBody>
           <a:bodyPr/>
+          <a:lstStyle/>
           <a:p>
             <a:r>
               <a:rPr lang="en-US" altLang="zh-CN"/>
@@ -11279,7 +11764,6 @@
               <a:rPr lang="en-US" altLang="zh-CN"/>
               <a:t>(obj) </a:t>
             </a:r>
-            <a:endParaRPr lang="en-US" altLang="zh-CN"/>
           </a:p>
           <a:p>
             <a:pPr lvl="1"/>
@@ -11319,7 +11803,6 @@
               <a:rPr lang="en-US" altLang="zh-CN"/>
               <a:t> Object.create(proto)</a:t>
             </a:r>
-            <a:endParaRPr lang="en-US" altLang="zh-CN"/>
           </a:p>
           <a:p>
             <a:pPr lvl="1"/>
@@ -11351,7 +11834,6 @@
               <a:rPr lang="en-US" altLang="zh-CN"/>
               <a:t>(object)</a:t>
             </a:r>
-            <a:endParaRPr lang="en-US" altLang="zh-CN"/>
           </a:p>
           <a:p>
             <a:pPr lvl="1"/>
@@ -11401,11 +11883,6 @@
               </a:rPr>
               <a:t>对象的原型链上</a:t>
             </a:r>
-            <a:endParaRPr lang="en-US" altLang="zh-CN">
-              <a:solidFill>
-                <a:schemeClr val="tx1"/>
-              </a:solidFill>
-            </a:endParaRPr>
           </a:p>
         </p:txBody>
       </p:sp>
@@ -11422,6 +11899,7 @@
         <p:spPr/>
         <p:txBody>
           <a:bodyPr/>
+          <a:lstStyle/>
           <a:p>
             <a:r>
               <a:rPr lang="zh-CN" altLang="en-US"/>
@@ -11443,7 +11921,6 @@
               <a:rPr lang="zh-CN" altLang="en-US"/>
               <a:t>判断原型对象</a:t>
             </a:r>
-            <a:endParaRPr lang="zh-CN" altLang="en-US"/>
           </a:p>
         </p:txBody>
       </p:sp>
@@ -11467,6 +11944,7 @@
           <a:bodyPr wrap="none" rtlCol="0" anchor="t">
             <a:spAutoFit/>
           </a:bodyPr>
+          <a:lstStyle/>
           <a:p>
             <a:r>
               <a:rPr lang="en-US" altLang="zh-CN" sz="2400">
@@ -11597,10 +12075,6 @@
               </a:rPr>
               <a:t>属性分类</a:t>
             </a:r>
-            <a:endParaRPr lang="zh-CN" altLang="en-US" sz="2800" b="1" dirty="0">
-              <a:latin typeface="微软雅黑" panose="020B0503020204020204" pitchFamily="34" charset="-122"/>
-              <a:ea typeface="微软雅黑" panose="020B0503020204020204" pitchFamily="34" charset="-122"/>
-            </a:endParaRPr>
           </a:p>
           <a:p>
             <a:pPr marL="457200" indent="-457200" algn="l" eaLnBrk="0" hangingPunct="0">
@@ -11838,12 +12312,6 @@
               </a:rPr>
               <a:t>内容提纲</a:t>
             </a:r>
-            <a:endParaRPr lang="zh-CN" altLang="en-US">
-              <a:solidFill>
-                <a:srgbClr val="C00000"/>
-              </a:solidFill>
-              <a:latin typeface="微软雅黑" panose="020B0503020204020204" pitchFamily="34" charset="-122"/>
-            </a:endParaRPr>
           </a:p>
         </p:txBody>
       </p:sp>
@@ -11864,7 +12332,14 @@
         <p:cNvGrpSpPr/>
         <p:nvPr/>
       </p:nvGrpSpPr>
-      <p:grpSpPr/>
+      <p:grpSpPr>
+        <a:xfrm>
+          <a:off x="0" y="0"/>
+          <a:ext cx="0" cy="0"/>
+          <a:chOff x="0" y="0"/>
+          <a:chExt cx="0" cy="0"/>
+        </a:xfrm>
+      </p:grpSpPr>
       <p:sp>
         <p:nvSpPr>
           <p:cNvPr id="2" name="内容占位符 1"/>
@@ -11886,6 +12361,7 @@
         </p:spPr>
         <p:txBody>
           <a:bodyPr/>
+          <a:lstStyle/>
           <a:p>
             <a:r>
               <a:rPr lang="en-US" altLang="zh-CN"/>
@@ -11927,7 +12403,6 @@
               <a:rPr lang="zh-CN" altLang="en-US"/>
               <a:t>的数据类型。</a:t>
             </a:r>
-            <a:endParaRPr lang="zh-CN" altLang="en-US"/>
           </a:p>
           <a:p>
             <a:pPr lvl="1"/>
@@ -12362,12 +12837,12 @@
         <p:spPr/>
         <p:txBody>
           <a:bodyPr/>
+          <a:lstStyle/>
           <a:p>
             <a:r>
               <a:rPr lang="zh-CN" altLang="en-US"/>
               <a:t>思考</a:t>
             </a:r>
-            <a:endParaRPr lang="zh-CN" altLang="en-US"/>
           </a:p>
         </p:txBody>
       </p:sp>
@@ -12376,13 +12851,6 @@
   <p:clrMapOvr>
     <a:masterClrMapping/>
   </p:clrMapOvr>
-  <p:timing>
-    <p:tnLst>
-      <p:par>
-        <p:cTn id="1" dur="indefinite" restart="never" nodeType="tmRoot"/>
-      </p:par>
-    </p:tnLst>
-  </p:timing>
 </p:sld>
 </file>
 
@@ -12395,7 +12863,14 @@
         <p:cNvGrpSpPr/>
         <p:nvPr/>
       </p:nvGrpSpPr>
-      <p:grpSpPr/>
+      <p:grpSpPr>
+        <a:xfrm>
+          <a:off x="0" y="0"/>
+          <a:ext cx="0" cy="0"/>
+          <a:chOff x="0" y="0"/>
+          <a:chExt cx="0" cy="0"/>
+        </a:xfrm>
+      </p:grpSpPr>
       <p:sp>
         <p:nvSpPr>
           <p:cNvPr id="2" name="内容占位符 1"/>
@@ -12414,6 +12889,7 @@
         </p:spPr>
         <p:txBody>
           <a:bodyPr/>
+          <a:lstStyle/>
           <a:p>
             <a:r>
               <a:rPr lang="en-US" altLang="zh-CN"/>
@@ -12444,12 +12920,12 @@
         <p:spPr/>
         <p:txBody>
           <a:bodyPr/>
+          <a:lstStyle/>
           <a:p>
             <a:r>
               <a:rPr lang="zh-CN" altLang="en-US"/>
               <a:t>数据类型检测</a:t>
             </a:r>
-            <a:endParaRPr lang="zh-CN" altLang="en-US"/>
           </a:p>
         </p:txBody>
       </p:sp>
@@ -12462,7 +12938,7 @@
           <p:nvPr/>
         </p:nvPicPr>
         <p:blipFill>
-          <a:blip r:embed="rId1"/>
+          <a:blip r:embed="rId2"/>
           <a:stretch>
             <a:fillRect/>
           </a:stretch>
@@ -12503,6 +12979,7 @@
           <a:bodyPr wrap="square" rtlCol="0">
             <a:spAutoFit/>
           </a:bodyPr>
+          <a:lstStyle/>
           <a:p>
             <a:pPr algn="l" fontAlgn="auto">
               <a:lnSpc>
@@ -12564,14 +13041,6 @@
               </a:rPr>
               <a:t>等对象呢？</a:t>
             </a:r>
-            <a:endParaRPr lang="zh-CN" altLang="en-US" sz="2600">
-              <a:solidFill>
-                <a:srgbClr val="C00000"/>
-              </a:solidFill>
-              <a:latin typeface="+mn-ea"/>
-              <a:ea typeface="+mn-ea"/>
-              <a:sym typeface="+mn-ea"/>
-            </a:endParaRPr>
           </a:p>
         </p:txBody>
       </p:sp>
@@ -12580,13 +13049,6 @@
   <p:clrMapOvr>
     <a:masterClrMapping/>
   </p:clrMapOvr>
-  <p:timing>
-    <p:tnLst>
-      <p:par>
-        <p:cTn id="1" dur="indefinite" restart="never" nodeType="tmRoot"/>
-      </p:par>
-    </p:tnLst>
-  </p:timing>
 </p:sld>
 </file>
 
@@ -12599,7 +13061,14 @@
         <p:cNvGrpSpPr/>
         <p:nvPr/>
       </p:nvGrpSpPr>
-      <p:grpSpPr/>
+      <p:grpSpPr>
+        <a:xfrm>
+          <a:off x="0" y="0"/>
+          <a:ext cx="0" cy="0"/>
+          <a:chOff x="0" y="0"/>
+          <a:chExt cx="0" cy="0"/>
+        </a:xfrm>
+      </p:grpSpPr>
       <p:sp>
         <p:nvSpPr>
           <p:cNvPr id="2" name="内容占位符 1"/>
@@ -12618,6 +13087,7 @@
         </p:spPr>
         <p:txBody>
           <a:bodyPr/>
+          <a:lstStyle/>
           <a:p>
             <a:r>
               <a:rPr lang="en-US" altLang="zh-CN"/>
@@ -12708,11 +13178,6 @@
               </a:rPr>
               <a:t>constructor 属性。</a:t>
             </a:r>
-            <a:endParaRPr lang="en-US" altLang="zh-CN">
-              <a:solidFill>
-                <a:schemeClr val="tx1"/>
-              </a:solidFill>
-            </a:endParaRPr>
           </a:p>
           <a:p>
             <a:pPr lvl="1"/>
@@ -12737,12 +13202,12 @@
         <p:spPr/>
         <p:txBody>
           <a:bodyPr/>
+          <a:lstStyle/>
           <a:p>
             <a:r>
               <a:rPr lang="zh-CN" altLang="en-US"/>
               <a:t>数据类型检测</a:t>
             </a:r>
-            <a:endParaRPr lang="zh-CN" altLang="en-US"/>
           </a:p>
         </p:txBody>
       </p:sp>
@@ -12755,7 +13220,7 @@
           <p:nvPr/>
         </p:nvPicPr>
         <p:blipFill>
-          <a:blip r:embed="rId1"/>
+          <a:blip r:embed="rId2"/>
           <a:stretch>
             <a:fillRect/>
           </a:stretch>
@@ -12783,13 +13248,6 @@
   <p:clrMapOvr>
     <a:masterClrMapping/>
   </p:clrMapOvr>
-  <p:timing>
-    <p:tnLst>
-      <p:par>
-        <p:cTn id="1" dur="indefinite" restart="never" nodeType="tmRoot"/>
-      </p:par>
-    </p:tnLst>
-  </p:timing>
 </p:sld>
 </file>
 
@@ -12802,7 +13260,14 @@
         <p:cNvGrpSpPr/>
         <p:nvPr/>
       </p:nvGrpSpPr>
-      <p:grpSpPr/>
+      <p:grpSpPr>
+        <a:xfrm>
+          <a:off x="0" y="0"/>
+          <a:ext cx="0" cy="0"/>
+          <a:chOff x="0" y="0"/>
+          <a:chExt cx="0" cy="0"/>
+        </a:xfrm>
+      </p:grpSpPr>
       <p:sp>
         <p:nvSpPr>
           <p:cNvPr id="2" name="内容占位符 1"/>
@@ -12821,12 +13286,12 @@
         </p:spPr>
         <p:txBody>
           <a:bodyPr/>
+          <a:lstStyle/>
           <a:p>
             <a:r>
               <a:rPr lang="en-US" altLang="zh-CN"/>
               <a:t> constructor</a:t>
             </a:r>
-            <a:endParaRPr lang="en-US" altLang="zh-CN"/>
           </a:p>
           <a:p>
             <a:pPr lvl="1"/>
@@ -12858,11 +13323,6 @@
               </a:rPr>
               <a:t>的指向</a:t>
             </a:r>
-            <a:endParaRPr lang="zh-CN" altLang="en-US">
-              <a:solidFill>
-                <a:schemeClr val="tx1"/>
-              </a:solidFill>
-            </a:endParaRPr>
           </a:p>
         </p:txBody>
       </p:sp>
@@ -12879,12 +13339,12 @@
         <p:spPr/>
         <p:txBody>
           <a:bodyPr/>
+          <a:lstStyle/>
           <a:p>
             <a:r>
               <a:rPr lang="zh-CN" altLang="en-US"/>
               <a:t>数据类型检测</a:t>
             </a:r>
-            <a:endParaRPr lang="zh-CN" altLang="en-US"/>
           </a:p>
         </p:txBody>
       </p:sp>
@@ -12897,7 +13357,7 @@
           <p:nvPr/>
         </p:nvPicPr>
         <p:blipFill>
-          <a:blip r:embed="rId1"/>
+          <a:blip r:embed="rId3"/>
           <a:stretch>
             <a:fillRect/>
           </a:stretch>
@@ -12947,6 +13407,7 @@
         </p:spPr>
         <p:txBody>
           <a:bodyPr vert="horz" wrap="square" lIns="91440" tIns="45720" rIns="91440" bIns="45720" numCol="1" anchor="t" anchorCtr="0" compatLnSpc="1"/>
+          <a:lstStyle/>
           <a:p>
             <a:pPr marL="0" marR="0" indent="0" algn="l" defTabSz="914400" rtl="0" eaLnBrk="0" fontAlgn="base" latinLnBrk="0" hangingPunct="0">
               <a:lnSpc>
@@ -12963,7 +13424,7 @@
               <a:buFontTx/>
               <a:buNone/>
             </a:pPr>
-            <a:endParaRPr kumimoji="0" lang="zh-CN" altLang="en-US" sz="3200" b="0" i="0" u="none" strike="noStrike" cap="none" normalizeH="0" baseline="0" smtClean="0">
+            <a:endParaRPr kumimoji="0" lang="zh-CN" altLang="en-US" sz="3200" b="0" i="0" u="none" strike="noStrike" cap="none" normalizeH="0" baseline="0">
               <a:ln>
                 <a:noFill/>
               </a:ln>
@@ -13123,7 +13584,14 @@
         <p:cNvGrpSpPr/>
         <p:nvPr/>
       </p:nvGrpSpPr>
-      <p:grpSpPr/>
+      <p:grpSpPr>
+        <a:xfrm>
+          <a:off x="0" y="0"/>
+          <a:ext cx="0" cy="0"/>
+          <a:chOff x="0" y="0"/>
+          <a:chExt cx="0" cy="0"/>
+        </a:xfrm>
+      </p:grpSpPr>
       <p:sp>
         <p:nvSpPr>
           <p:cNvPr id="2" name="内容占位符 1"/>
@@ -13142,6 +13610,7 @@
         </p:spPr>
         <p:txBody>
           <a:bodyPr/>
+          <a:lstStyle/>
           <a:p>
             <a:r>
               <a:rPr lang="en-US" altLang="zh-CN"/>
@@ -13278,11 +13747,6 @@
               </a:rPr>
               <a:t>的原型链上</a:t>
             </a:r>
-            <a:endParaRPr lang="en-US" altLang="zh-CN">
-              <a:solidFill>
-                <a:schemeClr val="tx1"/>
-              </a:solidFill>
-            </a:endParaRPr>
           </a:p>
           <a:p>
             <a:pPr lvl="1"/>
@@ -13290,7 +13754,7 @@
               <a:rPr lang="zh-CN" altLang="en-US">
                 <a:latin typeface="微软雅黑" panose="020B0503020204020204" pitchFamily="34" charset="-122"/>
                 <a:sym typeface="+mn-ea"/>
-                <a:hlinkClick r:id="rId1" action="ppaction://hlinkfile"/>
+                <a:hlinkClick r:id="rId2" action="ppaction://hlinkfile"/>
               </a:rPr>
               <a:t>https://www.ibm.com/developerworks/cn/web/1306_jiangjj_jsinstanceof/index.html</a:t>
             </a:r>
@@ -13322,12 +13786,12 @@
         <p:spPr/>
         <p:txBody>
           <a:bodyPr/>
+          <a:lstStyle/>
           <a:p>
             <a:r>
               <a:rPr lang="zh-CN" altLang="en-US"/>
               <a:t>数据类型检测</a:t>
             </a:r>
-            <a:endParaRPr lang="zh-CN" altLang="en-US"/>
           </a:p>
         </p:txBody>
       </p:sp>
@@ -13348,7 +13812,14 @@
         <p:cNvGrpSpPr/>
         <p:nvPr/>
       </p:nvGrpSpPr>
-      <p:grpSpPr/>
+      <p:grpSpPr>
+        <a:xfrm>
+          <a:off x="0" y="0"/>
+          <a:ext cx="0" cy="0"/>
+          <a:chOff x="0" y="0"/>
+          <a:chExt cx="0" cy="0"/>
+        </a:xfrm>
+      </p:grpSpPr>
       <p:sp>
         <p:nvSpPr>
           <p:cNvPr id="6" name="矩形 5"/>
@@ -13376,6 +13847,7 @@
         </p:spPr>
         <p:txBody>
           <a:bodyPr vert="horz" wrap="square" lIns="91440" tIns="45720" rIns="91440" bIns="45720" numCol="1" anchor="t" anchorCtr="0" compatLnSpc="1"/>
+          <a:lstStyle/>
           <a:p>
             <a:pPr marL="0" marR="0" indent="0" algn="l" defTabSz="914400" rtl="0" eaLnBrk="0" fontAlgn="base" latinLnBrk="0" hangingPunct="0">
               <a:lnSpc>
@@ -13392,7 +13864,7 @@
               <a:buFontTx/>
               <a:buNone/>
             </a:pPr>
-            <a:endParaRPr kumimoji="0" lang="zh-CN" altLang="en-US" sz="3200" b="0" i="0" u="none" strike="noStrike" cap="none" normalizeH="0" baseline="0" smtClean="0">
+            <a:endParaRPr kumimoji="0" lang="zh-CN" altLang="en-US" sz="3200" b="0" i="0" u="none" strike="noStrike" cap="none" normalizeH="0" baseline="0">
               <a:ln>
                 <a:noFill/>
               </a:ln>
@@ -13418,12 +13890,12 @@
         <p:spPr/>
         <p:txBody>
           <a:bodyPr/>
+          <a:lstStyle/>
           <a:p>
             <a:r>
               <a:rPr lang="zh-CN" altLang="en-US"/>
               <a:t>数据类型检测</a:t>
             </a:r>
-            <a:endParaRPr lang="zh-CN" altLang="en-US"/>
           </a:p>
         </p:txBody>
       </p:sp>
@@ -13436,7 +13908,7 @@
           <p:nvPr/>
         </p:nvPicPr>
         <p:blipFill>
-          <a:blip r:embed="rId1"/>
+          <a:blip r:embed="rId3"/>
           <a:stretch>
             <a:fillRect/>
           </a:stretch>
@@ -13460,7 +13932,7 @@
           <p:nvPr/>
         </p:nvPicPr>
         <p:blipFill>
-          <a:blip r:embed="rId2"/>
+          <a:blip r:embed="rId4"/>
           <a:stretch>
             <a:fillRect/>
           </a:stretch>
@@ -13492,7 +13964,7 @@
           <p:nvPr/>
         </p:nvPicPr>
         <p:blipFill>
-          <a:blip r:embed="rId3"/>
+          <a:blip r:embed="rId5"/>
           <a:stretch>
             <a:fillRect/>
           </a:stretch>
@@ -13535,6 +14007,7 @@
           <a:bodyPr wrap="none" rtlCol="0" anchor="t">
             <a:spAutoFit/>
           </a:bodyPr>
+          <a:lstStyle/>
           <a:p>
             <a:r>
               <a:rPr lang="en-US" altLang="zh-CN" sz="2400">
@@ -13543,16 +14016,7 @@
                 <a:cs typeface="Times New Roman" panose="02020603050405020304" charset="0"/>
                 <a:sym typeface="+mn-ea"/>
               </a:rPr>
-              <a:t>5</a:t>
-            </a:r>
-            <a:r>
-              <a:rPr lang="en-US" altLang="zh-CN" sz="2400">
-                <a:latin typeface="微软雅黑" panose="020B0503020204020204" pitchFamily="34" charset="-122"/>
-                <a:ea typeface="微软雅黑" panose="020B0503020204020204" pitchFamily="34" charset="-122"/>
-                <a:cs typeface="Times New Roman" panose="02020603050405020304" charset="0"/>
-                <a:sym typeface="+mn-ea"/>
-              </a:rPr>
-              <a:t>.html</a:t>
+              <a:t>5.html</a:t>
             </a:r>
             <a:endParaRPr lang="en-US" altLang="zh-CN" sz="2400">
               <a:latin typeface="微软雅黑" panose="020B0503020204020204" pitchFamily="34" charset="-122"/>
@@ -13791,7 +14255,14 @@
         <p:cNvGrpSpPr/>
         <p:nvPr/>
       </p:nvGrpSpPr>
-      <p:grpSpPr/>
+      <p:grpSpPr>
+        <a:xfrm>
+          <a:off x="0" y="0"/>
+          <a:ext cx="0" cy="0"/>
+          <a:chOff x="0" y="0"/>
+          <a:chExt cx="0" cy="0"/>
+        </a:xfrm>
+      </p:grpSpPr>
       <p:sp>
         <p:nvSpPr>
           <p:cNvPr id="2" name="内容占位符 1"/>
@@ -13810,6 +14281,7 @@
         </p:spPr>
         <p:txBody>
           <a:bodyPr/>
+          <a:lstStyle/>
           <a:p>
             <a:r>
               <a:rPr lang="en-US" altLang="zh-CN"/>
@@ -13856,12 +14328,12 @@
         <p:spPr/>
         <p:txBody>
           <a:bodyPr/>
+          <a:lstStyle/>
           <a:p>
             <a:r>
               <a:rPr lang="zh-CN" altLang="en-US"/>
               <a:t>数据类型检测</a:t>
             </a:r>
-            <a:endParaRPr lang="zh-CN" altLang="en-US"/>
           </a:p>
         </p:txBody>
       </p:sp>
@@ -13874,7 +14346,7 @@
           <p:nvPr/>
         </p:nvPicPr>
         <p:blipFill>
-          <a:blip r:embed="rId1"/>
+          <a:blip r:embed="rId3"/>
           <a:stretch>
             <a:fillRect/>
           </a:stretch>
@@ -13920,6 +14392,7 @@
           <a:bodyPr wrap="square" rtlCol="0" anchor="t">
             <a:spAutoFit/>
           </a:bodyPr>
+          <a:lstStyle/>
           <a:p>
             <a:pPr fontAlgn="auto">
               <a:lnSpc>
@@ -13934,11 +14407,6 @@
               </a:rPr>
               <a:t>instanceof 不能判断一个对象具体属于哪种类型。</a:t>
             </a:r>
-            <a:endParaRPr lang="zh-CN" altLang="en-US" sz="2400">
-              <a:latin typeface="微软雅黑" panose="020B0503020204020204" pitchFamily="34" charset="-122"/>
-              <a:ea typeface="微软雅黑" panose="020B0503020204020204" pitchFamily="34" charset="-122"/>
-              <a:cs typeface="微软雅黑" panose="020B0503020204020204" pitchFamily="34" charset="-122"/>
-            </a:endParaRPr>
           </a:p>
         </p:txBody>
       </p:sp>
@@ -13962,6 +14430,7 @@
           <a:bodyPr wrap="none" rtlCol="0" anchor="t">
             <a:spAutoFit/>
           </a:bodyPr>
+          <a:lstStyle/>
           <a:p>
             <a:r>
               <a:rPr lang="en-US" altLang="zh-CN" sz="2400">
@@ -13970,16 +14439,7 @@
                 <a:cs typeface="Times New Roman" panose="02020603050405020304" charset="0"/>
                 <a:sym typeface="+mn-ea"/>
               </a:rPr>
-              <a:t>6</a:t>
-            </a:r>
-            <a:r>
-              <a:rPr lang="en-US" altLang="zh-CN" sz="2400">
-                <a:latin typeface="微软雅黑" panose="020B0503020204020204" pitchFamily="34" charset="-122"/>
-                <a:ea typeface="微软雅黑" panose="020B0503020204020204" pitchFamily="34" charset="-122"/>
-                <a:cs typeface="Times New Roman" panose="02020603050405020304" charset="0"/>
-                <a:sym typeface="+mn-ea"/>
-              </a:rPr>
-              <a:t>.html</a:t>
+              <a:t>6.html</a:t>
             </a:r>
             <a:endParaRPr lang="en-US" altLang="zh-CN" sz="2400">
               <a:latin typeface="微软雅黑" panose="020B0503020204020204" pitchFamily="34" charset="-122"/>
@@ -14130,7 +14590,14 @@
         <p:cNvGrpSpPr/>
         <p:nvPr/>
       </p:nvGrpSpPr>
-      <p:grpSpPr/>
+      <p:grpSpPr>
+        <a:xfrm>
+          <a:off x="0" y="0"/>
+          <a:ext cx="0" cy="0"/>
+          <a:chOff x="0" y="0"/>
+          <a:chExt cx="0" cy="0"/>
+        </a:xfrm>
+      </p:grpSpPr>
       <p:sp>
         <p:nvSpPr>
           <p:cNvPr id="2" name="内容占位符 1"/>
@@ -14149,6 +14616,7 @@
         </p:spPr>
         <p:txBody>
           <a:bodyPr/>
+          <a:lstStyle/>
           <a:p>
             <a:r>
               <a:rPr lang="en-US" altLang="zh-CN"/>
@@ -14195,12 +14663,12 @@
         <p:spPr/>
         <p:txBody>
           <a:bodyPr/>
+          <a:lstStyle/>
           <a:p>
             <a:r>
               <a:rPr lang="zh-CN" altLang="en-US"/>
               <a:t>数据类型检测</a:t>
             </a:r>
-            <a:endParaRPr lang="zh-CN" altLang="en-US"/>
           </a:p>
         </p:txBody>
       </p:sp>
@@ -14213,7 +14681,7 @@
           <p:nvPr/>
         </p:nvPicPr>
         <p:blipFill>
-          <a:blip r:embed="rId1"/>
+          <a:blip r:embed="rId3"/>
           <a:stretch>
             <a:fillRect/>
           </a:stretch>
@@ -14256,6 +14724,7 @@
           <a:bodyPr wrap="none" rtlCol="0" anchor="t">
             <a:spAutoFit/>
           </a:bodyPr>
+          <a:lstStyle/>
           <a:p>
             <a:r>
               <a:rPr lang="en-US" altLang="zh-CN" sz="2400">
@@ -14264,16 +14733,7 @@
                 <a:cs typeface="Times New Roman" panose="02020603050405020304" charset="0"/>
                 <a:sym typeface="+mn-ea"/>
               </a:rPr>
-              <a:t>7</a:t>
-            </a:r>
-            <a:r>
-              <a:rPr lang="en-US" altLang="zh-CN" sz="2400">
-                <a:latin typeface="微软雅黑" panose="020B0503020204020204" pitchFamily="34" charset="-122"/>
-                <a:ea typeface="微软雅黑" panose="020B0503020204020204" pitchFamily="34" charset="-122"/>
-                <a:cs typeface="Times New Roman" panose="02020603050405020304" charset="0"/>
-                <a:sym typeface="+mn-ea"/>
-              </a:rPr>
-              <a:t>.html</a:t>
+              <a:t>7.html</a:t>
             </a:r>
             <a:endParaRPr lang="en-US" altLang="zh-CN" sz="2400">
               <a:latin typeface="微软雅黑" panose="020B0503020204020204" pitchFamily="34" charset="-122"/>
@@ -14371,13 +14831,6 @@
               </a:rPr>
               <a:t>属性访问机制</a:t>
             </a:r>
-            <a:endParaRPr lang="zh-CN" altLang="en-US" sz="2800" b="1" dirty="0">
-              <a:solidFill>
-                <a:srgbClr val="FF0000"/>
-              </a:solidFill>
-              <a:latin typeface="微软雅黑" panose="020B0503020204020204" pitchFamily="34" charset="-122"/>
-              <a:ea typeface="微软雅黑" panose="020B0503020204020204" pitchFamily="34" charset="-122"/>
-            </a:endParaRPr>
           </a:p>
           <a:p>
             <a:pPr marL="457200" indent="-457200" algn="l" eaLnBrk="0" hangingPunct="0">
@@ -14400,10 +14853,6 @@
               </a:rPr>
               <a:t>属性分类</a:t>
             </a:r>
-            <a:endParaRPr lang="zh-CN" altLang="en-US" sz="2800" b="1" dirty="0">
-              <a:latin typeface="微软雅黑" panose="020B0503020204020204" pitchFamily="34" charset="-122"/>
-              <a:ea typeface="微软雅黑" panose="020B0503020204020204" pitchFamily="34" charset="-122"/>
-            </a:endParaRPr>
           </a:p>
           <a:p>
             <a:pPr marL="457200" indent="-457200" algn="l" eaLnBrk="0" hangingPunct="0">
@@ -14426,10 +14875,6 @@
               </a:rPr>
               <a:t>原型链</a:t>
             </a:r>
-            <a:endParaRPr lang="zh-CN" altLang="en-US" sz="2800" b="1" dirty="0">
-              <a:latin typeface="微软雅黑" panose="020B0503020204020204" pitchFamily="34" charset="-122"/>
-              <a:ea typeface="微软雅黑" panose="020B0503020204020204" pitchFamily="34" charset="-122"/>
-            </a:endParaRPr>
           </a:p>
           <a:p>
             <a:pPr marL="457200" indent="-457200" algn="l" eaLnBrk="0" hangingPunct="0">
@@ -14452,10 +14897,6 @@
               </a:rPr>
               <a:t>数据类型检测</a:t>
             </a:r>
-            <a:endParaRPr lang="zh-CN" altLang="en-US" sz="2800" b="1" dirty="0">
-              <a:latin typeface="微软雅黑" panose="020B0503020204020204" pitchFamily="34" charset="-122"/>
-              <a:ea typeface="微软雅黑" panose="020B0503020204020204" pitchFamily="34" charset="-122"/>
-            </a:endParaRPr>
           </a:p>
         </p:txBody>
       </p:sp>
@@ -14628,12 +15069,6 @@
               </a:rPr>
               <a:t>内容提纲</a:t>
             </a:r>
-            <a:endParaRPr lang="zh-CN" altLang="en-US">
-              <a:solidFill>
-                <a:srgbClr val="C00000"/>
-              </a:solidFill>
-              <a:latin typeface="微软雅黑" panose="020B0503020204020204" pitchFamily="34" charset="-122"/>
-            </a:endParaRPr>
           </a:p>
         </p:txBody>
       </p:sp>
@@ -14654,7 +15089,14 @@
         <p:cNvGrpSpPr/>
         <p:nvPr/>
       </p:nvGrpSpPr>
-      <p:grpSpPr/>
+      <p:grpSpPr>
+        <a:xfrm>
+          <a:off x="0" y="0"/>
+          <a:ext cx="0" cy="0"/>
+          <a:chOff x="0" y="0"/>
+          <a:chExt cx="0" cy="0"/>
+        </a:xfrm>
+      </p:grpSpPr>
       <p:sp>
         <p:nvSpPr>
           <p:cNvPr id="2" name="内容占位符 1"/>
@@ -14673,6 +15115,7 @@
         </p:spPr>
         <p:txBody>
           <a:bodyPr/>
+          <a:lstStyle/>
           <a:p>
             <a:r>
               <a:rPr lang="en-US" altLang="zh-CN"/>
@@ -14684,9 +15127,6 @@
               </a:rPr>
               <a:t>toString</a:t>
             </a:r>
-            <a:endParaRPr lang="en-US" altLang="zh-CN" sz="2800">
-              <a:sym typeface="+mn-ea"/>
-            </a:endParaRPr>
           </a:p>
           <a:p>
             <a:pPr lvl="1"/>
@@ -14730,11 +15170,6 @@
               </a:rPr>
               <a:t>。</a:t>
             </a:r>
-            <a:endParaRPr lang="zh-CN" altLang="en-US">
-              <a:solidFill>
-                <a:schemeClr val="tx1"/>
-              </a:solidFill>
-            </a:endParaRPr>
           </a:p>
           <a:p>
             <a:pPr lvl="1"/>
@@ -15036,12 +15471,12 @@
         <p:spPr/>
         <p:txBody>
           <a:bodyPr/>
+          <a:lstStyle/>
           <a:p>
             <a:r>
               <a:rPr lang="zh-CN" altLang="en-US"/>
               <a:t>数据类型检测</a:t>
             </a:r>
-            <a:endParaRPr lang="zh-CN" altLang="en-US"/>
           </a:p>
         </p:txBody>
       </p:sp>
@@ -15062,7 +15497,14 @@
         <p:cNvGrpSpPr/>
         <p:nvPr/>
       </p:nvGrpSpPr>
-      <p:grpSpPr/>
+      <p:grpSpPr>
+        <a:xfrm>
+          <a:off x="0" y="0"/>
+          <a:ext cx="0" cy="0"/>
+          <a:chOff x="0" y="0"/>
+          <a:chExt cx="0" cy="0"/>
+        </a:xfrm>
+      </p:grpSpPr>
       <p:sp>
         <p:nvSpPr>
           <p:cNvPr id="2" name="内容占位符 1"/>
@@ -15081,6 +15523,7 @@
         </p:spPr>
         <p:txBody>
           <a:bodyPr/>
+          <a:lstStyle/>
           <a:p>
             <a:r>
               <a:rPr lang="en-US" altLang="zh-CN"/>
@@ -15109,12 +15552,12 @@
         <p:spPr/>
         <p:txBody>
           <a:bodyPr/>
+          <a:lstStyle/>
           <a:p>
             <a:r>
               <a:rPr lang="zh-CN" altLang="en-US"/>
               <a:t>数据类型检测</a:t>
             </a:r>
-            <a:endParaRPr lang="zh-CN" altLang="en-US"/>
           </a:p>
         </p:txBody>
       </p:sp>
@@ -15138,6 +15581,7 @@
           <a:bodyPr wrap="none" rtlCol="0" anchor="t">
             <a:spAutoFit/>
           </a:bodyPr>
+          <a:lstStyle/>
           <a:p>
             <a:r>
               <a:rPr lang="en-US" altLang="zh-CN" sz="2400">
@@ -15146,16 +15590,7 @@
                 <a:cs typeface="Times New Roman" panose="02020603050405020304" charset="0"/>
                 <a:sym typeface="+mn-ea"/>
               </a:rPr>
-              <a:t>8</a:t>
-            </a:r>
-            <a:r>
-              <a:rPr lang="en-US" altLang="zh-CN" sz="2400">
-                <a:latin typeface="微软雅黑" panose="020B0503020204020204" pitchFamily="34" charset="-122"/>
-                <a:ea typeface="微软雅黑" panose="020B0503020204020204" pitchFamily="34" charset="-122"/>
-                <a:cs typeface="Times New Roman" panose="02020603050405020304" charset="0"/>
-                <a:sym typeface="+mn-ea"/>
-              </a:rPr>
-              <a:t>.html</a:t>
+              <a:t>8.html</a:t>
             </a:r>
             <a:endParaRPr lang="en-US" altLang="zh-CN" sz="2400">
               <a:latin typeface="微软雅黑" panose="020B0503020204020204" pitchFamily="34" charset="-122"/>
@@ -15174,7 +15609,7 @@
           <p:nvPr/>
         </p:nvPicPr>
         <p:blipFill>
-          <a:blip r:embed="rId1"/>
+          <a:blip r:embed="rId3"/>
           <a:stretch>
             <a:fillRect/>
           </a:stretch>
@@ -15202,13 +15637,6 @@
   <p:clrMapOvr>
     <a:masterClrMapping/>
   </p:clrMapOvr>
-  <p:timing>
-    <p:tnLst>
-      <p:par>
-        <p:cTn id="1" dur="indefinite" restart="never" nodeType="tmRoot"/>
-      </p:par>
-    </p:tnLst>
-  </p:timing>
 </p:sld>
 </file>
 
@@ -15221,7 +15649,14 @@
         <p:cNvGrpSpPr/>
         <p:nvPr/>
       </p:nvGrpSpPr>
-      <p:grpSpPr/>
+      <p:grpSpPr>
+        <a:xfrm>
+          <a:off x="0" y="0"/>
+          <a:ext cx="0" cy="0"/>
+          <a:chOff x="0" y="0"/>
+          <a:chExt cx="0" cy="0"/>
+        </a:xfrm>
+      </p:grpSpPr>
       <p:sp>
         <p:nvSpPr>
           <p:cNvPr id="2" name="内容占位符 1"/>
@@ -15240,6 +15675,7 @@
         </p:spPr>
         <p:txBody>
           <a:bodyPr/>
+          <a:lstStyle/>
           <a:p>
             <a:r>
               <a:rPr lang="en-US" altLang="zh-CN"/>
@@ -15249,7 +15685,6 @@
               <a:rPr lang="zh-CN" altLang="en-US"/>
               <a:t>属性访问机制</a:t>
             </a:r>
-            <a:endParaRPr lang="zh-CN" altLang="en-US"/>
           </a:p>
           <a:p>
             <a:pPr lvl="1"/>
@@ -15315,11 +15750,6 @@
               </a:rPr>
               <a:t>。即按照原型链查找属性。</a:t>
             </a:r>
-            <a:endParaRPr lang="zh-CN" altLang="en-US" sz="2400">
-              <a:solidFill>
-                <a:schemeClr val="tx1"/>
-              </a:solidFill>
-            </a:endParaRPr>
           </a:p>
           <a:p>
             <a:pPr lvl="0"/>
@@ -15437,12 +15867,6 @@
               </a:rPr>
               <a:t>首先从本对象查找，接着是它的原型，以及原型的原型，直到原型链的顶端。</a:t>
             </a:r>
-            <a:endParaRPr lang="zh-CN" altLang="en-US">
-              <a:solidFill>
-                <a:schemeClr val="tx1"/>
-              </a:solidFill>
-              <a:sym typeface="+mn-ea"/>
-            </a:endParaRPr>
           </a:p>
           <a:p>
             <a:pPr lvl="1"/>
@@ -15471,12 +15895,6 @@
               </a:rPr>
               <a:t>对象本身拥有该属性一样。</a:t>
             </a:r>
-            <a:endParaRPr lang="zh-CN" altLang="en-US">
-              <a:solidFill>
-                <a:schemeClr val="tx1"/>
-              </a:solidFill>
-              <a:sym typeface="+mn-ea"/>
-            </a:endParaRPr>
           </a:p>
           <a:p>
             <a:pPr lvl="0"/>
@@ -15503,12 +15921,12 @@
         <p:spPr/>
         <p:txBody>
           <a:bodyPr/>
+          <a:lstStyle/>
           <a:p>
             <a:r>
               <a:rPr lang="zh-CN" altLang="en-US"/>
               <a:t>总结</a:t>
             </a:r>
-            <a:endParaRPr lang="zh-CN" altLang="en-US"/>
           </a:p>
         </p:txBody>
       </p:sp>
@@ -15529,7 +15947,14 @@
         <p:cNvGrpSpPr/>
         <p:nvPr/>
       </p:nvGrpSpPr>
-      <p:grpSpPr/>
+      <p:grpSpPr>
+        <a:xfrm>
+          <a:off x="0" y="0"/>
+          <a:ext cx="0" cy="0"/>
+          <a:chOff x="0" y="0"/>
+          <a:chExt cx="0" cy="0"/>
+        </a:xfrm>
+      </p:grpSpPr>
       <p:sp>
         <p:nvSpPr>
           <p:cNvPr id="2" name="内容占位符 1"/>
@@ -15548,6 +15973,7 @@
         </p:spPr>
         <p:txBody>
           <a:bodyPr/>
+          <a:lstStyle/>
           <a:p>
             <a:r>
               <a:rPr lang="en-US" altLang="zh-CN"/>
@@ -15558,87 +15984,69 @@
                 <a:sym typeface="+mn-ea"/>
               </a:rPr>
               <a:t>原型链</a:t>
+            </a:r>
+          </a:p>
+          <a:p>
+            <a:pPr lvl="1"/>
+            <a:r>
+              <a:rPr lang="zh-CN" altLang="en-US" sz="2400">
+                <a:sym typeface="+mn-ea"/>
+              </a:rPr>
+              <a:t> </a:t>
+            </a:r>
+            <a:r>
+              <a:rPr lang="en-US" altLang="zh-CN" sz="2400">
+                <a:sym typeface="+mn-ea"/>
+              </a:rPr>
+              <a:t>constructor</a:t>
+            </a:r>
+          </a:p>
+          <a:p>
+            <a:pPr lvl="1"/>
+            <a:r>
+              <a:rPr lang="en-US" altLang="zh-CN" sz="2400">
+                <a:sym typeface="+mn-ea"/>
+              </a:rPr>
+              <a:t> prototype</a:t>
+            </a:r>
+          </a:p>
+          <a:p>
+            <a:pPr lvl="1"/>
+            <a:r>
+              <a:rPr lang="en-US" altLang="zh-CN" sz="2400">
+                <a:sym typeface="+mn-ea"/>
+              </a:rPr>
+              <a:t> __proto__</a:t>
+            </a:r>
+          </a:p>
+          <a:p>
+            <a:pPr lvl="1"/>
+            <a:r>
+              <a:rPr lang="en-US" altLang="zh-CN" sz="2400">
+                <a:sym typeface="+mn-ea"/>
+              </a:rPr>
+              <a:t> instanceof</a:t>
+            </a:r>
+          </a:p>
+          <a:p>
+            <a:pPr lvl="1"/>
+            <a:r>
+              <a:rPr lang="en-US" altLang="zh-CN" sz="2400">
+                <a:sym typeface="+mn-ea"/>
+              </a:rPr>
+              <a:t> in</a:t>
             </a:r>
             <a:endParaRPr lang="zh-CN" altLang="en-US">
               <a:sym typeface="+mn-ea"/>
             </a:endParaRPr>
           </a:p>
           <a:p>
-            <a:pPr lvl="1"/>
-            <a:r>
-              <a:rPr lang="zh-CN" altLang="en-US" sz="2400">
-                <a:sym typeface="+mn-ea"/>
-              </a:rPr>
-              <a:t> </a:t>
-            </a:r>
-            <a:r>
-              <a:rPr lang="en-US" altLang="zh-CN" sz="2400">
-                <a:sym typeface="+mn-ea"/>
-              </a:rPr>
-              <a:t>constructor</a:t>
-            </a:r>
-            <a:endParaRPr lang="en-US" altLang="zh-CN" sz="2400">
-              <a:sym typeface="+mn-ea"/>
-            </a:endParaRPr>
-          </a:p>
-          <a:p>
-            <a:pPr lvl="1"/>
-            <a:r>
-              <a:rPr lang="en-US" altLang="zh-CN" sz="2400">
-                <a:sym typeface="+mn-ea"/>
-              </a:rPr>
-              <a:t> prototype</a:t>
-            </a:r>
-            <a:endParaRPr lang="en-US" altLang="zh-CN" sz="2400">
-              <a:sym typeface="+mn-ea"/>
-            </a:endParaRPr>
-          </a:p>
-          <a:p>
-            <a:pPr lvl="1"/>
-            <a:r>
-              <a:rPr lang="en-US" altLang="zh-CN" sz="2400">
-                <a:sym typeface="+mn-ea"/>
-              </a:rPr>
-              <a:t> __proto__</a:t>
-            </a:r>
-            <a:endParaRPr lang="en-US" altLang="zh-CN" sz="2400">
-              <a:sym typeface="+mn-ea"/>
-            </a:endParaRPr>
-          </a:p>
-          <a:p>
-            <a:pPr lvl="1"/>
-            <a:r>
-              <a:rPr lang="en-US" altLang="zh-CN" sz="2400">
-                <a:sym typeface="+mn-ea"/>
-              </a:rPr>
-              <a:t> instanceof</a:t>
-            </a:r>
-            <a:endParaRPr lang="en-US" altLang="zh-CN" sz="2400">
-              <a:sym typeface="+mn-ea"/>
-            </a:endParaRPr>
-          </a:p>
-          <a:p>
-            <a:pPr lvl="1"/>
-            <a:r>
-              <a:rPr lang="en-US" altLang="zh-CN" sz="2400">
-                <a:sym typeface="+mn-ea"/>
-              </a:rPr>
-              <a:t> in</a:t>
-            </a:r>
-            <a:endParaRPr lang="zh-CN" altLang="en-US">
-              <a:sym typeface="+mn-ea"/>
-            </a:endParaRPr>
-          </a:p>
-          <a:p>
             <a:r>
               <a:rPr lang="zh-CN" altLang="en-US">
                 <a:sym typeface="+mn-ea"/>
               </a:rPr>
               <a:t> 数据类型检测</a:t>
             </a:r>
-            <a:endParaRPr lang="zh-CN" altLang="en-US">
-              <a:sym typeface="+mn-ea"/>
-            </a:endParaRPr>
           </a:p>
           <a:p>
             <a:pPr lvl="1"/>
@@ -15679,12 +16087,12 @@
         <p:spPr/>
         <p:txBody>
           <a:bodyPr/>
+          <a:lstStyle/>
           <a:p>
             <a:r>
               <a:rPr lang="zh-CN" altLang="en-US"/>
               <a:t>总结</a:t>
             </a:r>
-            <a:endParaRPr lang="zh-CN" altLang="en-US"/>
           </a:p>
         </p:txBody>
       </p:sp>
@@ -15708,6 +16116,7 @@
           <a:bodyPr wrap="square" rtlCol="0" anchor="t">
             <a:spAutoFit/>
           </a:bodyPr>
+          <a:lstStyle/>
           <a:p>
             <a:r>
               <a:rPr lang="zh-CN" altLang="en-US" sz="2400">
@@ -15719,7 +16128,7 @@
             <a:endParaRPr lang="zh-CN" altLang="en-US" sz="2400">
               <a:latin typeface="Calibri" panose="020F0502020204030204" charset="0"/>
               <a:cs typeface="Calibri" panose="020F0502020204030204" charset="0"/>
-              <a:hlinkClick r:id="rId1" tooltip="" action="ppaction://hlinkfile"/>
+              <a:hlinkClick r:id="rId2" action="ppaction://hlinkfile"/>
             </a:endParaRPr>
           </a:p>
           <a:p>
@@ -15727,7 +16136,7 @@
               <a:rPr lang="zh-CN" altLang="en-US" sz="2800">
                 <a:latin typeface="Calibri" panose="020F0502020204030204" charset="0"/>
                 <a:cs typeface="Calibri" panose="020F0502020204030204" charset="0"/>
-                <a:hlinkClick r:id="rId1" tooltip="" action="ppaction://hlinkfile"/>
+                <a:hlinkClick r:id="rId2" action="ppaction://hlinkfile"/>
               </a:rPr>
               <a:t>https://www.shuaihuajun.com/project/fui-jscore/index.html?_blank</a:t>
             </a:r>
@@ -15755,7 +16164,14 @@
         <p:cNvGrpSpPr/>
         <p:nvPr/>
       </p:nvGrpSpPr>
-      <p:grpSpPr/>
+      <p:grpSpPr>
+        <a:xfrm>
+          <a:off x="0" y="0"/>
+          <a:ext cx="0" cy="0"/>
+          <a:chOff x="0" y="0"/>
+          <a:chExt cx="0" cy="0"/>
+        </a:xfrm>
+      </p:grpSpPr>
       <p:sp>
         <p:nvSpPr>
           <p:cNvPr id="2" name="内容占位符 1"/>
@@ -15769,6 +16185,7 @@
         <p:spPr/>
         <p:txBody>
           <a:bodyPr/>
+          <a:lstStyle/>
           <a:p>
             <a:r>
               <a:rPr lang="en-US" altLang="zh-CN" sz="2800">
@@ -15816,9 +16233,6 @@
               </a:rPr>
               <a:t>》第二部分 </a:t>
             </a:r>
-            <a:endParaRPr lang="zh-CN" altLang="en-US">
-              <a:sym typeface="+mn-ea"/>
-            </a:endParaRPr>
           </a:p>
           <a:p>
             <a:pPr lvl="1"/>
@@ -15858,9 +16272,6 @@
               </a:rPr>
               <a:t>章相关内容 </a:t>
             </a:r>
-            <a:endParaRPr lang="zh-CN" altLang="en-US">
-              <a:sym typeface="+mn-ea"/>
-            </a:endParaRPr>
           </a:p>
           <a:p>
             <a:pPr lvl="0"/>
@@ -15876,9 +16287,6 @@
               </a:rPr>
               <a:t>总结相关知识点</a:t>
             </a:r>
-            <a:endParaRPr lang="zh-CN" altLang="en-US">
-              <a:sym typeface="+mn-ea"/>
-            </a:endParaRPr>
           </a:p>
           <a:p>
             <a:pPr lvl="0"/>
@@ -15928,9 +16336,10 @@
         <p:spPr/>
         <p:txBody>
           <a:bodyPr/>
-          <a:p>
-            <a:r>
-              <a:rPr lang="zh-CN" dirty="0" smtClean="0">
+          <a:lstStyle/>
+          <a:p>
+            <a:r>
+              <a:rPr lang="zh-CN" dirty="0">
                 <a:sym typeface="+mn-ea"/>
               </a:rPr>
               <a:t>任务</a:t>
@@ -15951,7 +16360,7 @@
           <p:nvPr/>
         </p:nvPicPr>
         <p:blipFill>
-          <a:blip r:embed="rId1"/>
+          <a:blip r:embed="rId2"/>
           <a:stretch>
             <a:fillRect/>
           </a:stretch>
@@ -15991,7 +16400,14 @@
         <p:cNvGrpSpPr/>
         <p:nvPr/>
       </p:nvGrpSpPr>
-      <p:grpSpPr/>
+      <p:grpSpPr>
+        <a:xfrm>
+          <a:off x="0" y="0"/>
+          <a:ext cx="0" cy="0"/>
+          <a:chOff x="0" y="0"/>
+          <a:chExt cx="0" cy="0"/>
+        </a:xfrm>
+      </p:grpSpPr>
       <p:sp>
         <p:nvSpPr>
           <p:cNvPr id="2" name="内容占位符 1"/>
@@ -16005,6 +16421,7 @@
         <p:spPr/>
         <p:txBody>
           <a:bodyPr/>
+          <a:lstStyle/>
           <a:p>
             <a:r>
               <a:rPr lang="en-US" altLang="zh-CN"/>
@@ -16096,16 +16513,14 @@
         <p:spPr/>
         <p:txBody>
           <a:bodyPr/>
-          <a:p>
-            <a:r>
-              <a:rPr lang="zh-CN" altLang="en-US" dirty="0" smtClean="0">
+          <a:lstStyle/>
+          <a:p>
+            <a:r>
+              <a:rPr lang="zh-CN" altLang="en-US" dirty="0">
                 <a:sym typeface="+mn-ea"/>
               </a:rPr>
               <a:t>练习</a:t>
             </a:r>
-            <a:endParaRPr lang="zh-CN" altLang="en-US" dirty="0" smtClean="0">
-              <a:sym typeface="+mn-ea"/>
-            </a:endParaRPr>
           </a:p>
         </p:txBody>
       </p:sp>
@@ -16129,6 +16544,7 @@
           <a:bodyPr wrap="none" rtlCol="0" anchor="t">
             <a:spAutoFit/>
           </a:bodyPr>
+          <a:lstStyle/>
           <a:p>
             <a:r>
               <a:rPr lang="en-US" altLang="zh-CN" sz="2400">
@@ -16137,16 +16553,7 @@
                 <a:cs typeface="Times New Roman" panose="02020603050405020304" charset="0"/>
                 <a:sym typeface="+mn-ea"/>
               </a:rPr>
-              <a:t>9</a:t>
-            </a:r>
-            <a:r>
-              <a:rPr lang="en-US" altLang="zh-CN" sz="2400">
-                <a:latin typeface="微软雅黑" panose="020B0503020204020204" pitchFamily="34" charset="-122"/>
-                <a:ea typeface="微软雅黑" panose="020B0503020204020204" pitchFamily="34" charset="-122"/>
-                <a:cs typeface="Times New Roman" panose="02020603050405020304" charset="0"/>
-                <a:sym typeface="+mn-ea"/>
-              </a:rPr>
-              <a:t>.html</a:t>
+              <a:t>9.html</a:t>
             </a:r>
             <a:endParaRPr lang="en-US" altLang="zh-CN" sz="2400">
               <a:latin typeface="微软雅黑" panose="020B0503020204020204" pitchFamily="34" charset="-122"/>
@@ -16165,7 +16572,7 @@
           <p:nvPr/>
         </p:nvPicPr>
         <p:blipFill>
-          <a:blip r:embed="rId1"/>
+          <a:blip r:embed="rId3"/>
           <a:stretch>
             <a:fillRect/>
           </a:stretch>
@@ -16205,7 +16612,14 @@
         <p:cNvGrpSpPr/>
         <p:nvPr/>
       </p:nvGrpSpPr>
-      <p:grpSpPr/>
+      <p:grpSpPr>
+        <a:xfrm>
+          <a:off x="0" y="0"/>
+          <a:ext cx="0" cy="0"/>
+          <a:chOff x="0" y="0"/>
+          <a:chExt cx="0" cy="0"/>
+        </a:xfrm>
+      </p:grpSpPr>
       <p:sp>
         <p:nvSpPr>
           <p:cNvPr id="2" name="内容占位符 1"/>
@@ -16219,6 +16633,7 @@
         <p:spPr/>
         <p:txBody>
           <a:bodyPr/>
+          <a:lstStyle/>
           <a:p>
             <a:r>
               <a:rPr lang="en-US" altLang="zh-CN"/>
@@ -16251,9 +16666,10 @@
         <p:spPr/>
         <p:txBody>
           <a:bodyPr/>
-          <a:p>
-            <a:r>
-              <a:rPr lang="zh-CN" altLang="en-US" dirty="0" smtClean="0">
+          <a:lstStyle/>
+          <a:p>
+            <a:r>
+              <a:rPr lang="zh-CN" altLang="en-US" dirty="0">
                 <a:sym typeface="+mn-ea"/>
               </a:rPr>
               <a:t>练习</a:t>
@@ -16271,7 +16687,7 @@
           <p:nvPr/>
         </p:nvPicPr>
         <p:blipFill>
-          <a:blip r:embed="rId1"/>
+          <a:blip r:embed="rId3"/>
           <a:stretch>
             <a:fillRect/>
           </a:stretch>
@@ -16314,6 +16730,7 @@
           <a:bodyPr wrap="none" rtlCol="0" anchor="t">
             <a:spAutoFit/>
           </a:bodyPr>
+          <a:lstStyle/>
           <a:p>
             <a:r>
               <a:rPr lang="en-US" altLang="zh-CN" sz="2400">
@@ -16322,16 +16739,7 @@
                 <a:cs typeface="Times New Roman" panose="02020603050405020304" charset="0"/>
                 <a:sym typeface="+mn-ea"/>
               </a:rPr>
-              <a:t>10</a:t>
-            </a:r>
-            <a:r>
-              <a:rPr lang="en-US" altLang="zh-CN" sz="2400">
-                <a:latin typeface="微软雅黑" panose="020B0503020204020204" pitchFamily="34" charset="-122"/>
-                <a:ea typeface="微软雅黑" panose="020B0503020204020204" pitchFamily="34" charset="-122"/>
-                <a:cs typeface="Times New Roman" panose="02020603050405020304" charset="0"/>
-                <a:sym typeface="+mn-ea"/>
-              </a:rPr>
-              <a:t>.html</a:t>
+              <a:t>10.html</a:t>
             </a:r>
             <a:endParaRPr lang="en-US" altLang="zh-CN" sz="2400">
               <a:latin typeface="微软雅黑" panose="020B0503020204020204" pitchFamily="34" charset="-122"/>
@@ -16358,7 +16766,14 @@
         <p:cNvGrpSpPr/>
         <p:nvPr/>
       </p:nvGrpSpPr>
-      <p:grpSpPr/>
+      <p:grpSpPr>
+        <a:xfrm>
+          <a:off x="0" y="0"/>
+          <a:ext cx="0" cy="0"/>
+          <a:chOff x="0" y="0"/>
+          <a:chExt cx="0" cy="0"/>
+        </a:xfrm>
+      </p:grpSpPr>
       <p:sp>
         <p:nvSpPr>
           <p:cNvPr id="2" name="内容占位符 1"/>
@@ -16372,6 +16787,7 @@
         <p:spPr/>
         <p:txBody>
           <a:bodyPr/>
+          <a:lstStyle/>
           <a:p>
             <a:r>
               <a:rPr lang="en-US" altLang="zh-CN">
@@ -16405,9 +16821,10 @@
         <p:spPr/>
         <p:txBody>
           <a:bodyPr/>
-          <a:p>
-            <a:r>
-              <a:rPr lang="zh-CN" altLang="en-US" dirty="0" smtClean="0">
+          <a:lstStyle/>
+          <a:p>
+            <a:r>
+              <a:rPr lang="zh-CN" altLang="en-US" dirty="0">
                 <a:sym typeface="+mn-ea"/>
               </a:rPr>
               <a:t>练习</a:t>
@@ -16425,7 +16842,7 @@
           <p:nvPr/>
         </p:nvPicPr>
         <p:blipFill>
-          <a:blip r:embed="rId1"/>
+          <a:blip r:embed="rId3"/>
           <a:stretch>
             <a:fillRect/>
           </a:stretch>
@@ -16468,6 +16885,7 @@
           <a:bodyPr wrap="none" rtlCol="0" anchor="t">
             <a:spAutoFit/>
           </a:bodyPr>
+          <a:lstStyle/>
           <a:p>
             <a:r>
               <a:rPr lang="en-US" altLang="zh-CN" sz="2400">
@@ -16476,16 +16894,7 @@
                 <a:cs typeface="Times New Roman" panose="02020603050405020304" charset="0"/>
                 <a:sym typeface="+mn-ea"/>
               </a:rPr>
-              <a:t>11</a:t>
-            </a:r>
-            <a:r>
-              <a:rPr lang="en-US" altLang="zh-CN" sz="2400">
-                <a:latin typeface="微软雅黑" panose="020B0503020204020204" pitchFamily="34" charset="-122"/>
-                <a:ea typeface="微软雅黑" panose="020B0503020204020204" pitchFamily="34" charset="-122"/>
-                <a:cs typeface="Times New Roman" panose="02020603050405020304" charset="0"/>
-                <a:sym typeface="+mn-ea"/>
-              </a:rPr>
-              <a:t>.html</a:t>
+              <a:t>11.html</a:t>
             </a:r>
             <a:endParaRPr lang="en-US" altLang="zh-CN" sz="2400">
               <a:latin typeface="微软雅黑" panose="020B0503020204020204" pitchFamily="34" charset="-122"/>
@@ -16512,7 +16921,14 @@
         <p:cNvGrpSpPr/>
         <p:nvPr/>
       </p:nvGrpSpPr>
-      <p:grpSpPr/>
+      <p:grpSpPr>
+        <a:xfrm>
+          <a:off x="0" y="0"/>
+          <a:ext cx="0" cy="0"/>
+          <a:chOff x="0" y="0"/>
+          <a:chExt cx="0" cy="0"/>
+        </a:xfrm>
+      </p:grpSpPr>
       <p:sp>
         <p:nvSpPr>
           <p:cNvPr id="2" name="内容占位符 1"/>
@@ -16526,6 +16942,7 @@
         <p:spPr/>
         <p:txBody>
           <a:bodyPr/>
+          <a:lstStyle/>
           <a:p>
             <a:r>
               <a:rPr lang="en-US" altLang="zh-CN">
@@ -16562,9 +16979,10 @@
         <p:spPr/>
         <p:txBody>
           <a:bodyPr/>
-          <a:p>
-            <a:r>
-              <a:rPr lang="zh-CN" altLang="en-US" dirty="0" smtClean="0">
+          <a:lstStyle/>
+          <a:p>
+            <a:r>
+              <a:rPr lang="zh-CN" altLang="en-US" dirty="0">
                 <a:sym typeface="+mn-ea"/>
               </a:rPr>
               <a:t>练习</a:t>
@@ -16582,7 +17000,7 @@
           <p:nvPr/>
         </p:nvPicPr>
         <p:blipFill>
-          <a:blip r:embed="rId1"/>
+          <a:blip r:embed="rId3"/>
           <a:stretch>
             <a:fillRect/>
           </a:stretch>
@@ -16614,7 +17032,7 @@
           <p:nvPr/>
         </p:nvPicPr>
         <p:blipFill>
-          <a:blip r:embed="rId2"/>
+          <a:blip r:embed="rId4"/>
           <a:stretch>
             <a:fillRect/>
           </a:stretch>
@@ -16657,6 +17075,7 @@
           <a:bodyPr wrap="none" rtlCol="0" anchor="t">
             <a:spAutoFit/>
           </a:bodyPr>
+          <a:lstStyle/>
           <a:p>
             <a:r>
               <a:rPr lang="en-US" altLang="zh-CN" sz="2400">
@@ -16665,16 +17084,7 @@
                 <a:cs typeface="Times New Roman" panose="02020603050405020304" charset="0"/>
                 <a:sym typeface="+mn-ea"/>
               </a:rPr>
-              <a:t>12</a:t>
-            </a:r>
-            <a:r>
-              <a:rPr lang="en-US" altLang="zh-CN" sz="2400">
-                <a:latin typeface="微软雅黑" panose="020B0503020204020204" pitchFamily="34" charset="-122"/>
-                <a:ea typeface="微软雅黑" panose="020B0503020204020204" pitchFamily="34" charset="-122"/>
-                <a:cs typeface="Times New Roman" panose="02020603050405020304" charset="0"/>
-                <a:sym typeface="+mn-ea"/>
-              </a:rPr>
-              <a:t>.html</a:t>
+              <a:t>12.html</a:t>
             </a:r>
             <a:endParaRPr lang="en-US" altLang="zh-CN" sz="2400">
               <a:latin typeface="微软雅黑" panose="020B0503020204020204" pitchFamily="34" charset="-122"/>
@@ -16701,7 +17111,14 @@
         <p:cNvGrpSpPr/>
         <p:nvPr/>
       </p:nvGrpSpPr>
-      <p:grpSpPr/>
+      <p:grpSpPr>
+        <a:xfrm>
+          <a:off x="0" y="0"/>
+          <a:ext cx="0" cy="0"/>
+          <a:chOff x="0" y="0"/>
+          <a:chExt cx="0" cy="0"/>
+        </a:xfrm>
+      </p:grpSpPr>
       <p:sp>
         <p:nvSpPr>
           <p:cNvPr id="2" name="内容占位符 1"/>
@@ -16715,6 +17132,7 @@
         <p:spPr/>
         <p:txBody>
           <a:bodyPr/>
+          <a:lstStyle/>
           <a:p>
             <a:r>
               <a:rPr lang="en-US" altLang="zh-CN"/>
@@ -16749,9 +17167,10 @@
         <p:spPr/>
         <p:txBody>
           <a:bodyPr/>
-          <a:p>
-            <a:r>
-              <a:rPr lang="zh-CN" altLang="en-US" dirty="0" smtClean="0">
+          <a:lstStyle/>
+          <a:p>
+            <a:r>
+              <a:rPr lang="zh-CN" altLang="en-US" dirty="0">
                 <a:sym typeface="+mn-ea"/>
               </a:rPr>
               <a:t>练习</a:t>
@@ -16769,7 +17188,7 @@
           <p:nvPr/>
         </p:nvPicPr>
         <p:blipFill>
-          <a:blip r:embed="rId1"/>
+          <a:blip r:embed="rId3"/>
           <a:stretch>
             <a:fillRect/>
           </a:stretch>
@@ -16801,7 +17220,7 @@
           <p:nvPr/>
         </p:nvPicPr>
         <p:blipFill>
-          <a:blip r:embed="rId2"/>
+          <a:blip r:embed="rId4"/>
           <a:stretch>
             <a:fillRect/>
           </a:stretch>
@@ -16833,7 +17252,7 @@
           <p:nvPr/>
         </p:nvPicPr>
         <p:blipFill>
-          <a:blip r:embed="rId1"/>
+          <a:blip r:embed="rId3"/>
           <a:stretch>
             <a:fillRect/>
           </a:stretch>
@@ -16865,7 +17284,7 @@
           <p:nvPr/>
         </p:nvPicPr>
         <p:blipFill>
-          <a:blip r:embed="rId2"/>
+          <a:blip r:embed="rId4"/>
           <a:stretch>
             <a:fillRect/>
           </a:stretch>
@@ -16908,6 +17327,7 @@
           <a:bodyPr wrap="none" rtlCol="0" anchor="t">
             <a:spAutoFit/>
           </a:bodyPr>
+          <a:lstStyle/>
           <a:p>
             <a:r>
               <a:rPr lang="en-US" altLang="zh-CN" sz="2400">
@@ -16916,16 +17336,7 @@
                 <a:cs typeface="Times New Roman" panose="02020603050405020304" charset="0"/>
                 <a:sym typeface="+mn-ea"/>
               </a:rPr>
-              <a:t>13</a:t>
-            </a:r>
-            <a:r>
-              <a:rPr lang="en-US" altLang="zh-CN" sz="2400">
-                <a:latin typeface="微软雅黑" panose="020B0503020204020204" pitchFamily="34" charset="-122"/>
-                <a:ea typeface="微软雅黑" panose="020B0503020204020204" pitchFamily="34" charset="-122"/>
-                <a:cs typeface="Times New Roman" panose="02020603050405020304" charset="0"/>
-                <a:sym typeface="+mn-ea"/>
-              </a:rPr>
-              <a:t>.html</a:t>
+              <a:t>13.html</a:t>
             </a:r>
             <a:endParaRPr lang="en-US" altLang="zh-CN" sz="2400">
               <a:latin typeface="微软雅黑" panose="020B0503020204020204" pitchFamily="34" charset="-122"/>
@@ -16952,7 +17363,14 @@
         <p:cNvGrpSpPr/>
         <p:nvPr/>
       </p:nvGrpSpPr>
-      <p:grpSpPr/>
+      <p:grpSpPr>
+        <a:xfrm>
+          <a:off x="0" y="0"/>
+          <a:ext cx="0" cy="0"/>
+          <a:chOff x="0" y="0"/>
+          <a:chExt cx="0" cy="0"/>
+        </a:xfrm>
+      </p:grpSpPr>
       <p:sp>
         <p:nvSpPr>
           <p:cNvPr id="3" name="内容占位符 2"/>
@@ -16966,12 +17384,12 @@
         <p:spPr/>
         <p:txBody>
           <a:bodyPr/>
+          <a:lstStyle/>
           <a:p>
             <a:r>
               <a:rPr lang="zh-CN" altLang="en-US"/>
               <a:t>属性访问机制</a:t>
             </a:r>
-            <a:endParaRPr lang="zh-CN" altLang="en-US"/>
           </a:p>
         </p:txBody>
       </p:sp>
@@ -17011,12 +17429,12 @@
               </p:cNvPicPr>
               <p:nvPr>
                 <p:custDataLst>
-                  <p:tags r:id="rId1"/>
+                  <p:tags r:id="rId2"/>
                 </p:custDataLst>
               </p:nvPr>
             </p:nvPicPr>
             <p:blipFill>
-              <a:blip r:embed="rId2"/>
+              <a:blip r:embed="rId4"/>
               <a:stretch>
                 <a:fillRect/>
               </a:stretch>
@@ -17061,6 +17479,7 @@
             </p:spPr>
             <p:txBody>
               <a:bodyPr vert="horz" wrap="square" lIns="91440" tIns="45720" rIns="91440" bIns="45720" numCol="1" anchor="t" anchorCtr="0" compatLnSpc="1"/>
+              <a:lstStyle/>
               <a:p>
                 <a:pPr marL="0" marR="0" indent="0" algn="l" defTabSz="914400" rtl="0" eaLnBrk="0" fontAlgn="base" latinLnBrk="0" hangingPunct="0">
                   <a:lnSpc>
@@ -17077,7 +17496,7 @@
                   <a:buFontTx/>
                   <a:buNone/>
                 </a:pPr>
-                <a:endParaRPr kumimoji="0" lang="zh-CN" altLang="en-US" sz="3200" b="0" i="0" u="none" strike="noStrike" cap="none" normalizeH="0" baseline="0" smtClean="0">
+                <a:endParaRPr kumimoji="0" lang="zh-CN" altLang="en-US" sz="3200" b="0" i="0" u="none" strike="noStrike" cap="none" normalizeH="0" baseline="0">
                   <a:ln>
                     <a:noFill/>
                   </a:ln>
@@ -17118,6 +17537,7 @@
           </p:spPr>
           <p:txBody>
             <a:bodyPr vert="horz" wrap="square" lIns="91440" tIns="45720" rIns="91440" bIns="45720" numCol="1" anchor="t" anchorCtr="0" compatLnSpc="1"/>
+            <a:lstStyle/>
             <a:p>
               <a:pPr marL="0" marR="0" indent="0" algn="l" defTabSz="914400" rtl="0" eaLnBrk="0" fontAlgn="base" latinLnBrk="0" hangingPunct="0">
                 <a:lnSpc>
@@ -17135,7 +17555,7 @@
                 <a:buNone/>
               </a:pPr>
               <a:r>
-                <a:rPr kumimoji="0" lang="en-US" altLang="zh-CN" sz="1400" b="0" i="0" u="none" strike="noStrike" cap="none" normalizeH="0" baseline="0" smtClean="0">
+                <a:rPr kumimoji="0" lang="en-US" altLang="zh-CN" sz="1400" b="0" i="0" u="none" strike="noStrike" cap="none" normalizeH="0" baseline="0">
                   <a:ln>
                     <a:noFill/>
                   </a:ln>
@@ -17147,16 +17567,6 @@
                 </a:rPr>
                 <a:t>Person</a:t>
               </a:r>
-              <a:endParaRPr kumimoji="0" lang="en-US" altLang="zh-CN" sz="1400" b="0" i="0" u="none" strike="noStrike" cap="none" normalizeH="0" baseline="0" smtClean="0">
-                <a:ln>
-                  <a:noFill/>
-                </a:ln>
-                <a:solidFill>
-                  <a:srgbClr val="FF0000"/>
-                </a:solidFill>
-                <a:effectLst/>
-                <a:latin typeface="Arial" panose="020B0604020202020204" pitchFamily="34" charset="0"/>
-              </a:endParaRPr>
             </a:p>
           </p:txBody>
         </p:sp>
@@ -17187,6 +17597,7 @@
           </p:spPr>
           <p:txBody>
             <a:bodyPr vert="horz" wrap="square" lIns="91440" tIns="45720" rIns="91440" bIns="45720" numCol="1" anchor="t" anchorCtr="0" compatLnSpc="1"/>
+            <a:lstStyle/>
             <a:p>
               <a:pPr marL="0" marR="0" indent="0" algn="l" defTabSz="914400" rtl="0" eaLnBrk="0" fontAlgn="base" latinLnBrk="0" hangingPunct="0">
                 <a:lnSpc>
@@ -17204,7 +17615,7 @@
                 <a:buNone/>
               </a:pPr>
               <a:r>
-                <a:rPr kumimoji="0" lang="en-US" altLang="zh-CN" sz="1400" b="0" i="0" u="none" strike="noStrike" cap="none" normalizeH="0" baseline="0" smtClean="0">
+                <a:rPr kumimoji="0" lang="en-US" altLang="zh-CN" sz="1400" b="0" i="0" u="none" strike="noStrike" cap="none" normalizeH="0" baseline="0">
                   <a:ln>
                     <a:noFill/>
                   </a:ln>
@@ -17216,16 +17627,6 @@
                 </a:rPr>
                 <a:t>boy</a:t>
               </a:r>
-              <a:endParaRPr kumimoji="0" lang="en-US" altLang="zh-CN" sz="1400" b="0" i="0" u="none" strike="noStrike" cap="none" normalizeH="0" baseline="0" smtClean="0">
-                <a:ln>
-                  <a:noFill/>
-                </a:ln>
-                <a:solidFill>
-                  <a:srgbClr val="FF0000"/>
-                </a:solidFill>
-                <a:effectLst/>
-                <a:latin typeface="Arial" panose="020B0604020202020204" pitchFamily="34" charset="0"/>
-              </a:endParaRPr>
             </a:p>
           </p:txBody>
         </p:sp>
@@ -17256,6 +17657,7 @@
           </p:spPr>
           <p:txBody>
             <a:bodyPr vert="horz" wrap="square" lIns="91440" tIns="45720" rIns="91440" bIns="45720" numCol="1" anchor="t" anchorCtr="0" compatLnSpc="1"/>
+            <a:lstStyle/>
             <a:p>
               <a:pPr marL="0" marR="0" indent="0" algn="l" defTabSz="914400" rtl="0" eaLnBrk="0" fontAlgn="base" latinLnBrk="0" hangingPunct="0">
                 <a:lnSpc>
@@ -17273,7 +17675,7 @@
                 <a:buNone/>
               </a:pPr>
               <a:r>
-                <a:rPr kumimoji="0" lang="en-US" altLang="zh-CN" sz="1400" b="0" i="0" u="none" strike="noStrike" cap="none" normalizeH="0" baseline="0" smtClean="0">
+                <a:rPr kumimoji="0" lang="en-US" altLang="zh-CN" sz="1400" b="0" i="0" u="none" strike="noStrike" cap="none" normalizeH="0" baseline="0">
                   <a:ln>
                     <a:noFill/>
                   </a:ln>
@@ -17285,16 +17687,6 @@
                 </a:rPr>
                 <a:t>Person.prototype</a:t>
               </a:r>
-              <a:endParaRPr kumimoji="0" lang="en-US" altLang="zh-CN" sz="1400" b="0" i="0" u="none" strike="noStrike" cap="none" normalizeH="0" baseline="0" smtClean="0">
-                <a:ln>
-                  <a:noFill/>
-                </a:ln>
-                <a:solidFill>
-                  <a:srgbClr val="FF0000"/>
-                </a:solidFill>
-                <a:effectLst/>
-                <a:latin typeface="Arial" panose="020B0604020202020204" pitchFamily="34" charset="0"/>
-              </a:endParaRPr>
             </a:p>
           </p:txBody>
         </p:sp>
@@ -17307,12 +17699,12 @@
           </p:cNvPicPr>
           <p:nvPr>
             <p:custDataLst>
-              <p:tags r:id="rId3"/>
+              <p:tags r:id="rId1"/>
             </p:custDataLst>
           </p:nvPr>
         </p:nvPicPr>
         <p:blipFill>
-          <a:blip r:embed="rId4"/>
+          <a:blip r:embed="rId5"/>
           <a:srcRect t="4381" b="5416"/>
           <a:stretch>
             <a:fillRect/>
@@ -17436,7 +17828,14 @@
         <p:cNvGrpSpPr/>
         <p:nvPr/>
       </p:nvGrpSpPr>
-      <p:grpSpPr/>
+      <p:grpSpPr>
+        <a:xfrm>
+          <a:off x="0" y="0"/>
+          <a:ext cx="0" cy="0"/>
+          <a:chOff x="0" y="0"/>
+          <a:chExt cx="0" cy="0"/>
+        </a:xfrm>
+      </p:grpSpPr>
       <p:sp>
         <p:nvSpPr>
           <p:cNvPr id="2" name="内容占位符 1"/>
@@ -17450,6 +17849,7 @@
         <p:spPr/>
         <p:txBody>
           <a:bodyPr/>
+          <a:lstStyle/>
           <a:p>
             <a:r>
               <a:rPr lang="en-US" altLang="zh-CN"/>
@@ -17463,7 +17863,6 @@
               <a:rPr lang="en-US" altLang="zh-CN"/>
               <a:t>true</a:t>
             </a:r>
-            <a:endParaRPr lang="en-US" altLang="zh-CN"/>
           </a:p>
         </p:txBody>
       </p:sp>
@@ -17480,9 +17879,10 @@
         <p:spPr/>
         <p:txBody>
           <a:bodyPr/>
-          <a:p>
-            <a:r>
-              <a:rPr lang="zh-CN" altLang="en-US" dirty="0" smtClean="0">
+          <a:lstStyle/>
+          <a:p>
+            <a:r>
+              <a:rPr lang="zh-CN" altLang="en-US" dirty="0">
                 <a:sym typeface="+mn-ea"/>
               </a:rPr>
               <a:t>练习</a:t>
@@ -17500,7 +17900,7 @@
           <p:nvPr/>
         </p:nvPicPr>
         <p:blipFill>
-          <a:blip r:embed="rId1"/>
+          <a:blip r:embed="rId3"/>
           <a:stretch>
             <a:fillRect/>
           </a:stretch>
@@ -17543,6 +17943,7 @@
           <a:bodyPr wrap="none" rtlCol="0" anchor="t">
             <a:spAutoFit/>
           </a:bodyPr>
+          <a:lstStyle/>
           <a:p>
             <a:r>
               <a:rPr lang="en-US" altLang="zh-CN" sz="2400">
@@ -17551,16 +17952,7 @@
                 <a:cs typeface="Times New Roman" panose="02020603050405020304" charset="0"/>
                 <a:sym typeface="+mn-ea"/>
               </a:rPr>
-              <a:t>14</a:t>
-            </a:r>
-            <a:r>
-              <a:rPr lang="en-US" altLang="zh-CN" sz="2400">
-                <a:latin typeface="微软雅黑" panose="020B0503020204020204" pitchFamily="34" charset="-122"/>
-                <a:ea typeface="微软雅黑" panose="020B0503020204020204" pitchFamily="34" charset="-122"/>
-                <a:cs typeface="Times New Roman" panose="02020603050405020304" charset="0"/>
-                <a:sym typeface="+mn-ea"/>
-              </a:rPr>
-              <a:t>.html</a:t>
+              <a:t>14.html</a:t>
             </a:r>
             <a:endParaRPr lang="en-US" altLang="zh-CN" sz="2400">
               <a:latin typeface="微软雅黑" panose="020B0503020204020204" pitchFamily="34" charset="-122"/>
@@ -17587,7 +17979,14 @@
         <p:cNvGrpSpPr/>
         <p:nvPr/>
       </p:nvGrpSpPr>
-      <p:grpSpPr/>
+      <p:grpSpPr>
+        <a:xfrm>
+          <a:off x="0" y="0"/>
+          <a:ext cx="0" cy="0"/>
+          <a:chOff x="0" y="0"/>
+          <a:chExt cx="0" cy="0"/>
+        </a:xfrm>
+      </p:grpSpPr>
       <p:sp>
         <p:nvSpPr>
           <p:cNvPr id="2" name="内容占位符 1"/>
@@ -17601,6 +18000,7 @@
         <p:spPr/>
         <p:txBody>
           <a:bodyPr/>
+          <a:lstStyle/>
           <a:p>
             <a:r>
               <a:rPr lang="en-US" altLang="zh-CN">
@@ -17637,9 +18037,10 @@
         <p:spPr/>
         <p:txBody>
           <a:bodyPr/>
-          <a:p>
-            <a:r>
-              <a:rPr lang="zh-CN" altLang="en-US" dirty="0" smtClean="0">
+          <a:lstStyle/>
+          <a:p>
+            <a:r>
+              <a:rPr lang="zh-CN" altLang="en-US" dirty="0">
                 <a:sym typeface="+mn-ea"/>
               </a:rPr>
               <a:t>练习</a:t>
@@ -17657,7 +18058,7 @@
           <p:nvPr/>
         </p:nvPicPr>
         <p:blipFill>
-          <a:blip r:embed="rId1"/>
+          <a:blip r:embed="rId3"/>
           <a:stretch>
             <a:fillRect/>
           </a:stretch>
@@ -17700,6 +18101,7 @@
           <a:bodyPr wrap="none" rtlCol="0" anchor="t">
             <a:spAutoFit/>
           </a:bodyPr>
+          <a:lstStyle/>
           <a:p>
             <a:r>
               <a:rPr lang="en-US" altLang="zh-CN" sz="2400">
@@ -17708,16 +18110,7 @@
                 <a:cs typeface="Times New Roman" panose="02020603050405020304" charset="0"/>
                 <a:sym typeface="+mn-ea"/>
               </a:rPr>
-              <a:t>15</a:t>
-            </a:r>
-            <a:r>
-              <a:rPr lang="en-US" altLang="zh-CN" sz="2400">
-                <a:latin typeface="微软雅黑" panose="020B0503020204020204" pitchFamily="34" charset="-122"/>
-                <a:ea typeface="微软雅黑" panose="020B0503020204020204" pitchFamily="34" charset="-122"/>
-                <a:cs typeface="Times New Roman" panose="02020603050405020304" charset="0"/>
-                <a:sym typeface="+mn-ea"/>
-              </a:rPr>
-              <a:t>.html</a:t>
+              <a:t>15.html</a:t>
             </a:r>
             <a:endParaRPr lang="en-US" altLang="zh-CN" sz="2400">
               <a:latin typeface="微软雅黑" panose="020B0503020204020204" pitchFamily="34" charset="-122"/>
@@ -17744,7 +18137,14 @@
         <p:cNvGrpSpPr/>
         <p:nvPr/>
       </p:nvGrpSpPr>
-      <p:grpSpPr/>
+      <p:grpSpPr>
+        <a:xfrm>
+          <a:off x="0" y="0"/>
+          <a:ext cx="0" cy="0"/>
+          <a:chOff x="0" y="0"/>
+          <a:chExt cx="0" cy="0"/>
+        </a:xfrm>
+      </p:grpSpPr>
       <p:sp>
         <p:nvSpPr>
           <p:cNvPr id="3" name="内容占位符 2"/>
@@ -17758,15 +18158,16 @@
         <p:spPr/>
         <p:txBody>
           <a:bodyPr/>
-          <a:p>
-            <a:r>
-              <a:rPr lang="en-US" altLang="zh-CN" dirty="0" smtClean="0">
+          <a:lstStyle/>
+          <a:p>
+            <a:r>
+              <a:rPr lang="en-US" altLang="zh-CN" dirty="0">
                 <a:sym typeface="+mn-ea"/>
               </a:rPr>
               <a:t>H5</a:t>
             </a:r>
             <a:r>
-              <a:rPr lang="zh-CN" altLang="en-US" dirty="0" smtClean="0">
+              <a:rPr lang="zh-CN" altLang="en-US" dirty="0">
                 <a:sym typeface="+mn-ea"/>
               </a:rPr>
               <a:t>方向课程体系介绍</a:t>
@@ -17787,7 +18188,7 @@
           <p:nvPr/>
         </p:nvPicPr>
         <p:blipFill>
-          <a:blip r:embed="rId1"/>
+          <a:blip r:embed="rId3"/>
           <a:stretch>
             <a:fillRect/>
           </a:stretch>
@@ -17819,7 +18220,7 @@
           <p:nvPr/>
         </p:nvPicPr>
         <p:blipFill>
-          <a:blip r:embed="rId2"/>
+          <a:blip r:embed="rId4"/>
           <a:stretch>
             <a:fillRect/>
           </a:stretch>
@@ -17862,6 +18263,7 @@
           <a:bodyPr wrap="none" rtlCol="0">
             <a:spAutoFit/>
           </a:bodyPr>
+          <a:lstStyle/>
           <a:p>
             <a:pPr algn="l" fontAlgn="auto">
               <a:lnSpc>
@@ -17968,6 +18370,7 @@
           <a:bodyPr wrap="none" rtlCol="0" anchor="t">
             <a:spAutoFit/>
           </a:bodyPr>
+          <a:lstStyle/>
           <a:p>
             <a:r>
               <a:rPr lang="en-US" altLang="zh-CN" sz="2400">
@@ -17976,16 +18379,7 @@
                 <a:cs typeface="Times New Roman" panose="02020603050405020304" charset="0"/>
                 <a:sym typeface="+mn-ea"/>
               </a:rPr>
-              <a:t>16</a:t>
-            </a:r>
-            <a:r>
-              <a:rPr lang="en-US" altLang="zh-CN" sz="2400">
-                <a:latin typeface="微软雅黑" panose="020B0503020204020204" pitchFamily="34" charset="-122"/>
-                <a:ea typeface="微软雅黑" panose="020B0503020204020204" pitchFamily="34" charset="-122"/>
-                <a:cs typeface="Times New Roman" panose="02020603050405020304" charset="0"/>
-                <a:sym typeface="+mn-ea"/>
-              </a:rPr>
-              <a:t>.html</a:t>
+              <a:t>16.html</a:t>
             </a:r>
             <a:endParaRPr lang="en-US" altLang="zh-CN" sz="2400">
               <a:latin typeface="微软雅黑" panose="020B0503020204020204" pitchFamily="34" charset="-122"/>
@@ -18029,7 +18423,7 @@
           <p:nvPr/>
         </p:nvPicPr>
         <p:blipFill>
-          <a:blip r:embed="rId1">
+          <a:blip r:embed="rId3">
             <a:extLst>
               <a:ext uri="{28A0092B-C50C-407E-A947-70E740481C1C}">
                 <a14:useLocalDpi xmlns:a14="http://schemas.microsoft.com/office/drawing/2010/main" val="0"/>
@@ -18147,7 +18541,7 @@
           <p:nvPr/>
         </p:nvPicPr>
         <p:blipFill>
-          <a:blip r:embed="rId2">
+          <a:blip r:embed="rId4">
             <a:extLst>
               <a:ext uri="{28A0092B-C50C-407E-A947-70E740481C1C}">
                 <a14:useLocalDpi xmlns:a14="http://schemas.microsoft.com/office/drawing/2010/main" val="0"/>
@@ -18209,7 +18603,14 @@
         <p:cNvGrpSpPr/>
         <p:nvPr/>
       </p:nvGrpSpPr>
-      <p:grpSpPr/>
+      <p:grpSpPr>
+        <a:xfrm>
+          <a:off x="0" y="0"/>
+          <a:ext cx="0" cy="0"/>
+          <a:chOff x="0" y="0"/>
+          <a:chExt cx="0" cy="0"/>
+        </a:xfrm>
+      </p:grpSpPr>
       <p:sp>
         <p:nvSpPr>
           <p:cNvPr id="3" name="内容占位符 2"/>
@@ -18223,12 +18624,12 @@
         <p:spPr/>
         <p:txBody>
           <a:bodyPr/>
+          <a:lstStyle/>
           <a:p>
             <a:r>
               <a:rPr lang="zh-CN" altLang="en-US"/>
               <a:t>属性访问机制</a:t>
             </a:r>
-            <a:endParaRPr lang="zh-CN" altLang="en-US"/>
           </a:p>
         </p:txBody>
       </p:sp>
@@ -18267,7 +18668,7 @@
               <p:nvPr/>
             </p:nvGrpSpPr>
             <p:grpSpPr>
-              <a:xfrm rot="0">
+              <a:xfrm>
                 <a:off x="1590" y="4198"/>
                 <a:ext cx="7464" cy="5532"/>
                 <a:chOff x="9845" y="5104"/>
@@ -18296,12 +18697,12 @@
                   </p:cNvPicPr>
                   <p:nvPr>
                     <p:custDataLst>
-                      <p:tags r:id="rId1"/>
+                      <p:tags r:id="rId2"/>
                     </p:custDataLst>
                   </p:nvPr>
                 </p:nvPicPr>
                 <p:blipFill>
-                  <a:blip r:embed="rId2"/>
+                  <a:blip r:embed="rId5"/>
                   <a:stretch>
                     <a:fillRect/>
                   </a:stretch>
@@ -18329,7 +18730,7 @@
                   </p:nvPr>
                 </p:nvPicPr>
                 <p:blipFill>
-                  <a:blip r:embed="rId4"/>
+                  <a:blip r:embed="rId6"/>
                   <a:stretch>
                     <a:fillRect/>
                   </a:stretch>
@@ -18353,12 +18754,12 @@
                 </p:cNvPicPr>
                 <p:nvPr>
                   <p:custDataLst>
-                    <p:tags r:id="rId5"/>
+                    <p:tags r:id="rId1"/>
                   </p:custDataLst>
                 </p:nvPr>
               </p:nvPicPr>
               <p:blipFill>
-                <a:blip r:embed="rId4"/>
+                <a:blip r:embed="rId6"/>
                 <a:stretch>
                   <a:fillRect/>
                 </a:stretch>
@@ -18409,6 +18810,7 @@
             </p:spPr>
             <p:txBody>
               <a:bodyPr vert="horz" wrap="square" lIns="91440" tIns="45720" rIns="91440" bIns="45720" numCol="1" anchor="t" anchorCtr="0" compatLnSpc="1"/>
+              <a:lstStyle/>
               <a:p>
                 <a:pPr marL="0" marR="0" indent="0" algn="l" defTabSz="914400" rtl="0" eaLnBrk="0" fontAlgn="t" latinLnBrk="0" hangingPunct="0">
                   <a:lnSpc>
@@ -18426,7 +18828,7 @@
                   <a:buNone/>
                 </a:pPr>
                 <a:r>
-                  <a:rPr kumimoji="0" lang="en-US" altLang="zh-CN" sz="1200" b="0" i="0" u="none" strike="noStrike" cap="none" normalizeH="0" baseline="0" smtClean="0">
+                  <a:rPr kumimoji="0" lang="en-US" altLang="zh-CN" sz="1200" b="0" i="0" u="none" strike="noStrike" cap="none" normalizeH="0" baseline="0">
                     <a:ln>
                       <a:noFill/>
                     </a:ln>
@@ -18438,16 +18840,6 @@
                   </a:rPr>
                   <a:t>prototype</a:t>
                 </a:r>
-                <a:endParaRPr kumimoji="0" lang="en-US" altLang="zh-CN" sz="1200" b="0" i="0" u="none" strike="noStrike" cap="none" normalizeH="0" baseline="0" smtClean="0">
-                  <a:ln>
-                    <a:noFill/>
-                  </a:ln>
-                  <a:solidFill>
-                    <a:schemeClr val="tx1"/>
-                  </a:solidFill>
-                  <a:effectLst/>
-                  <a:latin typeface="Arial" panose="020B0604020202020204" pitchFamily="34" charset="0"/>
-                </a:endParaRPr>
               </a:p>
             </p:txBody>
           </p:sp>
@@ -18458,7 +18850,7 @@
               <p:nvPr/>
             </p:nvGrpSpPr>
             <p:grpSpPr>
-              <a:xfrm rot="0">
+              <a:xfrm>
                 <a:off x="7853" y="5484"/>
                 <a:ext cx="5423" cy="2440"/>
                 <a:chOff x="7991" y="3612"/>
@@ -18531,6 +18923,7 @@
               </p:spPr>
               <p:txBody>
                 <a:bodyPr vert="horz" wrap="square" lIns="91440" tIns="45720" rIns="91440" bIns="45720" numCol="1" anchor="t" anchorCtr="0" compatLnSpc="1"/>
+                <a:lstStyle/>
                 <a:p>
                   <a:pPr marL="0" marR="0" indent="0" algn="l" defTabSz="914400" rtl="0" eaLnBrk="0" fontAlgn="base" latinLnBrk="0" hangingPunct="0">
                     <a:lnSpc>
@@ -18547,7 +18940,7 @@
                     <a:buFontTx/>
                     <a:buNone/>
                   </a:pPr>
-                  <a:endParaRPr kumimoji="0" lang="zh-CN" altLang="en-US" sz="3200" b="0" i="0" u="none" strike="noStrike" cap="none" normalizeH="0" baseline="0" smtClean="0">
+                  <a:endParaRPr kumimoji="0" lang="zh-CN" altLang="en-US" sz="3200" b="0" i="0" u="none" strike="noStrike" cap="none" normalizeH="0" baseline="0">
                     <a:ln>
                       <a:noFill/>
                     </a:ln>
@@ -18596,6 +18989,7 @@
             </p:spPr>
             <p:txBody>
               <a:bodyPr vert="horz" wrap="square" lIns="91440" tIns="45720" rIns="91440" bIns="45720" numCol="1" anchor="t" anchorCtr="0" compatLnSpc="1"/>
+              <a:lstStyle/>
               <a:p>
                 <a:pPr marL="0" marR="0" indent="0" algn="l" defTabSz="914400" rtl="0" eaLnBrk="0" fontAlgn="t" latinLnBrk="0" hangingPunct="0">
                   <a:lnSpc>
@@ -18613,7 +19007,7 @@
                   <a:buNone/>
                 </a:pPr>
                 <a:r>
-                  <a:rPr kumimoji="0" lang="en-US" altLang="zh-CN" sz="1100" b="0" i="0" u="none" strike="noStrike" cap="none" normalizeH="0" baseline="0" smtClean="0">
+                  <a:rPr kumimoji="0" lang="en-US" altLang="zh-CN" sz="1100" b="0" i="0" u="none" strike="noStrike" cap="none" normalizeH="0" baseline="0">
                     <a:ln>
                       <a:noFill/>
                     </a:ln>
@@ -18625,16 +19019,6 @@
                   </a:rPr>
                   <a:t>constructor</a:t>
                 </a:r>
-                <a:endParaRPr kumimoji="0" lang="en-US" altLang="zh-CN" sz="1100" b="0" i="0" u="none" strike="noStrike" cap="none" normalizeH="0" baseline="0" smtClean="0">
-                  <a:ln>
-                    <a:noFill/>
-                  </a:ln>
-                  <a:solidFill>
-                    <a:schemeClr val="tx1"/>
-                  </a:solidFill>
-                  <a:effectLst/>
-                  <a:latin typeface="Arial" panose="020B0604020202020204" pitchFamily="34" charset="0"/>
-                </a:endParaRPr>
               </a:p>
             </p:txBody>
           </p:sp>
@@ -18682,6 +19066,7 @@
               </p:spPr>
               <p:txBody>
                 <a:bodyPr vert="horz" wrap="square" lIns="91440" tIns="45720" rIns="91440" bIns="45720" numCol="1" anchor="t" anchorCtr="0" compatLnSpc="1"/>
+                <a:lstStyle/>
                 <a:p>
                   <a:pPr marL="0" marR="0" indent="0" algn="l" defTabSz="914400" rtl="0" eaLnBrk="0" fontAlgn="base" latinLnBrk="0" hangingPunct="0">
                     <a:lnSpc>
@@ -18698,7 +19083,7 @@
                     <a:buFontTx/>
                     <a:buNone/>
                   </a:pPr>
-                  <a:endParaRPr kumimoji="0" lang="zh-CN" altLang="en-US" sz="3200" b="0" i="0" u="none" strike="noStrike" cap="none" normalizeH="0" baseline="0" smtClean="0">
+                  <a:endParaRPr kumimoji="0" lang="zh-CN" altLang="en-US" sz="3200" b="0" i="0" u="none" strike="noStrike" cap="none" normalizeH="0" baseline="0">
                     <a:ln>
                       <a:noFill/>
                     </a:ln>
@@ -18741,6 +19126,7 @@
               </p:spPr>
               <p:txBody>
                 <a:bodyPr vert="horz" wrap="square" lIns="91440" tIns="45720" rIns="91440" bIns="45720" numCol="1" anchor="t" anchorCtr="0" compatLnSpc="1"/>
+                <a:lstStyle/>
                 <a:p>
                   <a:pPr marL="0" marR="0" indent="0" algn="l" defTabSz="914400" rtl="0" eaLnBrk="0" fontAlgn="base" latinLnBrk="0" hangingPunct="0">
                     <a:lnSpc>
@@ -18757,7 +19143,7 @@
                     <a:buFontTx/>
                     <a:buNone/>
                   </a:pPr>
-                  <a:endParaRPr kumimoji="0" lang="zh-CN" altLang="en-US" sz="3200" b="0" i="0" u="none" strike="noStrike" cap="none" normalizeH="0" baseline="0" smtClean="0">
+                  <a:endParaRPr kumimoji="0" lang="zh-CN" altLang="en-US" sz="3200" b="0" i="0" u="none" strike="noStrike" cap="none" normalizeH="0" baseline="0">
                     <a:ln>
                       <a:noFill/>
                     </a:ln>
@@ -18806,6 +19192,7 @@
             </p:spPr>
             <p:txBody>
               <a:bodyPr vert="horz" wrap="square" lIns="91440" tIns="45720" rIns="91440" bIns="45720" numCol="1" anchor="t" anchorCtr="0" compatLnSpc="1"/>
+              <a:lstStyle/>
               <a:p>
                 <a:pPr marL="0" marR="0" indent="0" algn="l" defTabSz="914400" rtl="0" eaLnBrk="0" fontAlgn="t" latinLnBrk="0" hangingPunct="0">
                   <a:lnSpc>
@@ -18823,7 +19210,7 @@
                   <a:buNone/>
                 </a:pPr>
                 <a:r>
-                  <a:rPr kumimoji="0" lang="en-US" altLang="zh-CN" sz="1400" b="0" i="0" u="none" strike="noStrike" cap="none" normalizeH="0" baseline="0" smtClean="0">
+                  <a:rPr kumimoji="0" lang="en-US" altLang="zh-CN" sz="1400" b="0" i="0" u="none" strike="noStrike" cap="none" normalizeH="0" baseline="0">
                     <a:ln>
                       <a:noFill/>
                     </a:ln>
@@ -18835,16 +19222,6 @@
                   </a:rPr>
                   <a:t>sayHello</a:t>
                 </a:r>
-                <a:endParaRPr kumimoji="0" lang="en-US" altLang="zh-CN" sz="1400" b="0" i="0" u="none" strike="noStrike" cap="none" normalizeH="0" baseline="0" smtClean="0">
-                  <a:ln>
-                    <a:noFill/>
-                  </a:ln>
-                  <a:solidFill>
-                    <a:schemeClr val="tx1"/>
-                  </a:solidFill>
-                  <a:effectLst/>
-                  <a:latin typeface="Arial" panose="020B0604020202020204" pitchFamily="34" charset="0"/>
-                </a:endParaRPr>
               </a:p>
             </p:txBody>
           </p:sp>
@@ -18873,6 +19250,7 @@
             </p:spPr>
             <p:txBody>
               <a:bodyPr vert="horz" wrap="square" lIns="91440" tIns="45720" rIns="91440" bIns="45720" numCol="1" anchor="t" anchorCtr="0" compatLnSpc="1"/>
+              <a:lstStyle/>
               <a:p>
                 <a:pPr marL="0" marR="0" indent="0" algn="l" defTabSz="914400" rtl="0" eaLnBrk="0" fontAlgn="t" latinLnBrk="0" hangingPunct="0">
                   <a:lnSpc>
@@ -18890,7 +19268,7 @@
                   <a:buNone/>
                 </a:pPr>
                 <a:r>
-                  <a:rPr kumimoji="0" lang="en-US" altLang="zh-CN" sz="1000" b="1" i="0" u="none" strike="noStrike" cap="none" normalizeH="0" baseline="0" smtClean="0">
+                  <a:rPr kumimoji="0" lang="en-US" altLang="zh-CN" sz="1000" b="1" i="0" u="none" strike="noStrike" cap="none" normalizeH="0" baseline="0">
                     <a:ln>
                       <a:noFill/>
                     </a:ln>
@@ -18902,16 +19280,6 @@
                   </a:rPr>
                   <a:t>__proto__</a:t>
                 </a:r>
-                <a:endParaRPr kumimoji="0" lang="en-US" altLang="zh-CN" sz="1000" b="1" i="0" u="none" strike="noStrike" cap="none" normalizeH="0" baseline="0" smtClean="0">
-                  <a:ln>
-                    <a:noFill/>
-                  </a:ln>
-                  <a:solidFill>
-                    <a:srgbClr val="C00000"/>
-                  </a:solidFill>
-                  <a:effectLst/>
-                  <a:latin typeface="Arial" panose="020B0604020202020204" pitchFamily="34" charset="0"/>
-                </a:endParaRPr>
               </a:p>
             </p:txBody>
           </p:sp>
@@ -18940,6 +19308,7 @@
             </p:spPr>
             <p:txBody>
               <a:bodyPr vert="horz" wrap="square" lIns="91440" tIns="45720" rIns="91440" bIns="45720" numCol="1" anchor="t" anchorCtr="0" compatLnSpc="1"/>
+              <a:lstStyle/>
               <a:p>
                 <a:pPr marL="0" marR="0" indent="0" algn="l" defTabSz="914400" rtl="0" eaLnBrk="0" fontAlgn="t" latinLnBrk="0" hangingPunct="0">
                   <a:lnSpc>
@@ -18957,7 +19326,7 @@
                   <a:buNone/>
                 </a:pPr>
                 <a:r>
-                  <a:rPr kumimoji="0" lang="en-US" altLang="zh-CN" sz="1000" b="1" i="0" u="none" strike="noStrike" cap="none" normalizeH="0" baseline="0" smtClean="0">
+                  <a:rPr kumimoji="0" lang="en-US" altLang="zh-CN" sz="1000" b="1" i="0" u="none" strike="noStrike" cap="none" normalizeH="0" baseline="0">
                     <a:ln>
                       <a:noFill/>
                     </a:ln>
@@ -18969,16 +19338,6 @@
                   </a:rPr>
                   <a:t>__proto__</a:t>
                 </a:r>
-                <a:endParaRPr kumimoji="0" lang="en-US" altLang="zh-CN" sz="1000" b="1" i="0" u="none" strike="noStrike" cap="none" normalizeH="0" baseline="0" smtClean="0">
-                  <a:ln>
-                    <a:noFill/>
-                  </a:ln>
-                  <a:solidFill>
-                    <a:srgbClr val="C00000"/>
-                  </a:solidFill>
-                  <a:effectLst/>
-                  <a:latin typeface="Arial" panose="020B0604020202020204" pitchFamily="34" charset="0"/>
-                </a:endParaRPr>
               </a:p>
             </p:txBody>
           </p:sp>
@@ -19053,13 +19412,6 @@
   <p:clrMapOvr>
     <a:masterClrMapping/>
   </p:clrMapOvr>
-  <p:timing>
-    <p:tnLst>
-      <p:par>
-        <p:cTn id="1" dur="indefinite" restart="never" nodeType="tmRoot"/>
-      </p:par>
-    </p:tnLst>
-  </p:timing>
 </p:sld>
 </file>
 
@@ -19072,7 +19424,14 @@
         <p:cNvGrpSpPr/>
         <p:nvPr/>
       </p:nvGrpSpPr>
-      <p:grpSpPr/>
+      <p:grpSpPr>
+        <a:xfrm>
+          <a:off x="0" y="0"/>
+          <a:ext cx="0" cy="0"/>
+          <a:chOff x="0" y="0"/>
+          <a:chExt cx="0" cy="0"/>
+        </a:xfrm>
+      </p:grpSpPr>
       <p:sp>
         <p:nvSpPr>
           <p:cNvPr id="2" name="内容占位符 1"/>
@@ -19091,6 +19450,7 @@
         </p:spPr>
         <p:txBody>
           <a:bodyPr/>
+          <a:lstStyle/>
           <a:p>
             <a:r>
               <a:rPr lang="en-US" altLang="zh-CN"/>
@@ -19100,7 +19460,6 @@
               <a:rPr lang="zh-CN" altLang="en-US"/>
               <a:t>属性访问机制</a:t>
             </a:r>
-            <a:endParaRPr lang="zh-CN" altLang="en-US"/>
           </a:p>
           <a:p>
             <a:pPr lvl="1"/>
@@ -19115,32 +19474,8 @@
                 </a:solidFill>
                 <a:sym typeface="+mn-ea"/>
               </a:rPr>
-              <a:t>实例对象继承原型对象的属性，即可以访问</a:t>
-            </a:r>
-            <a:r>
-              <a:rPr lang="zh-CN" altLang="en-US">
-                <a:solidFill>
-                  <a:schemeClr val="tx1"/>
-                </a:solidFill>
-                <a:sym typeface="+mn-ea"/>
-              </a:rPr>
-              <a:t>原型对象上的</a:t>
-            </a:r>
-            <a:r>
-              <a:rPr lang="zh-CN" altLang="en-US">
-                <a:solidFill>
-                  <a:schemeClr val="tx1"/>
-                </a:solidFill>
-                <a:sym typeface="+mn-ea"/>
-              </a:rPr>
-              <a:t>属性，好像本身</a:t>
-            </a:r>
-            <a:endParaRPr lang="zh-CN" altLang="en-US">
-              <a:solidFill>
-                <a:schemeClr val="tx1"/>
-              </a:solidFill>
-              <a:sym typeface="+mn-ea"/>
-            </a:endParaRPr>
+              <a:t>实例对象继承原型对象的属性，即可以访问原型对象上的属性，好像本身</a:t>
+            </a:r>
           </a:p>
           <a:p>
             <a:pPr marL="168275" lvl="1" indent="0">
@@ -19155,12 +19490,6 @@
               </a:rPr>
               <a:t>   拥有该属性一样</a:t>
             </a:r>
-            <a:endParaRPr lang="zh-CN" altLang="en-US">
-              <a:solidFill>
-                <a:schemeClr val="tx1"/>
-              </a:solidFill>
-              <a:sym typeface="+mn-ea"/>
-            </a:endParaRPr>
           </a:p>
           <a:p>
             <a:pPr lvl="1"/>
@@ -19227,12 +19556,6 @@
               </a:rPr>
               <a:t>首先从本对象查找，接着是它的原型，</a:t>
             </a:r>
-            <a:endParaRPr lang="zh-CN" altLang="en-US">
-              <a:solidFill>
-                <a:schemeClr val="tx1"/>
-              </a:solidFill>
-              <a:sym typeface="+mn-ea"/>
-            </a:endParaRPr>
           </a:p>
           <a:p>
             <a:pPr marL="168275" lvl="1" indent="0">
@@ -19278,12 +19601,12 @@
         <p:spPr/>
         <p:txBody>
           <a:bodyPr/>
+          <a:lstStyle/>
           <a:p>
             <a:r>
               <a:rPr lang="zh-CN" altLang="en-US"/>
               <a:t>属性访问机制</a:t>
             </a:r>
-            <a:endParaRPr lang="zh-CN" altLang="en-US"/>
           </a:p>
         </p:txBody>
       </p:sp>
@@ -19292,13 +19615,6 @@
   <p:clrMapOvr>
     <a:masterClrMapping/>
   </p:clrMapOvr>
-  <p:timing>
-    <p:tnLst>
-      <p:par>
-        <p:cTn id="1" dur="indefinite" restart="never" nodeType="tmRoot"/>
-      </p:par>
-    </p:tnLst>
-  </p:timing>
 </p:sld>
 </file>
 
@@ -19311,7 +19627,14 @@
         <p:cNvGrpSpPr/>
         <p:nvPr/>
       </p:nvGrpSpPr>
-      <p:grpSpPr/>
+      <p:grpSpPr>
+        <a:xfrm>
+          <a:off x="0" y="0"/>
+          <a:ext cx="0" cy="0"/>
+          <a:chOff x="0" y="0"/>
+          <a:chExt cx="0" cy="0"/>
+        </a:xfrm>
+      </p:grpSpPr>
       <p:sp>
         <p:nvSpPr>
           <p:cNvPr id="2" name="内容占位符 1"/>
@@ -19330,12 +19653,12 @@
         </p:spPr>
         <p:txBody>
           <a:bodyPr/>
+          <a:lstStyle/>
           <a:p>
             <a:r>
               <a:rPr lang="zh-CN" altLang="en-US"/>
               <a:t> 属性屏蔽</a:t>
             </a:r>
-            <a:endParaRPr lang="zh-CN" altLang="en-US"/>
           </a:p>
           <a:p>
             <a:pPr lvl="1"/>
@@ -19349,7 +19672,15 @@
                   <a:schemeClr val="tx1"/>
                 </a:solidFill>
               </a:rPr>
-              <a:t>当本对象和原型对象具有相同的属性时，不会再去原型对象</a:t>
+              <a:t>当本对象和原型对象具有相同的属性时，不会再去原型对象上访问。也就是说本对象</a:t>
+            </a:r>
+            <a:r>
+              <a:rPr lang="en-US" altLang="zh-CN" sz="2400">
+                <a:solidFill>
+                  <a:schemeClr val="tx1"/>
+                </a:solidFill>
+              </a:rPr>
+              <a:t>“</a:t>
             </a:r>
             <a:r>
               <a:rPr lang="zh-CN" altLang="en-US" sz="2400">
@@ -19357,7 +19688,7 @@
                   <a:schemeClr val="tx1"/>
                 </a:solidFill>
               </a:rPr>
-              <a:t>上访问。也就是说本对象</a:t>
+              <a:t>遮蔽</a:t>
             </a:r>
             <a:r>
               <a:rPr lang="en-US" altLang="zh-CN" sz="2400">
@@ -19365,6 +19696,22 @@
                   <a:schemeClr val="tx1"/>
                 </a:solidFill>
               </a:rPr>
+              <a:t>”</a:t>
+            </a:r>
+            <a:r>
+              <a:rPr lang="zh-CN" altLang="en-US" sz="2400">
+                <a:solidFill>
+                  <a:schemeClr val="tx1"/>
+                </a:solidFill>
+              </a:rPr>
+              <a:t>或者</a:t>
+            </a:r>
+            <a:r>
+              <a:rPr lang="en-US" altLang="zh-CN" sz="2400">
+                <a:solidFill>
+                  <a:schemeClr val="tx1"/>
+                </a:solidFill>
+              </a:rPr>
               <a:t>“</a:t>
             </a:r>
             <a:r>
@@ -19373,7 +19720,7 @@
                   <a:schemeClr val="tx1"/>
                 </a:solidFill>
               </a:rPr>
-              <a:t>遮蔽</a:t>
+              <a:t>隐藏</a:t>
             </a:r>
             <a:r>
               <a:rPr lang="en-US" altLang="zh-CN" sz="2400">
@@ -19389,45 +19736,8 @@
                   <a:schemeClr val="tx1"/>
                 </a:solidFill>
               </a:rPr>
-              <a:t>或者</a:t>
-            </a:r>
-            <a:r>
-              <a:rPr lang="en-US" altLang="zh-CN" sz="2400">
-                <a:solidFill>
-                  <a:schemeClr val="tx1"/>
-                </a:solidFill>
-              </a:rPr>
-              <a:t>“</a:t>
-            </a:r>
-            <a:r>
-              <a:rPr lang="zh-CN" altLang="en-US" sz="2400">
-                <a:solidFill>
-                  <a:schemeClr val="tx1"/>
-                </a:solidFill>
-              </a:rPr>
-              <a:t>隐藏</a:t>
-            </a:r>
-            <a:r>
-              <a:rPr lang="en-US" altLang="zh-CN" sz="2400">
-                <a:solidFill>
-                  <a:schemeClr val="tx1"/>
-                </a:solidFill>
-              </a:rPr>
-              <a:t>”</a:t>
-            </a:r>
-            <a:r>
-              <a:rPr lang="zh-CN" altLang="en-US" sz="2400">
-                <a:solidFill>
-                  <a:schemeClr val="tx1"/>
-                </a:solidFill>
-              </a:rPr>
               <a:t>了原型对象中的属性。</a:t>
             </a:r>
-            <a:endParaRPr lang="zh-CN" altLang="en-US" sz="2400">
-              <a:solidFill>
-                <a:schemeClr val="tx1"/>
-              </a:solidFill>
-            </a:endParaRPr>
           </a:p>
           <a:p>
             <a:pPr lvl="0"/>
@@ -19437,9 +19747,6 @@
               </a:rPr>
               <a:t> 覆写</a:t>
             </a:r>
-            <a:endParaRPr lang="zh-CN" altLang="en-US">
-              <a:sym typeface="+mn-ea"/>
-            </a:endParaRPr>
           </a:p>
           <a:p>
             <a:pPr lvl="1"/>
@@ -19458,17 +19765,7 @@
                 <a:latin typeface="+mn-ea"/>
                 <a:sym typeface="+mn-ea"/>
               </a:rPr>
-              <a:t>一个对象的属性可以覆写原型对象相同键的属性。此时，前者的属性最先</a:t>
-            </a:r>
-            <a:r>
-              <a:rPr lang="zh-CN" dirty="0">
-                <a:solidFill>
-                  <a:schemeClr val="tx1"/>
-                </a:solidFill>
-                <a:latin typeface="+mn-ea"/>
-                <a:sym typeface="+mn-ea"/>
-              </a:rPr>
-              <a:t>被找到，可以隐藏原型对象的属性，使得原型对象的属性不能被访问。</a:t>
+              <a:t>一个对象的属性可以覆写原型对象相同键的属性。此时，前者的属性最先被找到，可以隐藏原型对象的属性，使得原型对象的属性不能被访问。</a:t>
             </a:r>
             <a:endParaRPr lang="en-US" altLang="zh-CN">
               <a:solidFill>
@@ -19503,12 +19800,12 @@
         <p:spPr/>
         <p:txBody>
           <a:bodyPr/>
+          <a:lstStyle/>
           <a:p>
             <a:r>
               <a:rPr lang="zh-CN" altLang="en-US"/>
               <a:t>属性访问机制</a:t>
             </a:r>
-            <a:endParaRPr lang="zh-CN" altLang="en-US"/>
           </a:p>
         </p:txBody>
       </p:sp>
@@ -19532,6 +19829,7 @@
           <a:bodyPr wrap="none" rtlCol="0" anchor="t">
             <a:spAutoFit/>
           </a:bodyPr>
+          <a:lstStyle/>
           <a:p>
             <a:r>
               <a:rPr lang="en-US" altLang="zh-CN" sz="2400">
@@ -19555,13 +19853,6 @@
   <p:clrMapOvr>
     <a:masterClrMapping/>
   </p:clrMapOvr>
-  <p:timing>
-    <p:tnLst>
-      <p:par>
-        <p:cTn id="1" dur="indefinite" restart="never" nodeType="tmRoot"/>
-      </p:par>
-    </p:tnLst>
-  </p:timing>
 </p:sld>
 </file>
 
@@ -19698,10 +19989,6 @@
               </a:rPr>
               <a:t>原型链</a:t>
             </a:r>
-            <a:endParaRPr lang="zh-CN" altLang="en-US" sz="2800" b="1" dirty="0">
-              <a:latin typeface="微软雅黑" panose="020B0503020204020204" pitchFamily="34" charset="-122"/>
-              <a:ea typeface="微软雅黑" panose="020B0503020204020204" pitchFamily="34" charset="-122"/>
-            </a:endParaRPr>
           </a:p>
           <a:p>
             <a:pPr marL="457200" indent="-457200" algn="l" eaLnBrk="0" hangingPunct="0">
@@ -19920,12 +20207,6 @@
               </a:rPr>
               <a:t>内容提纲</a:t>
             </a:r>
-            <a:endParaRPr lang="zh-CN" altLang="en-US">
-              <a:solidFill>
-                <a:srgbClr val="C00000"/>
-              </a:solidFill>
-              <a:latin typeface="微软雅黑" panose="020B0503020204020204" pitchFamily="34" charset="-122"/>
-            </a:endParaRPr>
           </a:p>
         </p:txBody>
       </p:sp>
@@ -19946,7 +20227,14 @@
         <p:cNvGrpSpPr/>
         <p:nvPr/>
       </p:nvGrpSpPr>
-      <p:grpSpPr/>
+      <p:grpSpPr>
+        <a:xfrm>
+          <a:off x="0" y="0"/>
+          <a:ext cx="0" cy="0"/>
+          <a:chOff x="0" y="0"/>
+          <a:chExt cx="0" cy="0"/>
+        </a:xfrm>
+      </p:grpSpPr>
       <p:sp>
         <p:nvSpPr>
           <p:cNvPr id="3" name="内容占位符 2"/>
@@ -19960,12 +20248,12 @@
         <p:spPr/>
         <p:txBody>
           <a:bodyPr/>
+          <a:lstStyle/>
           <a:p>
             <a:r>
               <a:rPr lang="zh-CN" altLang="en-US"/>
               <a:t>属性分类</a:t>
             </a:r>
-            <a:endParaRPr lang="zh-CN" altLang="en-US"/>
           </a:p>
         </p:txBody>
       </p:sp>
@@ -19987,6 +20275,7 @@
         </p:spPr>
         <p:txBody>
           <a:bodyPr/>
+          <a:lstStyle/>
           <a:p>
             <a:r>
               <a:rPr lang="en-US" altLang="zh-CN" dirty="0">
@@ -20000,74 +20289,53 @@
                 <a:latin typeface="+mn-ea"/>
                 <a:sym typeface="+mn-ea"/>
               </a:rPr>
-              <a:t>自有</a:t>
-            </a:r>
+              <a:t>自有属性</a:t>
+            </a:r>
+          </a:p>
+          <a:p>
+            <a:pPr lvl="1"/>
+            <a:r>
+              <a:rPr lang="en-US" altLang="zh-CN">
+                <a:sym typeface="+mn-ea"/>
+              </a:rPr>
+              <a:t> </a:t>
+            </a:r>
+            <a:r>
+              <a:rPr lang="en-US" altLang="zh-CN">
+                <a:solidFill>
+                  <a:schemeClr val="tx1"/>
+                </a:solidFill>
+                <a:sym typeface="+mn-ea"/>
+              </a:rPr>
+              <a:t>是</a:t>
+            </a:r>
+            <a:r>
+              <a:rPr lang="zh-CN" altLang="en-US">
+                <a:solidFill>
+                  <a:schemeClr val="tx1"/>
+                </a:solidFill>
+                <a:sym typeface="+mn-ea"/>
+              </a:rPr>
+              <a:t>指</a:t>
+            </a:r>
+            <a:r>
+              <a:rPr lang="en-US" altLang="zh-CN">
+                <a:solidFill>
+                  <a:schemeClr val="tx1"/>
+                </a:solidFill>
+                <a:sym typeface="+mn-ea"/>
+              </a:rPr>
+              <a:t>直接赋予该对象的属性，不需要从原型链上进行查找的属性</a:t>
+            </a:r>
+          </a:p>
+          <a:p>
             <a:r>
               <a:rPr lang="zh-CN" altLang="en-US" dirty="0">
                 <a:latin typeface="+mn-ea"/>
                 <a:sym typeface="+mn-ea"/>
               </a:rPr>
-              <a:t>属性</a:t>
-            </a:r>
-            <a:endParaRPr lang="zh-CN" altLang="en-US" dirty="0">
-              <a:latin typeface="+mn-ea"/>
-              <a:sym typeface="+mn-ea"/>
-            </a:endParaRPr>
-          </a:p>
-          <a:p>
-            <a:pPr lvl="1"/>
-            <a:r>
-              <a:rPr lang="en-US" altLang="zh-CN">
-                <a:sym typeface="+mn-ea"/>
-              </a:rPr>
-              <a:t> </a:t>
-            </a:r>
-            <a:r>
-              <a:rPr lang="en-US" altLang="zh-CN">
-                <a:solidFill>
-                  <a:schemeClr val="tx1"/>
-                </a:solidFill>
-                <a:sym typeface="+mn-ea"/>
-              </a:rPr>
-              <a:t>是</a:t>
-            </a:r>
-            <a:r>
-              <a:rPr lang="zh-CN" altLang="en-US">
-                <a:solidFill>
-                  <a:schemeClr val="tx1"/>
-                </a:solidFill>
-                <a:sym typeface="+mn-ea"/>
-              </a:rPr>
-              <a:t>指</a:t>
-            </a:r>
-            <a:r>
-              <a:rPr lang="en-US" altLang="zh-CN">
-                <a:solidFill>
-                  <a:schemeClr val="tx1"/>
-                </a:solidFill>
-                <a:sym typeface="+mn-ea"/>
-              </a:rPr>
-              <a:t>直接赋予该对象的属性，不需要从原型链上进行查找的属性</a:t>
-            </a:r>
-            <a:endParaRPr lang="en-US" altLang="zh-CN">
-              <a:solidFill>
-                <a:schemeClr val="tx1"/>
-              </a:solidFill>
-              <a:sym typeface="+mn-ea"/>
-            </a:endParaRPr>
-          </a:p>
-          <a:p>
-            <a:r>
-              <a:rPr lang="zh-CN" altLang="en-US" dirty="0">
-                <a:latin typeface="+mn-ea"/>
-                <a:sym typeface="+mn-ea"/>
-              </a:rPr>
               <a:t> 继承属性</a:t>
             </a:r>
-            <a:endParaRPr lang="zh-CN" altLang="en-US" dirty="0">
-              <a:latin typeface="+mn-ea"/>
-              <a:sym typeface="+mn-ea"/>
-            </a:endParaRPr>
           </a:p>
           <a:p>
             <a:pPr lvl="1"/>
@@ -20083,11 +20351,6 @@
               </a:rPr>
               <a:t>从原型链上查找的属性</a:t>
             </a:r>
-            <a:endParaRPr lang="zh-CN" altLang="en-US">
-              <a:solidFill>
-                <a:schemeClr val="tx1"/>
-              </a:solidFill>
-            </a:endParaRPr>
           </a:p>
         </p:txBody>
       </p:sp>
@@ -20096,57 +20359,50 @@
   <p:clrMapOvr>
     <a:masterClrMapping/>
   </p:clrMapOvr>
-  <p:timing>
-    <p:tnLst>
-      <p:par>
-        <p:cTn id="1" dur="indefinite" restart="never" nodeType="tmRoot"/>
-      </p:par>
-    </p:tnLst>
-  </p:timing>
 </p:sld>
 </file>
 
 <file path=ppt/tags/tag1.xml><?xml version="1.0" encoding="utf-8"?>
-<p:tagLst xmlns:p="http://schemas.openxmlformats.org/presentationml/2006/main">
-  <p:tag name="KSO_WM_UNIT_PLACING_PICTURE_USER_VIEWPORT" val="{&quot;height&quot;:5561,&quot;width&quot;:13180.878063819948}"/>
+<p:tagLst xmlns:a="http://schemas.openxmlformats.org/drawingml/2006/main" xmlns:r="http://schemas.openxmlformats.org/officeDocument/2006/relationships" xmlns:p="http://schemas.openxmlformats.org/presentationml/2006/main">
+  <p:tag name="KSO_WM_DOC_GUID" val="{f3103162-0eae-4492-b11d-e273ff5c0afe}"/>
 </p:tagLst>
 </file>
 
 <file path=ppt/tags/tag2.xml><?xml version="1.0" encoding="utf-8"?>
-<p:tagLst xmlns:p="http://schemas.openxmlformats.org/presentationml/2006/main">
+<p:tagLst xmlns:a="http://schemas.openxmlformats.org/drawingml/2006/main" xmlns:r="http://schemas.openxmlformats.org/officeDocument/2006/relationships" xmlns:p="http://schemas.openxmlformats.org/presentationml/2006/main">
   <p:tag name="REFSHAPE" val="434302876"/>
   <p:tag name="KSO_WM_UNIT_PLACING_PICTURE_USER_VIEWPORT" val="{&quot;height&quot;:5076,&quot;width&quot;:10512}"/>
 </p:tagLst>
 </file>
 
 <file path=ppt/tags/tag3.xml><?xml version="1.0" encoding="utf-8"?>
-<p:tagLst xmlns:p="http://schemas.openxmlformats.org/presentationml/2006/main">
-  <p:tag name="KSO_WM_UNIT_PLACING_PICTURE_USER_VIEWPORT" val="{&quot;height&quot;:5532,&quot;width&quot;:7464}"/>
+<p:tagLst xmlns:a="http://schemas.openxmlformats.org/drawingml/2006/main" xmlns:r="http://schemas.openxmlformats.org/officeDocument/2006/relationships" xmlns:p="http://schemas.openxmlformats.org/presentationml/2006/main">
+  <p:tag name="KSO_WM_UNIT_PLACING_PICTURE_USER_VIEWPORT" val="{&quot;height&quot;:5561,&quot;width&quot;:13180.878063819948}"/>
 </p:tagLst>
 </file>
 
 <file path=ppt/tags/tag4.xml><?xml version="1.0" encoding="utf-8"?>
-<p:tagLst xmlns:p="http://schemas.openxmlformats.org/presentationml/2006/main">
+<p:tagLst xmlns:a="http://schemas.openxmlformats.org/drawingml/2006/main" xmlns:r="http://schemas.openxmlformats.org/officeDocument/2006/relationships" xmlns:p="http://schemas.openxmlformats.org/presentationml/2006/main">
   <p:tag name="KSO_WM_UNIT_PLACING_PICTURE_USER_VIEWPORT" val="{&quot;height&quot;:888,&quot;width&quot;:1155}"/>
 </p:tagLst>
 </file>
 
 <file path=ppt/tags/tag5.xml><?xml version="1.0" encoding="utf-8"?>
-<p:tagLst xmlns:p="http://schemas.openxmlformats.org/presentationml/2006/main">
+<p:tagLst xmlns:a="http://schemas.openxmlformats.org/drawingml/2006/main" xmlns:r="http://schemas.openxmlformats.org/officeDocument/2006/relationships" xmlns:p="http://schemas.openxmlformats.org/presentationml/2006/main">
+  <p:tag name="KSO_WM_UNIT_PLACING_PICTURE_USER_VIEWPORT" val="{&quot;height&quot;:5532,&quot;width&quot;:7464}"/>
+</p:tagLst>
+</file>
+
+<file path=ppt/tags/tag6.xml><?xml version="1.0" encoding="utf-8"?>
+<p:tagLst xmlns:a="http://schemas.openxmlformats.org/drawingml/2006/main" xmlns:r="http://schemas.openxmlformats.org/officeDocument/2006/relationships" xmlns:p="http://schemas.openxmlformats.org/presentationml/2006/main">
   <p:tag name="KSO_WM_UNIT_PLACING_PICTURE_USER_VIEWPORT" val="{&quot;height&quot;:888,&quot;width&quot;:1155}"/>
 </p:tagLst>
 </file>
 
-<file path=ppt/tags/tag6.xml><?xml version="1.0" encoding="utf-8"?>
-<p:tagLst xmlns:p="http://schemas.openxmlformats.org/presentationml/2006/main">
+<file path=ppt/tags/tag7.xml><?xml version="1.0" encoding="utf-8"?>
+<p:tagLst xmlns:a="http://schemas.openxmlformats.org/drawingml/2006/main" xmlns:r="http://schemas.openxmlformats.org/officeDocument/2006/relationships" xmlns:p="http://schemas.openxmlformats.org/presentationml/2006/main">
   <p:tag name="REFSHAPE" val="680346180"/>
   <p:tag name="KSO_WM_UNIT_PLACING_PICTURE_USER_VIEWPORT" val="{&quot;height&quot;:10692,&quot;width&quot;:8856}"/>
-</p:tagLst>
-</file>
-
-<file path=ppt/tags/tag7.xml><?xml version="1.0" encoding="utf-8"?>
-<p:tagLst xmlns:p="http://schemas.openxmlformats.org/presentationml/2006/main">
-  <p:tag name="KSO_WM_DOC_GUID" val="{f3103162-0eae-4492-b11d-e273ff5c0afe}"/>
 </p:tagLst>
 </file>
 
@@ -20430,6 +20686,8 @@
       </a:bgFillStyleLst>
     </a:fmtScheme>
   </a:themeElements>
+  <a:objectDefaults/>
+  <a:extraClrSchemeLst/>
   <a:extLst>
     <a:ext uri="{05A4C25C-085E-4340-85A3-A5531E510DB2}">
       <thm15:themeFamily xmlns:thm15="http://schemas.microsoft.com/office/thememl/2012/main" name="Office Theme" id="{62F939B6-93AF-4DB8-9C6B-D6C7DFDC589F}" vid="{4A3C46E8-61CC-4603-A589-7422A47A8E4A}"/>
@@ -20772,6 +21030,7 @@
       </a:lstStyle>
     </a:lnDef>
   </a:objectDefaults>
+  <a:extraClrSchemeLst/>
   <a:extLst>
     <a:ext uri="{05A4C25C-085E-4340-85A3-A5531E510DB2}">
       <thm15:themeFamily xmlns:thm15="http://schemas.microsoft.com/office/thememl/2012/main" name="Office Theme" id="{62F939B6-93AF-4DB8-9C6B-D6C7DFDC589F}" vid="{4A3C46E8-61CC-4603-A589-7422A47A8E4A}"/>
@@ -21060,6 +21319,8 @@
       </a:bgFillStyleLst>
     </a:fmtScheme>
   </a:themeElements>
+  <a:objectDefaults/>
+  <a:extraClrSchemeLst/>
   <a:extLst>
     <a:ext uri="{05A4C25C-085E-4340-85A3-A5531E510DB2}">
       <thm15:themeFamily xmlns:thm15="http://schemas.microsoft.com/office/thememl/2012/main" name="Office Theme" id="{62F939B6-93AF-4DB8-9C6B-D6C7DFDC589F}" vid="{4A3C46E8-61CC-4603-A589-7422A47A8E4A}"/>
@@ -21348,6 +21609,8 @@
       </a:bgFillStyleLst>
     </a:fmtScheme>
   </a:themeElements>
+  <a:objectDefaults/>
+  <a:extraClrSchemeLst/>
   <a:extLst>
     <a:ext uri="{05A4C25C-085E-4340-85A3-A5531E510DB2}">
       <thm15:themeFamily xmlns:thm15="http://schemas.microsoft.com/office/thememl/2012/main" name="Office Theme" id="{62F939B6-93AF-4DB8-9C6B-D6C7DFDC589F}" vid="{4A3C46E8-61CC-4603-A589-7422A47A8E4A}"/>
@@ -21636,6 +21899,8 @@
       </a:bgFillStyleLst>
     </a:fmtScheme>
   </a:themeElements>
+  <a:objectDefaults/>
+  <a:extraClrSchemeLst/>
   <a:extLst>
     <a:ext uri="{05A4C25C-085E-4340-85A3-A5531E510DB2}">
       <thm15:themeFamily xmlns:thm15="http://schemas.microsoft.com/office/thememl/2012/main" name="Office Theme" id="{62F939B6-93AF-4DB8-9C6B-D6C7DFDC589F}" vid="{4A3C46E8-61CC-4603-A589-7422A47A8E4A}"/>
@@ -21924,6 +22189,8 @@
       </a:bgFillStyleLst>
     </a:fmtScheme>
   </a:themeElements>
+  <a:objectDefaults/>
+  <a:extraClrSchemeLst/>
   <a:extLst>
     <a:ext uri="{05A4C25C-085E-4340-85A3-A5531E510DB2}">
       <thm15:themeFamily xmlns:thm15="http://schemas.microsoft.com/office/thememl/2012/main" name="Office Theme" id="{62F939B6-93AF-4DB8-9C6B-D6C7DFDC589F}" vid="{4A3C46E8-61CC-4603-A589-7422A47A8E4A}"/>
@@ -22210,6 +22477,8 @@
       </a:bgFillStyleLst>
     </a:fmtScheme>
   </a:themeElements>
+  <a:objectDefaults/>
+  <a:extraClrSchemeLst/>
   <a:extLst>
     <a:ext uri="{05A4C25C-085E-4340-85A3-A5531E510DB2}">
       <thm15:themeFamily xmlns:thm15="http://schemas.microsoft.com/office/thememl/2012/main" name="Office Theme" id="{62F939B6-93AF-4DB8-9C6B-D6C7DFDC589F}" vid="{4A3C46E8-61CC-4603-A589-7422A47A8E4A}"/>
@@ -22469,6 +22738,8 @@
       </a:bgFillStyleLst>
     </a:fmtScheme>
   </a:themeElements>
+  <a:objectDefaults/>
+  <a:extraClrSchemeLst/>
   <a:extLst>
     <a:ext uri="{05A4C25C-085E-4340-85A3-A5531E510DB2}">
       <thm15:themeFamily xmlns:thm15="http://schemas.microsoft.com/office/thememl/2012/main" name="Office Theme" id="{62F939B6-93AF-4DB8-9C6B-D6C7DFDC589F}" vid="{4A3C46E8-61CC-4603-A589-7422A47A8E4A}"/>
